--- a/slides/Unit 2 - LC 101 - Class 8.pptx
+++ b/slides/Unit 2 - LC 101 - Class 8.pptx
@@ -1,27 +1,27 @@
 
 <file path=ppt/presentation.xml><?xml version="1.0" encoding="utf-8"?>
-<p:presentation xmlns:a="http://schemas.openxmlformats.org/drawingml/2006/main" xmlns:r="http://schemas.openxmlformats.org/officeDocument/2006/relationships" xmlns:mc="http://schemas.openxmlformats.org/markup-compatibility/2006" xmlns:mv="urn:schemas-microsoft-com:mac:vml" xmlns:p="http://schemas.openxmlformats.org/presentationml/2006/main" xmlns:c="http://schemas.openxmlformats.org/drawingml/2006/chart" xmlns:dgm="http://schemas.openxmlformats.org/drawingml/2006/diagram" xmlns:o="urn:schemas-microsoft-com:office:office" xmlns:v="urn:schemas-microsoft-com:vml" xmlns:pvml="urn:schemas-microsoft-com:office:powerpoint" xmlns:com="http://schemas.openxmlformats.org/drawingml/2006/compatibility" xmlns:p14="http://schemas.microsoft.com/office/powerpoint/2010/main" xmlns:p15="http://schemas.microsoft.com/office/powerpoint/2012/main" autoCompressPictures="0" strictFirstAndLastChars="0" saveSubsetFonts="1">
+<p:presentation xmlns:a="http://schemas.openxmlformats.org/drawingml/2006/main" xmlns:r="http://schemas.openxmlformats.org/officeDocument/2006/relationships" xmlns:p="http://schemas.openxmlformats.org/presentationml/2006/main" strictFirstAndLastChars="0" saveSubsetFonts="1" autoCompressPictures="0">
   <p:sldMasterIdLst>
-    <p:sldMasterId id="2147483659" r:id="rId3"/>
+    <p:sldMasterId id="2147483659" r:id="rId1"/>
   </p:sldMasterIdLst>
   <p:notesMasterIdLst>
-    <p:notesMasterId r:id="rId4"/>
+    <p:notesMasterId r:id="rId11"/>
   </p:notesMasterIdLst>
   <p:sldIdLst>
-    <p:sldId id="256" r:id="rId5"/>
-    <p:sldId id="257" r:id="rId6"/>
-    <p:sldId id="258" r:id="rId7"/>
-    <p:sldId id="259" r:id="rId8"/>
-    <p:sldId id="260" r:id="rId9"/>
-    <p:sldId id="261" r:id="rId10"/>
-    <p:sldId id="262" r:id="rId11"/>
-    <p:sldId id="263" r:id="rId12"/>
-    <p:sldId id="264" r:id="rId13"/>
+    <p:sldId id="265" r:id="rId2"/>
+    <p:sldId id="266" r:id="rId3"/>
+    <p:sldId id="267" r:id="rId4"/>
+    <p:sldId id="268" r:id="rId5"/>
+    <p:sldId id="256" r:id="rId6"/>
+    <p:sldId id="259" r:id="rId7"/>
+    <p:sldId id="269" r:id="rId8"/>
+    <p:sldId id="270" r:id="rId9"/>
+    <p:sldId id="271" r:id="rId10"/>
   </p:sldIdLst>
-  <p:sldSz cy="5143500" cx="9144000"/>
+  <p:sldSz cx="9144000" cy="5143500" type="screen16x9"/>
   <p:notesSz cx="6858000" cy="9144000"/>
   <p:defaultTextStyle>
-    <a:defPPr lvl="0" marR="0" rtl="0" algn="l">
+    <a:defPPr marR="0" lvl="0" algn="l" rtl="0">
       <a:lnSpc>
         <a:spcPct val="100000"/>
       </a:lnSpc>
@@ -32,7 +32,7 @@
         <a:spcPts val="0"/>
       </a:spcAft>
     </a:defPPr>
-    <a:lvl1pPr lvl="0" marR="0" rtl="0" algn="l">
+    <a:lvl1pPr marR="0" lvl="0" algn="l" rtl="0">
       <a:lnSpc>
         <a:spcPct val="100000"/>
       </a:lnSpc>
@@ -46,7 +46,7 @@
         <a:srgbClr val="000000"/>
       </a:buClr>
       <a:buFont typeface="Arial"/>
-      <a:defRPr b="0" i="0" sz="1400" u="none" cap="none" strike="noStrike">
+      <a:defRPr sz="1400" b="0" i="0" u="none" strike="noStrike" cap="none">
         <a:solidFill>
           <a:srgbClr val="000000"/>
         </a:solidFill>
@@ -56,7 +56,7 @@
         <a:sym typeface="Arial"/>
       </a:defRPr>
     </a:lvl1pPr>
-    <a:lvl2pPr lvl="1" marR="0" rtl="0" algn="l">
+    <a:lvl2pPr marR="0" lvl="1" algn="l" rtl="0">
       <a:lnSpc>
         <a:spcPct val="100000"/>
       </a:lnSpc>
@@ -70,7 +70,7 @@
         <a:srgbClr val="000000"/>
       </a:buClr>
       <a:buFont typeface="Arial"/>
-      <a:defRPr b="0" i="0" sz="1400" u="none" cap="none" strike="noStrike">
+      <a:defRPr sz="1400" b="0" i="0" u="none" strike="noStrike" cap="none">
         <a:solidFill>
           <a:srgbClr val="000000"/>
         </a:solidFill>
@@ -80,7 +80,7 @@
         <a:sym typeface="Arial"/>
       </a:defRPr>
     </a:lvl2pPr>
-    <a:lvl3pPr lvl="2" marR="0" rtl="0" algn="l">
+    <a:lvl3pPr marR="0" lvl="2" algn="l" rtl="0">
       <a:lnSpc>
         <a:spcPct val="100000"/>
       </a:lnSpc>
@@ -94,7 +94,7 @@
         <a:srgbClr val="000000"/>
       </a:buClr>
       <a:buFont typeface="Arial"/>
-      <a:defRPr b="0" i="0" sz="1400" u="none" cap="none" strike="noStrike">
+      <a:defRPr sz="1400" b="0" i="0" u="none" strike="noStrike" cap="none">
         <a:solidFill>
           <a:srgbClr val="000000"/>
         </a:solidFill>
@@ -104,7 +104,7 @@
         <a:sym typeface="Arial"/>
       </a:defRPr>
     </a:lvl3pPr>
-    <a:lvl4pPr lvl="3" marR="0" rtl="0" algn="l">
+    <a:lvl4pPr marR="0" lvl="3" algn="l" rtl="0">
       <a:lnSpc>
         <a:spcPct val="100000"/>
       </a:lnSpc>
@@ -118,7 +118,7 @@
         <a:srgbClr val="000000"/>
       </a:buClr>
       <a:buFont typeface="Arial"/>
-      <a:defRPr b="0" i="0" sz="1400" u="none" cap="none" strike="noStrike">
+      <a:defRPr sz="1400" b="0" i="0" u="none" strike="noStrike" cap="none">
         <a:solidFill>
           <a:srgbClr val="000000"/>
         </a:solidFill>
@@ -128,7 +128,7 @@
         <a:sym typeface="Arial"/>
       </a:defRPr>
     </a:lvl4pPr>
-    <a:lvl5pPr lvl="4" marR="0" rtl="0" algn="l">
+    <a:lvl5pPr marR="0" lvl="4" algn="l" rtl="0">
       <a:lnSpc>
         <a:spcPct val="100000"/>
       </a:lnSpc>
@@ -142,7 +142,7 @@
         <a:srgbClr val="000000"/>
       </a:buClr>
       <a:buFont typeface="Arial"/>
-      <a:defRPr b="0" i="0" sz="1400" u="none" cap="none" strike="noStrike">
+      <a:defRPr sz="1400" b="0" i="0" u="none" strike="noStrike" cap="none">
         <a:solidFill>
           <a:srgbClr val="000000"/>
         </a:solidFill>
@@ -152,7 +152,7 @@
         <a:sym typeface="Arial"/>
       </a:defRPr>
     </a:lvl5pPr>
-    <a:lvl6pPr lvl="5" marR="0" rtl="0" algn="l">
+    <a:lvl6pPr marR="0" lvl="5" algn="l" rtl="0">
       <a:lnSpc>
         <a:spcPct val="100000"/>
       </a:lnSpc>
@@ -166,7 +166,7 @@
         <a:srgbClr val="000000"/>
       </a:buClr>
       <a:buFont typeface="Arial"/>
-      <a:defRPr b="0" i="0" sz="1400" u="none" cap="none" strike="noStrike">
+      <a:defRPr sz="1400" b="0" i="0" u="none" strike="noStrike" cap="none">
         <a:solidFill>
           <a:srgbClr val="000000"/>
         </a:solidFill>
@@ -176,7 +176,7 @@
         <a:sym typeface="Arial"/>
       </a:defRPr>
     </a:lvl6pPr>
-    <a:lvl7pPr lvl="6" marR="0" rtl="0" algn="l">
+    <a:lvl7pPr marR="0" lvl="6" algn="l" rtl="0">
       <a:lnSpc>
         <a:spcPct val="100000"/>
       </a:lnSpc>
@@ -190,7 +190,7 @@
         <a:srgbClr val="000000"/>
       </a:buClr>
       <a:buFont typeface="Arial"/>
-      <a:defRPr b="0" i="0" sz="1400" u="none" cap="none" strike="noStrike">
+      <a:defRPr sz="1400" b="0" i="0" u="none" strike="noStrike" cap="none">
         <a:solidFill>
           <a:srgbClr val="000000"/>
         </a:solidFill>
@@ -200,7 +200,7 @@
         <a:sym typeface="Arial"/>
       </a:defRPr>
     </a:lvl7pPr>
-    <a:lvl8pPr lvl="7" marR="0" rtl="0" algn="l">
+    <a:lvl8pPr marR="0" lvl="7" algn="l" rtl="0">
       <a:lnSpc>
         <a:spcPct val="100000"/>
       </a:lnSpc>
@@ -214,7 +214,7 @@
         <a:srgbClr val="000000"/>
       </a:buClr>
       <a:buFont typeface="Arial"/>
-      <a:defRPr b="0" i="0" sz="1400" u="none" cap="none" strike="noStrike">
+      <a:defRPr sz="1400" b="0" i="0" u="none" strike="noStrike" cap="none">
         <a:solidFill>
           <a:srgbClr val="000000"/>
         </a:solidFill>
@@ -224,7 +224,7 @@
         <a:sym typeface="Arial"/>
       </a:defRPr>
     </a:lvl8pPr>
-    <a:lvl9pPr lvl="8" marR="0" rtl="0" algn="l">
+    <a:lvl9pPr marR="0" lvl="8" algn="l" rtl="0">
       <a:lnSpc>
         <a:spcPct val="100000"/>
       </a:lnSpc>
@@ -238,7 +238,7 @@
         <a:srgbClr val="000000"/>
       </a:buClr>
       <a:buFont typeface="Arial"/>
-      <a:defRPr b="0" i="0" sz="1400" u="none" cap="none" strike="noStrike">
+      <a:defRPr sz="1400" b="0" i="0" u="none" strike="noStrike" cap="none">
         <a:solidFill>
           <a:srgbClr val="000000"/>
         </a:solidFill>
@@ -253,11 +253,16 @@
 </file>
 
 <file path=ppt/notesMasters/notesMaster1.xml><?xml version="1.0" encoding="utf-8"?>
-<p:notesMaster xmlns:a="http://schemas.openxmlformats.org/drawingml/2006/main" xmlns:r="http://schemas.openxmlformats.org/officeDocument/2006/relationships" xmlns:mc="http://schemas.openxmlformats.org/markup-compatibility/2006" xmlns:mv="urn:schemas-microsoft-com:mac:vml" xmlns:p="http://schemas.openxmlformats.org/presentationml/2006/main" xmlns:c="http://schemas.openxmlformats.org/drawingml/2006/chart" xmlns:dgm="http://schemas.openxmlformats.org/drawingml/2006/diagram" xmlns:o="urn:schemas-microsoft-com:office:office" xmlns:v="urn:schemas-microsoft-com:vml" xmlns:pvml="urn:schemas-microsoft-com:office:powerpoint" xmlns:com="http://schemas.openxmlformats.org/drawingml/2006/compatibility" xmlns:p14="http://schemas.microsoft.com/office/powerpoint/2010/main" xmlns:p15="http://schemas.microsoft.com/office/powerpoint/2012/main">
+<p:notesMaster xmlns:a="http://schemas.openxmlformats.org/drawingml/2006/main" xmlns:r="http://schemas.openxmlformats.org/officeDocument/2006/relationships" xmlns:p="http://schemas.openxmlformats.org/presentationml/2006/main">
   <p:cSld>
+    <p:bg>
+      <p:bgRef idx="1001">
+        <a:schemeClr val="bg1"/>
+      </p:bgRef>
+    </p:bg>
     <p:spTree>
       <p:nvGrpSpPr>
-        <p:cNvPr id="2" name="Shape 2"/>
+        <p:cNvPr id="1" name="Shape 2"/>
         <p:cNvGrpSpPr/>
         <p:nvPr/>
       </p:nvGrpSpPr>
@@ -272,9 +277,11 @@
       <p:sp>
         <p:nvSpPr>
           <p:cNvPr id="3" name="Shape 3"/>
-          <p:cNvSpPr/>
+          <p:cNvSpPr>
+            <a:spLocks noGrp="1" noRot="1" noChangeAspect="1"/>
+          </p:cNvSpPr>
           <p:nvPr>
-            <p:ph idx="2" type="sldImg"/>
+            <p:ph type="sldImg" idx="2"/>
           </p:nvPr>
         </p:nvSpPr>
         <p:spPr>
@@ -283,8 +290,13 @@
             <a:ext cx="6096075" cy="3429000"/>
           </a:xfrm>
           <a:custGeom>
+            <a:avLst/>
+            <a:gdLst/>
+            <a:ahLst/>
+            <a:cxnLst/>
+            <a:rect l="0" t="0" r="0" b="0"/>
             <a:pathLst>
-              <a:path extrusionOk="0" h="120000" w="120000">
+              <a:path w="120000" h="120000" extrusionOk="0">
                 <a:moveTo>
                   <a:pt x="0" y="0"/>
                 </a:moveTo>
@@ -302,23 +314,25 @@
             </a:pathLst>
           </a:custGeom>
           <a:noFill/>
-          <a:ln cap="flat" cmpd="sng" w="9525">
+          <a:ln w="9525" cap="flat" cmpd="sng">
             <a:solidFill>
               <a:srgbClr val="000000"/>
             </a:solidFill>
             <a:prstDash val="solid"/>
             <a:round/>
-            <a:headEnd len="sm" w="sm" type="none"/>
-            <a:tailEnd len="sm" w="sm" type="none"/>
+            <a:headEnd type="none" w="sm" len="sm"/>
+            <a:tailEnd type="none" w="sm" len="sm"/>
           </a:ln>
         </p:spPr>
       </p:sp>
       <p:sp>
         <p:nvSpPr>
           <p:cNvPr id="4" name="Shape 4"/>
-          <p:cNvSpPr txBox="1"/>
+          <p:cNvSpPr txBox="1">
+            <a:spLocks noGrp="1"/>
+          </p:cNvSpPr>
           <p:nvPr>
-            <p:ph idx="1" type="body"/>
+            <p:ph type="body" idx="1"/>
           </p:nvPr>
         </p:nvSpPr>
         <p:spPr>
@@ -335,9 +349,9 @@
           </a:ln>
         </p:spPr>
         <p:txBody>
-          <a:bodyPr anchorCtr="0" anchor="t" bIns="91425" lIns="91425" spcFirstLastPara="1" rIns="91425" wrap="square" tIns="91425"/>
+          <a:bodyPr spcFirstLastPara="1" wrap="square" lIns="91425" tIns="91425" rIns="91425" bIns="91425" anchor="t" anchorCtr="0"/>
           <a:lstStyle>
-            <a:lvl1pPr indent="-317500" lvl="0" marL="457200">
+            <a:lvl1pPr marL="457200" lvl="0" indent="-317500">
               <a:spcBef>
                 <a:spcPts val="0"/>
               </a:spcBef>
@@ -348,7 +362,7 @@
               <a:buChar char="●"/>
               <a:defRPr sz="1100"/>
             </a:lvl1pPr>
-            <a:lvl2pPr indent="-317500" lvl="1" marL="914400">
+            <a:lvl2pPr marL="914400" lvl="1" indent="-317500">
               <a:spcBef>
                 <a:spcPts val="0"/>
               </a:spcBef>
@@ -359,7 +373,7 @@
               <a:buChar char="○"/>
               <a:defRPr sz="1100"/>
             </a:lvl2pPr>
-            <a:lvl3pPr indent="-317500" lvl="2" marL="1371600">
+            <a:lvl3pPr marL="1371600" lvl="2" indent="-317500">
               <a:spcBef>
                 <a:spcPts val="0"/>
               </a:spcBef>
@@ -370,7 +384,7 @@
               <a:buChar char="■"/>
               <a:defRPr sz="1100"/>
             </a:lvl3pPr>
-            <a:lvl4pPr indent="-317500" lvl="3" marL="1828800">
+            <a:lvl4pPr marL="1828800" lvl="3" indent="-317500">
               <a:spcBef>
                 <a:spcPts val="0"/>
               </a:spcBef>
@@ -381,7 +395,7 @@
               <a:buChar char="●"/>
               <a:defRPr sz="1100"/>
             </a:lvl4pPr>
-            <a:lvl5pPr indent="-317500" lvl="4" marL="2286000">
+            <a:lvl5pPr marL="2286000" lvl="4" indent="-317500">
               <a:spcBef>
                 <a:spcPts val="0"/>
               </a:spcBef>
@@ -392,7 +406,7 @@
               <a:buChar char="○"/>
               <a:defRPr sz="1100"/>
             </a:lvl5pPr>
-            <a:lvl6pPr indent="-317500" lvl="5" marL="2743200">
+            <a:lvl6pPr marL="2743200" lvl="5" indent="-317500">
               <a:spcBef>
                 <a:spcPts val="0"/>
               </a:spcBef>
@@ -403,7 +417,7 @@
               <a:buChar char="■"/>
               <a:defRPr sz="1100"/>
             </a:lvl6pPr>
-            <a:lvl7pPr indent="-317500" lvl="6" marL="3200400">
+            <a:lvl7pPr marL="3200400" lvl="6" indent="-317500">
               <a:spcBef>
                 <a:spcPts val="0"/>
               </a:spcBef>
@@ -414,7 +428,7 @@
               <a:buChar char="●"/>
               <a:defRPr sz="1100"/>
             </a:lvl7pPr>
-            <a:lvl8pPr indent="-317500" lvl="7" marL="3657600">
+            <a:lvl8pPr marL="3657600" lvl="7" indent="-317500">
               <a:spcBef>
                 <a:spcPts val="0"/>
               </a:spcBef>
@@ -425,7 +439,7 @@
               <a:buChar char="○"/>
               <a:defRPr sz="1100"/>
             </a:lvl8pPr>
-            <a:lvl9pPr indent="-317500" lvl="8" marL="4114800">
+            <a:lvl9pPr marL="4114800" lvl="8" indent="-317500">
               <a:spcBef>
                 <a:spcPts val="0"/>
               </a:spcBef>
@@ -437,14 +451,16 @@
               <a:defRPr sz="1100"/>
             </a:lvl9pPr>
           </a:lstStyle>
-          <a:p/>
+          <a:p>
+            <a:endParaRPr/>
+          </a:p>
         </p:txBody>
       </p:sp>
     </p:spTree>
   </p:cSld>
-  <p:clrMap accent1="accent1" accent2="accent2" accent3="accent3" accent4="accent4" accent5="accent5" accent6="accent6" bg1="lt1" bg2="dk2" tx1="dk1" tx2="lt2" folHlink="folHlink" hlink="hlink"/>
+  <p:clrMap bg1="lt1" tx1="dk1" bg2="dk2" tx2="lt2" accent1="accent1" accent2="accent2" accent3="accent3" accent4="accent4" accent5="accent5" accent6="accent6" hlink="hlink" folHlink="folHlink"/>
   <p:notesStyle>
-    <a:defPPr lvl="0" marR="0" rtl="0" algn="l">
+    <a:defPPr marR="0" lvl="0" algn="l" rtl="0">
       <a:lnSpc>
         <a:spcPct val="100000"/>
       </a:lnSpc>
@@ -455,7 +471,7 @@
         <a:spcPts val="0"/>
       </a:spcAft>
     </a:defPPr>
-    <a:lvl1pPr lvl="0" marR="0" rtl="0" algn="l">
+    <a:lvl1pPr marR="0" lvl="0" algn="l" rtl="0">
       <a:lnSpc>
         <a:spcPct val="100000"/>
       </a:lnSpc>
@@ -469,7 +485,7 @@
         <a:srgbClr val="000000"/>
       </a:buClr>
       <a:buFont typeface="Arial"/>
-      <a:defRPr b="0" i="0" sz="1400" u="none" cap="none" strike="noStrike">
+      <a:defRPr sz="1400" b="0" i="0" u="none" strike="noStrike" cap="none">
         <a:solidFill>
           <a:srgbClr val="000000"/>
         </a:solidFill>
@@ -479,7 +495,7 @@
         <a:sym typeface="Arial"/>
       </a:defRPr>
     </a:lvl1pPr>
-    <a:lvl2pPr lvl="1" marR="0" rtl="0" algn="l">
+    <a:lvl2pPr marR="0" lvl="1" algn="l" rtl="0">
       <a:lnSpc>
         <a:spcPct val="100000"/>
       </a:lnSpc>
@@ -493,7 +509,7 @@
         <a:srgbClr val="000000"/>
       </a:buClr>
       <a:buFont typeface="Arial"/>
-      <a:defRPr b="0" i="0" sz="1400" u="none" cap="none" strike="noStrike">
+      <a:defRPr sz="1400" b="0" i="0" u="none" strike="noStrike" cap="none">
         <a:solidFill>
           <a:srgbClr val="000000"/>
         </a:solidFill>
@@ -503,7 +519,7 @@
         <a:sym typeface="Arial"/>
       </a:defRPr>
     </a:lvl2pPr>
-    <a:lvl3pPr lvl="2" marR="0" rtl="0" algn="l">
+    <a:lvl3pPr marR="0" lvl="2" algn="l" rtl="0">
       <a:lnSpc>
         <a:spcPct val="100000"/>
       </a:lnSpc>
@@ -517,7 +533,7 @@
         <a:srgbClr val="000000"/>
       </a:buClr>
       <a:buFont typeface="Arial"/>
-      <a:defRPr b="0" i="0" sz="1400" u="none" cap="none" strike="noStrike">
+      <a:defRPr sz="1400" b="0" i="0" u="none" strike="noStrike" cap="none">
         <a:solidFill>
           <a:srgbClr val="000000"/>
         </a:solidFill>
@@ -527,7 +543,7 @@
         <a:sym typeface="Arial"/>
       </a:defRPr>
     </a:lvl3pPr>
-    <a:lvl4pPr lvl="3" marR="0" rtl="0" algn="l">
+    <a:lvl4pPr marR="0" lvl="3" algn="l" rtl="0">
       <a:lnSpc>
         <a:spcPct val="100000"/>
       </a:lnSpc>
@@ -541,7 +557,7 @@
         <a:srgbClr val="000000"/>
       </a:buClr>
       <a:buFont typeface="Arial"/>
-      <a:defRPr b="0" i="0" sz="1400" u="none" cap="none" strike="noStrike">
+      <a:defRPr sz="1400" b="0" i="0" u="none" strike="noStrike" cap="none">
         <a:solidFill>
           <a:srgbClr val="000000"/>
         </a:solidFill>
@@ -551,7 +567,7 @@
         <a:sym typeface="Arial"/>
       </a:defRPr>
     </a:lvl4pPr>
-    <a:lvl5pPr lvl="4" marR="0" rtl="0" algn="l">
+    <a:lvl5pPr marR="0" lvl="4" algn="l" rtl="0">
       <a:lnSpc>
         <a:spcPct val="100000"/>
       </a:lnSpc>
@@ -565,7 +581,7 @@
         <a:srgbClr val="000000"/>
       </a:buClr>
       <a:buFont typeface="Arial"/>
-      <a:defRPr b="0" i="0" sz="1400" u="none" cap="none" strike="noStrike">
+      <a:defRPr sz="1400" b="0" i="0" u="none" strike="noStrike" cap="none">
         <a:solidFill>
           <a:srgbClr val="000000"/>
         </a:solidFill>
@@ -575,7 +591,7 @@
         <a:sym typeface="Arial"/>
       </a:defRPr>
     </a:lvl5pPr>
-    <a:lvl6pPr lvl="5" marR="0" rtl="0" algn="l">
+    <a:lvl6pPr marR="0" lvl="5" algn="l" rtl="0">
       <a:lnSpc>
         <a:spcPct val="100000"/>
       </a:lnSpc>
@@ -589,7 +605,7 @@
         <a:srgbClr val="000000"/>
       </a:buClr>
       <a:buFont typeface="Arial"/>
-      <a:defRPr b="0" i="0" sz="1400" u="none" cap="none" strike="noStrike">
+      <a:defRPr sz="1400" b="0" i="0" u="none" strike="noStrike" cap="none">
         <a:solidFill>
           <a:srgbClr val="000000"/>
         </a:solidFill>
@@ -599,7 +615,7 @@
         <a:sym typeface="Arial"/>
       </a:defRPr>
     </a:lvl6pPr>
-    <a:lvl7pPr lvl="6" marR="0" rtl="0" algn="l">
+    <a:lvl7pPr marR="0" lvl="6" algn="l" rtl="0">
       <a:lnSpc>
         <a:spcPct val="100000"/>
       </a:lnSpc>
@@ -613,7 +629,7 @@
         <a:srgbClr val="000000"/>
       </a:buClr>
       <a:buFont typeface="Arial"/>
-      <a:defRPr b="0" i="0" sz="1400" u="none" cap="none" strike="noStrike">
+      <a:defRPr sz="1400" b="0" i="0" u="none" strike="noStrike" cap="none">
         <a:solidFill>
           <a:srgbClr val="000000"/>
         </a:solidFill>
@@ -623,7 +639,7 @@
         <a:sym typeface="Arial"/>
       </a:defRPr>
     </a:lvl7pPr>
-    <a:lvl8pPr lvl="7" marR="0" rtl="0" algn="l">
+    <a:lvl8pPr marR="0" lvl="7" algn="l" rtl="0">
       <a:lnSpc>
         <a:spcPct val="100000"/>
       </a:lnSpc>
@@ -637,7 +653,7 @@
         <a:srgbClr val="000000"/>
       </a:buClr>
       <a:buFont typeface="Arial"/>
-      <a:defRPr b="0" i="0" sz="1400" u="none" cap="none" strike="noStrike">
+      <a:defRPr sz="1400" b="0" i="0" u="none" strike="noStrike" cap="none">
         <a:solidFill>
           <a:srgbClr val="000000"/>
         </a:solidFill>
@@ -647,7 +663,7 @@
         <a:sym typeface="Arial"/>
       </a:defRPr>
     </a:lvl8pPr>
-    <a:lvl9pPr lvl="8" marR="0" rtl="0" algn="l">
+    <a:lvl9pPr marR="0" lvl="8" algn="l" rtl="0">
       <a:lnSpc>
         <a:spcPct val="100000"/>
       </a:lnSpc>
@@ -661,7 +677,7 @@
         <a:srgbClr val="000000"/>
       </a:buClr>
       <a:buFont typeface="Arial"/>
-      <a:defRPr b="0" i="0" sz="1400" u="none" cap="none" strike="noStrike">
+      <a:defRPr sz="1400" b="0" i="0" u="none" strike="noStrike" cap="none">
         <a:solidFill>
           <a:srgbClr val="000000"/>
         </a:solidFill>
@@ -676,11 +692,301 @@
 </file>
 
 <file path=ppt/notesSlides/notesSlide1.xml><?xml version="1.0" encoding="utf-8"?>
-<p:notes xmlns:a="http://schemas.openxmlformats.org/drawingml/2006/main" xmlns:r="http://schemas.openxmlformats.org/officeDocument/2006/relationships" xmlns:mc="http://schemas.openxmlformats.org/markup-compatibility/2006" xmlns:mv="urn:schemas-microsoft-com:mac:vml" xmlns:p="http://schemas.openxmlformats.org/presentationml/2006/main" xmlns:c="http://schemas.openxmlformats.org/drawingml/2006/chart" xmlns:dgm="http://schemas.openxmlformats.org/drawingml/2006/diagram" xmlns:o="urn:schemas-microsoft-com:office:office" xmlns:v="urn:schemas-microsoft-com:vml" xmlns:pvml="urn:schemas-microsoft-com:office:powerpoint" xmlns:com="http://schemas.openxmlformats.org/drawingml/2006/compatibility" xmlns:p14="http://schemas.microsoft.com/office/powerpoint/2010/main" xmlns:p15="http://schemas.microsoft.com/office/powerpoint/2012/main" showMasterPhAnim="0" showMasterSp="0">
+<p:notes xmlns:a="http://schemas.openxmlformats.org/drawingml/2006/main" xmlns:r="http://schemas.openxmlformats.org/officeDocument/2006/relationships" xmlns:p="http://schemas.openxmlformats.org/presentationml/2006/main">
   <p:cSld>
     <p:spTree>
       <p:nvGrpSpPr>
-        <p:cNvPr id="50" name="Shape 50"/>
+        <p:cNvPr id="1" name=""/>
+        <p:cNvGrpSpPr/>
+        <p:nvPr/>
+      </p:nvGrpSpPr>
+      <p:grpSpPr>
+        <a:xfrm>
+          <a:off x="0" y="0"/>
+          <a:ext cx="0" cy="0"/>
+          <a:chOff x="0" y="0"/>
+          <a:chExt cx="0" cy="0"/>
+        </a:xfrm>
+      </p:grpSpPr>
+      <p:sp>
+        <p:nvSpPr>
+          <p:cNvPr id="2" name="Slide Image Placeholder 1"/>
+          <p:cNvSpPr>
+            <a:spLocks noGrp="1" noRot="1" noChangeAspect="1"/>
+          </p:cNvSpPr>
+          <p:nvPr>
+            <p:ph type="sldImg"/>
+          </p:nvPr>
+        </p:nvSpPr>
+        <p:spPr>
+          <a:xfrm>
+            <a:off x="381000" y="685800"/>
+            <a:ext cx="6096000" cy="3429000"/>
+          </a:xfrm>
+        </p:spPr>
+      </p:sp>
+      <p:sp>
+        <p:nvSpPr>
+          <p:cNvPr id="3" name="Notes Placeholder 2"/>
+          <p:cNvSpPr>
+            <a:spLocks noGrp="1"/>
+          </p:cNvSpPr>
+          <p:nvPr>
+            <p:ph type="body" idx="1"/>
+          </p:nvPr>
+        </p:nvSpPr>
+        <p:spPr/>
+        <p:txBody>
+          <a:bodyPr/>
+          <a:lstStyle/>
+          <a:p>
+            <a:r>
+              <a:rPr lang="en-US" dirty="0"/>
+              <a:t>Nothing is happening.</a:t>
+            </a:r>
+          </a:p>
+        </p:txBody>
+      </p:sp>
+    </p:spTree>
+    <p:extLst>
+      <p:ext uri="{BB962C8B-B14F-4D97-AF65-F5344CB8AC3E}">
+        <p14:creationId xmlns:p14="http://schemas.microsoft.com/office/powerpoint/2010/main" val="2694819786"/>
+      </p:ext>
+    </p:extLst>
+  </p:cSld>
+  <p:clrMapOvr>
+    <a:masterClrMapping/>
+  </p:clrMapOvr>
+</p:notes>
+</file>
+
+<file path=ppt/notesSlides/notesSlide2.xml><?xml version="1.0" encoding="utf-8"?>
+<p:notes xmlns:a="http://schemas.openxmlformats.org/drawingml/2006/main" xmlns:r="http://schemas.openxmlformats.org/officeDocument/2006/relationships" xmlns:p="http://schemas.openxmlformats.org/presentationml/2006/main" showMasterSp="0" showMasterPhAnim="0">
+  <p:cSld>
+    <p:spTree>
+      <p:nvGrpSpPr>
+        <p:cNvPr id="1" name="Shape 57"/>
+        <p:cNvGrpSpPr/>
+        <p:nvPr/>
+      </p:nvGrpSpPr>
+      <p:grpSpPr>
+        <a:xfrm>
+          <a:off x="0" y="0"/>
+          <a:ext cx="0" cy="0"/>
+          <a:chOff x="0" y="0"/>
+          <a:chExt cx="0" cy="0"/>
+        </a:xfrm>
+      </p:grpSpPr>
+      <p:sp>
+        <p:nvSpPr>
+          <p:cNvPr id="58" name="Shape 58"/>
+          <p:cNvSpPr>
+            <a:spLocks noGrp="1" noRot="1" noChangeAspect="1"/>
+          </p:cNvSpPr>
+          <p:nvPr>
+            <p:ph type="sldImg" idx="2"/>
+          </p:nvPr>
+        </p:nvSpPr>
+        <p:spPr>
+          <a:xfrm>
+            <a:off x="381000" y="685800"/>
+            <a:ext cx="6096000" cy="3429000"/>
+          </a:xfrm>
+          <a:custGeom>
+            <a:avLst/>
+            <a:gdLst/>
+            <a:ahLst/>
+            <a:cxnLst/>
+            <a:rect l="0" t="0" r="0" b="0"/>
+            <a:pathLst>
+              <a:path w="120000" h="120000" extrusionOk="0">
+                <a:moveTo>
+                  <a:pt x="0" y="0"/>
+                </a:moveTo>
+                <a:lnTo>
+                  <a:pt x="120000" y="0"/>
+                </a:lnTo>
+                <a:lnTo>
+                  <a:pt x="120000" y="120000"/>
+                </a:lnTo>
+                <a:lnTo>
+                  <a:pt x="0" y="120000"/>
+                </a:lnTo>
+                <a:close/>
+              </a:path>
+            </a:pathLst>
+          </a:custGeom>
+        </p:spPr>
+      </p:sp>
+      <p:sp>
+        <p:nvSpPr>
+          <p:cNvPr id="59" name="Shape 59"/>
+          <p:cNvSpPr txBox="1">
+            <a:spLocks noGrp="1"/>
+          </p:cNvSpPr>
+          <p:nvPr>
+            <p:ph type="body" idx="1"/>
+          </p:nvPr>
+        </p:nvSpPr>
+        <p:spPr>
+          <a:xfrm>
+            <a:off x="685800" y="4343400"/>
+            <a:ext cx="5486400" cy="4114800"/>
+          </a:xfrm>
+          <a:prstGeom prst="rect">
+            <a:avLst/>
+          </a:prstGeom>
+        </p:spPr>
+        <p:txBody>
+          <a:bodyPr spcFirstLastPara="1" wrap="square" lIns="91425" tIns="91425" rIns="91425" bIns="91425" anchor="t" anchorCtr="0">
+            <a:noAutofit/>
+          </a:bodyPr>
+          <a:lstStyle/>
+          <a:p>
+            <a:pPr marL="0" lvl="0" indent="0" rtl="0">
+              <a:spcBef>
+                <a:spcPts val="0"/>
+              </a:spcBef>
+              <a:spcAft>
+                <a:spcPts val="0"/>
+              </a:spcAft>
+              <a:buNone/>
+            </a:pPr>
+            <a:endParaRPr/>
+          </a:p>
+        </p:txBody>
+      </p:sp>
+    </p:spTree>
+    <p:extLst>
+      <p:ext uri="{BB962C8B-B14F-4D97-AF65-F5344CB8AC3E}">
+        <p14:creationId xmlns:p14="http://schemas.microsoft.com/office/powerpoint/2010/main" val="2536992356"/>
+      </p:ext>
+    </p:extLst>
+  </p:cSld>
+  <p:clrMapOvr>
+    <a:masterClrMapping/>
+  </p:clrMapOvr>
+</p:notes>
+</file>
+
+<file path=ppt/notesSlides/notesSlide3.xml><?xml version="1.0" encoding="utf-8"?>
+<p:notes xmlns:a="http://schemas.openxmlformats.org/drawingml/2006/main" xmlns:r="http://schemas.openxmlformats.org/officeDocument/2006/relationships" xmlns:p="http://schemas.openxmlformats.org/presentationml/2006/main" showMasterSp="0" showMasterPhAnim="0">
+  <p:cSld>
+    <p:spTree>
+      <p:nvGrpSpPr>
+        <p:cNvPr id="1" name="Shape 57"/>
+        <p:cNvGrpSpPr/>
+        <p:nvPr/>
+      </p:nvGrpSpPr>
+      <p:grpSpPr>
+        <a:xfrm>
+          <a:off x="0" y="0"/>
+          <a:ext cx="0" cy="0"/>
+          <a:chOff x="0" y="0"/>
+          <a:chExt cx="0" cy="0"/>
+        </a:xfrm>
+      </p:grpSpPr>
+      <p:sp>
+        <p:nvSpPr>
+          <p:cNvPr id="58" name="Shape 58"/>
+          <p:cNvSpPr>
+            <a:spLocks noGrp="1" noRot="1" noChangeAspect="1"/>
+          </p:cNvSpPr>
+          <p:nvPr>
+            <p:ph type="sldImg" idx="2"/>
+          </p:nvPr>
+        </p:nvSpPr>
+        <p:spPr>
+          <a:xfrm>
+            <a:off x="381000" y="685800"/>
+            <a:ext cx="6096000" cy="3429000"/>
+          </a:xfrm>
+          <a:custGeom>
+            <a:avLst/>
+            <a:gdLst/>
+            <a:ahLst/>
+            <a:cxnLst/>
+            <a:rect l="0" t="0" r="0" b="0"/>
+            <a:pathLst>
+              <a:path w="120000" h="120000" extrusionOk="0">
+                <a:moveTo>
+                  <a:pt x="0" y="0"/>
+                </a:moveTo>
+                <a:lnTo>
+                  <a:pt x="120000" y="0"/>
+                </a:lnTo>
+                <a:lnTo>
+                  <a:pt x="120000" y="120000"/>
+                </a:lnTo>
+                <a:lnTo>
+                  <a:pt x="0" y="120000"/>
+                </a:lnTo>
+                <a:close/>
+              </a:path>
+            </a:pathLst>
+          </a:custGeom>
+        </p:spPr>
+      </p:sp>
+      <p:sp>
+        <p:nvSpPr>
+          <p:cNvPr id="59" name="Shape 59"/>
+          <p:cNvSpPr txBox="1">
+            <a:spLocks noGrp="1"/>
+          </p:cNvSpPr>
+          <p:nvPr>
+            <p:ph type="body" idx="1"/>
+          </p:nvPr>
+        </p:nvSpPr>
+        <p:spPr>
+          <a:xfrm>
+            <a:off x="685800" y="4343400"/>
+            <a:ext cx="5486400" cy="4114800"/>
+          </a:xfrm>
+          <a:prstGeom prst="rect">
+            <a:avLst/>
+          </a:prstGeom>
+        </p:spPr>
+        <p:txBody>
+          <a:bodyPr spcFirstLastPara="1" wrap="square" lIns="91425" tIns="91425" rIns="91425" bIns="91425" anchor="t" anchorCtr="0">
+            <a:noAutofit/>
+          </a:bodyPr>
+          <a:lstStyle/>
+          <a:p>
+            <a:pPr marL="171450" lvl="0" indent="-171450" rtl="0">
+              <a:spcBef>
+                <a:spcPts val="0"/>
+              </a:spcBef>
+              <a:spcAft>
+                <a:spcPts val="0"/>
+              </a:spcAft>
+            </a:pPr>
+            <a:r>
+              <a:rPr lang="en-US" dirty="0"/>
+              <a:t>Pause when necessary. Rewind when necessary. That’s the beauty of it!</a:t>
+            </a:r>
+            <a:endParaRPr dirty="0"/>
+          </a:p>
+        </p:txBody>
+      </p:sp>
+    </p:spTree>
+    <p:extLst>
+      <p:ext uri="{BB962C8B-B14F-4D97-AF65-F5344CB8AC3E}">
+        <p14:creationId xmlns:p14="http://schemas.microsoft.com/office/powerpoint/2010/main" val="2451430397"/>
+      </p:ext>
+    </p:extLst>
+  </p:cSld>
+  <p:clrMapOvr>
+    <a:masterClrMapping/>
+  </p:clrMapOvr>
+</p:notes>
+</file>
+
+<file path=ppt/notesSlides/notesSlide4.xml><?xml version="1.0" encoding="utf-8"?>
+<p:notes xmlns:a="http://schemas.openxmlformats.org/drawingml/2006/main" xmlns:r="http://schemas.openxmlformats.org/officeDocument/2006/relationships" xmlns:p="http://schemas.openxmlformats.org/presentationml/2006/main" showMasterSp="0" showMasterPhAnim="0">
+  <p:cSld>
+    <p:spTree>
+      <p:nvGrpSpPr>
+        <p:cNvPr id="1" name="Shape 50"/>
         <p:cNvGrpSpPr/>
         <p:nvPr/>
       </p:nvGrpSpPr>
@@ -695,19 +1001,26 @@
       <p:sp>
         <p:nvSpPr>
           <p:cNvPr id="51" name="Shape 51"/>
-          <p:cNvSpPr/>
+          <p:cNvSpPr>
+            <a:spLocks noGrp="1" noRot="1" noChangeAspect="1"/>
+          </p:cNvSpPr>
           <p:nvPr>
-            <p:ph idx="2" type="sldImg"/>
+            <p:ph type="sldImg" idx="2"/>
           </p:nvPr>
         </p:nvSpPr>
         <p:spPr>
           <a:xfrm>
-            <a:off x="381300" y="685800"/>
-            <a:ext cx="6096075" cy="3429000"/>
+            <a:off x="381000" y="685800"/>
+            <a:ext cx="6096000" cy="3429000"/>
           </a:xfrm>
           <a:custGeom>
+            <a:avLst/>
+            <a:gdLst/>
+            <a:ahLst/>
+            <a:cxnLst/>
+            <a:rect l="0" t="0" r="0" b="0"/>
             <a:pathLst>
-              <a:path extrusionOk="0" h="120000" w="120000">
+              <a:path w="120000" h="120000" extrusionOk="0">
                 <a:moveTo>
                   <a:pt x="0" y="0"/>
                 </a:moveTo>
@@ -729,9 +1042,11 @@
       <p:sp>
         <p:nvSpPr>
           <p:cNvPr id="52" name="Shape 52"/>
-          <p:cNvSpPr txBox="1"/>
+          <p:cNvSpPr txBox="1">
+            <a:spLocks noGrp="1"/>
+          </p:cNvSpPr>
           <p:nvPr>
-            <p:ph idx="1" type="body"/>
+            <p:ph type="body" idx="1"/>
           </p:nvPr>
         </p:nvSpPr>
         <p:spPr>
@@ -744,12 +1059,12 @@
           </a:prstGeom>
         </p:spPr>
         <p:txBody>
-          <a:bodyPr anchorCtr="0" anchor="t" bIns="91425" lIns="91425" spcFirstLastPara="1" rIns="91425" wrap="square" tIns="91425">
+          <a:bodyPr spcFirstLastPara="1" wrap="square" lIns="91425" tIns="91425" rIns="91425" bIns="91425" anchor="t" anchorCtr="0">
             <a:noAutofit/>
           </a:bodyPr>
           <a:lstStyle/>
           <a:p>
-            <a:pPr indent="0" lvl="0" marL="0">
+            <a:pPr marL="0" lvl="0" indent="0">
               <a:spcBef>
                 <a:spcPts val="0"/>
               </a:spcBef>
@@ -758,9 +1073,6 @@
               </a:spcAft>
               <a:buNone/>
             </a:pPr>
-            <a:r>
-              <a:t/>
-            </a:r>
             <a:endParaRPr/>
           </a:p>
         </p:txBody>
@@ -773,208 +1085,12 @@
 </p:notes>
 </file>
 
-<file path=ppt/notesSlides/notesSlide2.xml><?xml version="1.0" encoding="utf-8"?>
-<p:notes xmlns:a="http://schemas.openxmlformats.org/drawingml/2006/main" xmlns:r="http://schemas.openxmlformats.org/officeDocument/2006/relationships" xmlns:mc="http://schemas.openxmlformats.org/markup-compatibility/2006" xmlns:mv="urn:schemas-microsoft-com:mac:vml" xmlns:p="http://schemas.openxmlformats.org/presentationml/2006/main" xmlns:c="http://schemas.openxmlformats.org/drawingml/2006/chart" xmlns:dgm="http://schemas.openxmlformats.org/drawingml/2006/diagram" xmlns:o="urn:schemas-microsoft-com:office:office" xmlns:v="urn:schemas-microsoft-com:vml" xmlns:pvml="urn:schemas-microsoft-com:office:powerpoint" xmlns:com="http://schemas.openxmlformats.org/drawingml/2006/compatibility" xmlns:p14="http://schemas.microsoft.com/office/powerpoint/2010/main" xmlns:p15="http://schemas.microsoft.com/office/powerpoint/2012/main" showMasterPhAnim="0" showMasterSp="0">
+<file path=ppt/notesSlides/notesSlide5.xml><?xml version="1.0" encoding="utf-8"?>
+<p:notes xmlns:a="http://schemas.openxmlformats.org/drawingml/2006/main" xmlns:r="http://schemas.openxmlformats.org/officeDocument/2006/relationships" xmlns:p="http://schemas.openxmlformats.org/presentationml/2006/main" showMasterSp="0" showMasterPhAnim="0">
   <p:cSld>
     <p:spTree>
       <p:nvGrpSpPr>
-        <p:cNvPr id="57" name="Shape 57"/>
-        <p:cNvGrpSpPr/>
-        <p:nvPr/>
-      </p:nvGrpSpPr>
-      <p:grpSpPr>
-        <a:xfrm>
-          <a:off x="0" y="0"/>
-          <a:ext cx="0" cy="0"/>
-          <a:chOff x="0" y="0"/>
-          <a:chExt cx="0" cy="0"/>
-        </a:xfrm>
-      </p:grpSpPr>
-      <p:sp>
-        <p:nvSpPr>
-          <p:cNvPr id="58" name="Shape 58"/>
-          <p:cNvSpPr/>
-          <p:nvPr>
-            <p:ph idx="2" type="sldImg"/>
-          </p:nvPr>
-        </p:nvSpPr>
-        <p:spPr>
-          <a:xfrm>
-            <a:off x="381300" y="685800"/>
-            <a:ext cx="6096000" cy="3429000"/>
-          </a:xfrm>
-          <a:custGeom>
-            <a:pathLst>
-              <a:path extrusionOk="0" h="120000" w="120000">
-                <a:moveTo>
-                  <a:pt x="0" y="0"/>
-                </a:moveTo>
-                <a:lnTo>
-                  <a:pt x="120000" y="0"/>
-                </a:lnTo>
-                <a:lnTo>
-                  <a:pt x="120000" y="120000"/>
-                </a:lnTo>
-                <a:lnTo>
-                  <a:pt x="0" y="120000"/>
-                </a:lnTo>
-                <a:close/>
-              </a:path>
-            </a:pathLst>
-          </a:custGeom>
-        </p:spPr>
-      </p:sp>
-      <p:sp>
-        <p:nvSpPr>
-          <p:cNvPr id="59" name="Shape 59"/>
-          <p:cNvSpPr txBox="1"/>
-          <p:nvPr>
-            <p:ph idx="1" type="body"/>
-          </p:nvPr>
-        </p:nvSpPr>
-        <p:spPr>
-          <a:xfrm>
-            <a:off x="685800" y="4343400"/>
-            <a:ext cx="5486400" cy="4114800"/>
-          </a:xfrm>
-          <a:prstGeom prst="rect">
-            <a:avLst/>
-          </a:prstGeom>
-        </p:spPr>
-        <p:txBody>
-          <a:bodyPr anchorCtr="0" anchor="t" bIns="91425" lIns="91425" spcFirstLastPara="1" rIns="91425" wrap="square" tIns="91425">
-            <a:noAutofit/>
-          </a:bodyPr>
-          <a:lstStyle/>
-          <a:p>
-            <a:pPr indent="0" lvl="0" marL="0" rtl="0">
-              <a:spcBef>
-                <a:spcPts val="0"/>
-              </a:spcBef>
-              <a:spcAft>
-                <a:spcPts val="0"/>
-              </a:spcAft>
-              <a:buNone/>
-            </a:pPr>
-            <a:r>
-              <a:t/>
-            </a:r>
-            <a:endParaRPr/>
-          </a:p>
-        </p:txBody>
-      </p:sp>
-    </p:spTree>
-  </p:cSld>
-  <p:clrMapOvr>
-    <a:masterClrMapping/>
-  </p:clrMapOvr>
-</p:notes>
-</file>
-
-<file path=ppt/notesSlides/notesSlide3.xml><?xml version="1.0" encoding="utf-8"?>
-<p:notes xmlns:a="http://schemas.openxmlformats.org/drawingml/2006/main" xmlns:r="http://schemas.openxmlformats.org/officeDocument/2006/relationships" xmlns:mc="http://schemas.openxmlformats.org/markup-compatibility/2006" xmlns:mv="urn:schemas-microsoft-com:mac:vml" xmlns:p="http://schemas.openxmlformats.org/presentationml/2006/main" xmlns:c="http://schemas.openxmlformats.org/drawingml/2006/chart" xmlns:dgm="http://schemas.openxmlformats.org/drawingml/2006/diagram" xmlns:o="urn:schemas-microsoft-com:office:office" xmlns:v="urn:schemas-microsoft-com:vml" xmlns:pvml="urn:schemas-microsoft-com:office:powerpoint" xmlns:com="http://schemas.openxmlformats.org/drawingml/2006/compatibility" xmlns:p14="http://schemas.microsoft.com/office/powerpoint/2010/main" xmlns:p15="http://schemas.microsoft.com/office/powerpoint/2012/main" showMasterPhAnim="0" showMasterSp="0">
-  <p:cSld>
-    <p:spTree>
-      <p:nvGrpSpPr>
-        <p:cNvPr id="63" name="Shape 63"/>
-        <p:cNvGrpSpPr/>
-        <p:nvPr/>
-      </p:nvGrpSpPr>
-      <p:grpSpPr>
-        <a:xfrm>
-          <a:off x="0" y="0"/>
-          <a:ext cx="0" cy="0"/>
-          <a:chOff x="0" y="0"/>
-          <a:chExt cx="0" cy="0"/>
-        </a:xfrm>
-      </p:grpSpPr>
-      <p:sp>
-        <p:nvSpPr>
-          <p:cNvPr id="64" name="Shape 64"/>
-          <p:cNvSpPr/>
-          <p:nvPr>
-            <p:ph idx="2" type="sldImg"/>
-          </p:nvPr>
-        </p:nvSpPr>
-        <p:spPr>
-          <a:xfrm>
-            <a:off x="381300" y="685800"/>
-            <a:ext cx="6096000" cy="3429000"/>
-          </a:xfrm>
-          <a:custGeom>
-            <a:pathLst>
-              <a:path extrusionOk="0" h="120000" w="120000">
-                <a:moveTo>
-                  <a:pt x="0" y="0"/>
-                </a:moveTo>
-                <a:lnTo>
-                  <a:pt x="120000" y="0"/>
-                </a:lnTo>
-                <a:lnTo>
-                  <a:pt x="120000" y="120000"/>
-                </a:lnTo>
-                <a:lnTo>
-                  <a:pt x="0" y="120000"/>
-                </a:lnTo>
-                <a:close/>
-              </a:path>
-            </a:pathLst>
-          </a:custGeom>
-        </p:spPr>
-      </p:sp>
-      <p:sp>
-        <p:nvSpPr>
-          <p:cNvPr id="65" name="Shape 65"/>
-          <p:cNvSpPr txBox="1"/>
-          <p:nvPr>
-            <p:ph idx="1" type="body"/>
-          </p:nvPr>
-        </p:nvSpPr>
-        <p:spPr>
-          <a:xfrm>
-            <a:off x="685800" y="4343400"/>
-            <a:ext cx="5486400" cy="4114800"/>
-          </a:xfrm>
-          <a:prstGeom prst="rect">
-            <a:avLst/>
-          </a:prstGeom>
-        </p:spPr>
-        <p:txBody>
-          <a:bodyPr anchorCtr="0" anchor="t" bIns="91425" lIns="91425" spcFirstLastPara="1" rIns="91425" wrap="square" tIns="91425">
-            <a:noAutofit/>
-          </a:bodyPr>
-          <a:lstStyle/>
-          <a:p>
-            <a:pPr indent="0" lvl="0" marL="0" rtl="0">
-              <a:spcBef>
-                <a:spcPts val="0"/>
-              </a:spcBef>
-              <a:spcAft>
-                <a:spcPts val="0"/>
-              </a:spcAft>
-              <a:buNone/>
-            </a:pPr>
-            <a:r>
-              <a:t/>
-            </a:r>
-            <a:endParaRPr/>
-          </a:p>
-        </p:txBody>
-      </p:sp>
-    </p:spTree>
-  </p:cSld>
-  <p:clrMapOvr>
-    <a:masterClrMapping/>
-  </p:clrMapOvr>
-</p:notes>
-</file>
-
-<file path=ppt/notesSlides/notesSlide4.xml><?xml version="1.0" encoding="utf-8"?>
-<p:notes xmlns:a="http://schemas.openxmlformats.org/drawingml/2006/main" xmlns:r="http://schemas.openxmlformats.org/officeDocument/2006/relationships" xmlns:mc="http://schemas.openxmlformats.org/markup-compatibility/2006" xmlns:mv="urn:schemas-microsoft-com:mac:vml" xmlns:p="http://schemas.openxmlformats.org/presentationml/2006/main" xmlns:c="http://schemas.openxmlformats.org/drawingml/2006/chart" xmlns:dgm="http://schemas.openxmlformats.org/drawingml/2006/diagram" xmlns:o="urn:schemas-microsoft-com:office:office" xmlns:v="urn:schemas-microsoft-com:vml" xmlns:pvml="urn:schemas-microsoft-com:office:powerpoint" xmlns:com="http://schemas.openxmlformats.org/drawingml/2006/compatibility" xmlns:p14="http://schemas.microsoft.com/office/powerpoint/2010/main" xmlns:p15="http://schemas.microsoft.com/office/powerpoint/2012/main" showMasterPhAnim="0" showMasterSp="0">
-  <p:cSld>
-    <p:spTree>
-      <p:nvGrpSpPr>
-        <p:cNvPr id="69" name="Shape 69"/>
+        <p:cNvPr id="1" name="Shape 69"/>
         <p:cNvGrpSpPr/>
         <p:nvPr/>
       </p:nvGrpSpPr>
@@ -989,19 +1105,26 @@
       <p:sp>
         <p:nvSpPr>
           <p:cNvPr id="70" name="Shape 70"/>
-          <p:cNvSpPr/>
+          <p:cNvSpPr>
+            <a:spLocks noGrp="1" noRot="1" noChangeAspect="1"/>
+          </p:cNvSpPr>
           <p:nvPr>
-            <p:ph idx="2" type="sldImg"/>
+            <p:ph type="sldImg" idx="2"/>
           </p:nvPr>
         </p:nvSpPr>
         <p:spPr>
           <a:xfrm>
-            <a:off x="381300" y="685800"/>
+            <a:off x="381000" y="685800"/>
             <a:ext cx="6096000" cy="3429000"/>
           </a:xfrm>
           <a:custGeom>
+            <a:avLst/>
+            <a:gdLst/>
+            <a:ahLst/>
+            <a:cxnLst/>
+            <a:rect l="0" t="0" r="0" b="0"/>
             <a:pathLst>
-              <a:path extrusionOk="0" h="120000" w="120000">
+              <a:path w="120000" h="120000" extrusionOk="0">
                 <a:moveTo>
                   <a:pt x="0" y="0"/>
                 </a:moveTo>
@@ -1023,9 +1146,11 @@
       <p:sp>
         <p:nvSpPr>
           <p:cNvPr id="71" name="Shape 71"/>
-          <p:cNvSpPr txBox="1"/>
+          <p:cNvSpPr txBox="1">
+            <a:spLocks noGrp="1"/>
+          </p:cNvSpPr>
           <p:nvPr>
-            <p:ph idx="1" type="body"/>
+            <p:ph type="body" idx="1"/>
           </p:nvPr>
         </p:nvSpPr>
         <p:spPr>
@@ -1038,12 +1163,12 @@
           </a:prstGeom>
         </p:spPr>
         <p:txBody>
-          <a:bodyPr anchorCtr="0" anchor="t" bIns="91425" lIns="91425" spcFirstLastPara="1" rIns="91425" wrap="square" tIns="91425">
+          <a:bodyPr spcFirstLastPara="1" wrap="square" lIns="91425" tIns="91425" rIns="91425" bIns="91425" anchor="t" anchorCtr="0">
             <a:noAutofit/>
           </a:bodyPr>
           <a:lstStyle/>
           <a:p>
-            <a:pPr indent="0" lvl="0" marL="0" rtl="0">
+            <a:pPr marL="0" lvl="0" indent="0" rtl="0">
               <a:spcBef>
                 <a:spcPts val="0"/>
               </a:spcBef>
@@ -1052,9 +1177,6 @@
               </a:spcAft>
               <a:buNone/>
             </a:pPr>
-            <a:r>
-              <a:t/>
-            </a:r>
             <a:endParaRPr/>
           </a:p>
         </p:txBody>
@@ -1067,12 +1189,12 @@
 </p:notes>
 </file>
 
-<file path=ppt/notesSlides/notesSlide5.xml><?xml version="1.0" encoding="utf-8"?>
-<p:notes xmlns:a="http://schemas.openxmlformats.org/drawingml/2006/main" xmlns:r="http://schemas.openxmlformats.org/officeDocument/2006/relationships" xmlns:mc="http://schemas.openxmlformats.org/markup-compatibility/2006" xmlns:mv="urn:schemas-microsoft-com:mac:vml" xmlns:p="http://schemas.openxmlformats.org/presentationml/2006/main" xmlns:c="http://schemas.openxmlformats.org/drawingml/2006/chart" xmlns:dgm="http://schemas.openxmlformats.org/drawingml/2006/diagram" xmlns:o="urn:schemas-microsoft-com:office:office" xmlns:v="urn:schemas-microsoft-com:vml" xmlns:pvml="urn:schemas-microsoft-com:office:powerpoint" xmlns:com="http://schemas.openxmlformats.org/drawingml/2006/compatibility" xmlns:p14="http://schemas.microsoft.com/office/powerpoint/2010/main" xmlns:p15="http://schemas.microsoft.com/office/powerpoint/2012/main" showMasterPhAnim="0" showMasterSp="0">
+<file path=ppt/notesSlides/notesSlide6.xml><?xml version="1.0" encoding="utf-8"?>
+<p:notes xmlns:a="http://schemas.openxmlformats.org/drawingml/2006/main" xmlns:r="http://schemas.openxmlformats.org/officeDocument/2006/relationships" xmlns:p="http://schemas.openxmlformats.org/presentationml/2006/main">
   <p:cSld>
     <p:spTree>
       <p:nvGrpSpPr>
-        <p:cNvPr id="75" name="Shape 75"/>
+        <p:cNvPr id="1" name=""/>
         <p:cNvGrpSpPr/>
         <p:nvPr/>
       </p:nvGrpSpPr>
@@ -1086,78 +1208,41 @@
       </p:grpSpPr>
       <p:sp>
         <p:nvSpPr>
-          <p:cNvPr id="76" name="Shape 76"/>
-          <p:cNvSpPr/>
+          <p:cNvPr id="2" name="Slide Image Placeholder 1"/>
+          <p:cNvSpPr>
+            <a:spLocks noGrp="1" noRot="1" noChangeAspect="1"/>
+          </p:cNvSpPr>
           <p:nvPr>
-            <p:ph idx="2" type="sldImg"/>
+            <p:ph type="sldImg"/>
           </p:nvPr>
         </p:nvSpPr>
-        <p:spPr>
-          <a:xfrm>
-            <a:off x="381300" y="685800"/>
-            <a:ext cx="6096000" cy="3429000"/>
-          </a:xfrm>
-          <a:custGeom>
-            <a:pathLst>
-              <a:path extrusionOk="0" h="120000" w="120000">
-                <a:moveTo>
-                  <a:pt x="0" y="0"/>
-                </a:moveTo>
-                <a:lnTo>
-                  <a:pt x="120000" y="0"/>
-                </a:lnTo>
-                <a:lnTo>
-                  <a:pt x="120000" y="120000"/>
-                </a:lnTo>
-                <a:lnTo>
-                  <a:pt x="0" y="120000"/>
-                </a:lnTo>
-                <a:close/>
-              </a:path>
-            </a:pathLst>
-          </a:custGeom>
-        </p:spPr>
+        <p:spPr/>
       </p:sp>
       <p:sp>
         <p:nvSpPr>
-          <p:cNvPr id="77" name="Shape 77"/>
-          <p:cNvSpPr txBox="1"/>
+          <p:cNvPr id="3" name="Notes Placeholder 2"/>
+          <p:cNvSpPr>
+            <a:spLocks noGrp="1"/>
+          </p:cNvSpPr>
           <p:nvPr>
-            <p:ph idx="1" type="body"/>
+            <p:ph type="body" idx="1"/>
           </p:nvPr>
         </p:nvSpPr>
-        <p:spPr>
-          <a:xfrm>
-            <a:off x="685800" y="4343400"/>
-            <a:ext cx="5486400" cy="4114800"/>
-          </a:xfrm>
-          <a:prstGeom prst="rect">
-            <a:avLst/>
-          </a:prstGeom>
-        </p:spPr>
+        <p:spPr/>
         <p:txBody>
-          <a:bodyPr anchorCtr="0" anchor="t" bIns="91425" lIns="91425" spcFirstLastPara="1" rIns="91425" wrap="square" tIns="91425">
-            <a:noAutofit/>
-          </a:bodyPr>
+          <a:bodyPr/>
           <a:lstStyle/>
           <a:p>
-            <a:pPr indent="0" lvl="0" marL="0" rtl="0">
-              <a:spcBef>
-                <a:spcPts val="0"/>
-              </a:spcBef>
-              <a:spcAft>
-                <a:spcPts val="0"/>
-              </a:spcAft>
-              <a:buNone/>
-            </a:pPr>
-            <a:r>
-              <a:t/>
-            </a:r>
-            <a:endParaRPr/>
+            <a:endParaRPr lang="en-US" dirty="0"/>
           </a:p>
         </p:txBody>
       </p:sp>
     </p:spTree>
+    <p:extLst>
+      <p:ext uri="{BB962C8B-B14F-4D97-AF65-F5344CB8AC3E}">
+        <p14:creationId xmlns:p14="http://schemas.microsoft.com/office/powerpoint/2010/main" val="2968878100"/>
+      </p:ext>
+    </p:extLst>
   </p:cSld>
   <p:clrMapOvr>
     <a:masterClrMapping/>
@@ -1165,12 +1250,12 @@
 </p:notes>
 </file>
 
-<file path=ppt/notesSlides/notesSlide6.xml><?xml version="1.0" encoding="utf-8"?>
-<p:notes xmlns:a="http://schemas.openxmlformats.org/drawingml/2006/main" xmlns:r="http://schemas.openxmlformats.org/officeDocument/2006/relationships" xmlns:mc="http://schemas.openxmlformats.org/markup-compatibility/2006" xmlns:mv="urn:schemas-microsoft-com:mac:vml" xmlns:p="http://schemas.openxmlformats.org/presentationml/2006/main" xmlns:c="http://schemas.openxmlformats.org/drawingml/2006/chart" xmlns:dgm="http://schemas.openxmlformats.org/drawingml/2006/diagram" xmlns:o="urn:schemas-microsoft-com:office:office" xmlns:v="urn:schemas-microsoft-com:vml" xmlns:pvml="urn:schemas-microsoft-com:office:powerpoint" xmlns:com="http://schemas.openxmlformats.org/drawingml/2006/compatibility" xmlns:p14="http://schemas.microsoft.com/office/powerpoint/2010/main" xmlns:p15="http://schemas.microsoft.com/office/powerpoint/2012/main" showMasterPhAnim="0" showMasterSp="0">
+<file path=ppt/notesSlides/notesSlide7.xml><?xml version="1.0" encoding="utf-8"?>
+<p:notes xmlns:a="http://schemas.openxmlformats.org/drawingml/2006/main" xmlns:r="http://schemas.openxmlformats.org/officeDocument/2006/relationships" xmlns:p="http://schemas.openxmlformats.org/presentationml/2006/main">
   <p:cSld>
     <p:spTree>
       <p:nvGrpSpPr>
-        <p:cNvPr id="81" name="Shape 81"/>
+        <p:cNvPr id="1" name=""/>
         <p:cNvGrpSpPr/>
         <p:nvPr/>
       </p:nvGrpSpPr>
@@ -1184,372 +1269,49 @@
       </p:grpSpPr>
       <p:sp>
         <p:nvSpPr>
-          <p:cNvPr id="82" name="Shape 82"/>
-          <p:cNvSpPr/>
+          <p:cNvPr id="2" name="Slide Image Placeholder 1"/>
+          <p:cNvSpPr>
+            <a:spLocks noGrp="1" noRot="1" noChangeAspect="1"/>
+          </p:cNvSpPr>
           <p:nvPr>
-            <p:ph idx="2" type="sldImg"/>
+            <p:ph type="sldImg"/>
           </p:nvPr>
         </p:nvSpPr>
         <p:spPr>
           <a:xfrm>
-            <a:off x="381300" y="685800"/>
+            <a:off x="381000" y="685800"/>
             <a:ext cx="6096000" cy="3429000"/>
           </a:xfrm>
-          <a:custGeom>
-            <a:pathLst>
-              <a:path extrusionOk="0" h="120000" w="120000">
-                <a:moveTo>
-                  <a:pt x="0" y="0"/>
-                </a:moveTo>
-                <a:lnTo>
-                  <a:pt x="120000" y="0"/>
-                </a:lnTo>
-                <a:lnTo>
-                  <a:pt x="120000" y="120000"/>
-                </a:lnTo>
-                <a:lnTo>
-                  <a:pt x="0" y="120000"/>
-                </a:lnTo>
-                <a:close/>
-              </a:path>
-            </a:pathLst>
-          </a:custGeom>
         </p:spPr>
       </p:sp>
       <p:sp>
         <p:nvSpPr>
-          <p:cNvPr id="83" name="Shape 83"/>
-          <p:cNvSpPr txBox="1"/>
+          <p:cNvPr id="3" name="Notes Placeholder 2"/>
+          <p:cNvSpPr>
+            <a:spLocks noGrp="1"/>
+          </p:cNvSpPr>
           <p:nvPr>
-            <p:ph idx="1" type="body"/>
+            <p:ph type="body" idx="1"/>
           </p:nvPr>
         </p:nvSpPr>
-        <p:spPr>
-          <a:xfrm>
-            <a:off x="685800" y="4343400"/>
-            <a:ext cx="5486400" cy="4114800"/>
-          </a:xfrm>
-          <a:prstGeom prst="rect">
-            <a:avLst/>
-          </a:prstGeom>
-        </p:spPr>
+        <p:spPr/>
         <p:txBody>
-          <a:bodyPr anchorCtr="0" anchor="t" bIns="91425" lIns="91425" spcFirstLastPara="1" rIns="91425" wrap="square" tIns="91425">
-            <a:noAutofit/>
-          </a:bodyPr>
+          <a:bodyPr/>
           <a:lstStyle/>
           <a:p>
-            <a:pPr indent="0" lvl="0" marL="0" rtl="0">
-              <a:spcBef>
-                <a:spcPts val="0"/>
-              </a:spcBef>
-              <a:spcAft>
-                <a:spcPts val="0"/>
-              </a:spcAft>
+            <a:pPr marL="139700" indent="0">
               <a:buNone/>
             </a:pPr>
-            <a:r>
-              <a:t/>
-            </a:r>
-            <a:endParaRPr/>
+            <a:endParaRPr lang="en-US" dirty="0"/>
           </a:p>
         </p:txBody>
       </p:sp>
     </p:spTree>
-  </p:cSld>
-  <p:clrMapOvr>
-    <a:masterClrMapping/>
-  </p:clrMapOvr>
-</p:notes>
-</file>
-
-<file path=ppt/notesSlides/notesSlide7.xml><?xml version="1.0" encoding="utf-8"?>
-<p:notes xmlns:a="http://schemas.openxmlformats.org/drawingml/2006/main" xmlns:r="http://schemas.openxmlformats.org/officeDocument/2006/relationships" xmlns:mc="http://schemas.openxmlformats.org/markup-compatibility/2006" xmlns:mv="urn:schemas-microsoft-com:mac:vml" xmlns:p="http://schemas.openxmlformats.org/presentationml/2006/main" xmlns:c="http://schemas.openxmlformats.org/drawingml/2006/chart" xmlns:dgm="http://schemas.openxmlformats.org/drawingml/2006/diagram" xmlns:o="urn:schemas-microsoft-com:office:office" xmlns:v="urn:schemas-microsoft-com:vml" xmlns:pvml="urn:schemas-microsoft-com:office:powerpoint" xmlns:com="http://schemas.openxmlformats.org/drawingml/2006/compatibility" xmlns:p14="http://schemas.microsoft.com/office/powerpoint/2010/main" xmlns:p15="http://schemas.microsoft.com/office/powerpoint/2012/main" showMasterPhAnim="0" showMasterSp="0">
-  <p:cSld>
-    <p:spTree>
-      <p:nvGrpSpPr>
-        <p:cNvPr id="87" name="Shape 87"/>
-        <p:cNvGrpSpPr/>
-        <p:nvPr/>
-      </p:nvGrpSpPr>
-      <p:grpSpPr>
-        <a:xfrm>
-          <a:off x="0" y="0"/>
-          <a:ext cx="0" cy="0"/>
-          <a:chOff x="0" y="0"/>
-          <a:chExt cx="0" cy="0"/>
-        </a:xfrm>
-      </p:grpSpPr>
-      <p:sp>
-        <p:nvSpPr>
-          <p:cNvPr id="88" name="Shape 88"/>
-          <p:cNvSpPr/>
-          <p:nvPr>
-            <p:ph idx="2" type="sldImg"/>
-          </p:nvPr>
-        </p:nvSpPr>
-        <p:spPr>
-          <a:xfrm>
-            <a:off x="381300" y="685800"/>
-            <a:ext cx="6096000" cy="3429000"/>
-          </a:xfrm>
-          <a:custGeom>
-            <a:pathLst>
-              <a:path extrusionOk="0" h="120000" w="120000">
-                <a:moveTo>
-                  <a:pt x="0" y="0"/>
-                </a:moveTo>
-                <a:lnTo>
-                  <a:pt x="120000" y="0"/>
-                </a:lnTo>
-                <a:lnTo>
-                  <a:pt x="120000" y="120000"/>
-                </a:lnTo>
-                <a:lnTo>
-                  <a:pt x="0" y="120000"/>
-                </a:lnTo>
-                <a:close/>
-              </a:path>
-            </a:pathLst>
-          </a:custGeom>
-        </p:spPr>
-      </p:sp>
-      <p:sp>
-        <p:nvSpPr>
-          <p:cNvPr id="89" name="Shape 89"/>
-          <p:cNvSpPr txBox="1"/>
-          <p:nvPr>
-            <p:ph idx="1" type="body"/>
-          </p:nvPr>
-        </p:nvSpPr>
-        <p:spPr>
-          <a:xfrm>
-            <a:off x="685800" y="4343400"/>
-            <a:ext cx="5486400" cy="4114800"/>
-          </a:xfrm>
-          <a:prstGeom prst="rect">
-            <a:avLst/>
-          </a:prstGeom>
-        </p:spPr>
-        <p:txBody>
-          <a:bodyPr anchorCtr="0" anchor="t" bIns="91425" lIns="91425" spcFirstLastPara="1" rIns="91425" wrap="square" tIns="91425">
-            <a:noAutofit/>
-          </a:bodyPr>
-          <a:lstStyle/>
-          <a:p>
-            <a:pPr indent="0" lvl="0" marL="0" rtl="0">
-              <a:spcBef>
-                <a:spcPts val="0"/>
-              </a:spcBef>
-              <a:spcAft>
-                <a:spcPts val="0"/>
-              </a:spcAft>
-              <a:buNone/>
-            </a:pPr>
-            <a:r>
-              <a:t/>
-            </a:r>
-            <a:endParaRPr/>
-          </a:p>
-        </p:txBody>
-      </p:sp>
-    </p:spTree>
-  </p:cSld>
-  <p:clrMapOvr>
-    <a:masterClrMapping/>
-  </p:clrMapOvr>
-</p:notes>
-</file>
-
-<file path=ppt/notesSlides/notesSlide8.xml><?xml version="1.0" encoding="utf-8"?>
-<p:notes xmlns:a="http://schemas.openxmlformats.org/drawingml/2006/main" xmlns:r="http://schemas.openxmlformats.org/officeDocument/2006/relationships" xmlns:mc="http://schemas.openxmlformats.org/markup-compatibility/2006" xmlns:mv="urn:schemas-microsoft-com:mac:vml" xmlns:p="http://schemas.openxmlformats.org/presentationml/2006/main" xmlns:c="http://schemas.openxmlformats.org/drawingml/2006/chart" xmlns:dgm="http://schemas.openxmlformats.org/drawingml/2006/diagram" xmlns:o="urn:schemas-microsoft-com:office:office" xmlns:v="urn:schemas-microsoft-com:vml" xmlns:pvml="urn:schemas-microsoft-com:office:powerpoint" xmlns:com="http://schemas.openxmlformats.org/drawingml/2006/compatibility" xmlns:p14="http://schemas.microsoft.com/office/powerpoint/2010/main" xmlns:p15="http://schemas.microsoft.com/office/powerpoint/2012/main" showMasterPhAnim="0" showMasterSp="0">
-  <p:cSld>
-    <p:spTree>
-      <p:nvGrpSpPr>
-        <p:cNvPr id="93" name="Shape 93"/>
-        <p:cNvGrpSpPr/>
-        <p:nvPr/>
-      </p:nvGrpSpPr>
-      <p:grpSpPr>
-        <a:xfrm>
-          <a:off x="0" y="0"/>
-          <a:ext cx="0" cy="0"/>
-          <a:chOff x="0" y="0"/>
-          <a:chExt cx="0" cy="0"/>
-        </a:xfrm>
-      </p:grpSpPr>
-      <p:sp>
-        <p:nvSpPr>
-          <p:cNvPr id="94" name="Shape 94"/>
-          <p:cNvSpPr/>
-          <p:nvPr>
-            <p:ph idx="2" type="sldImg"/>
-          </p:nvPr>
-        </p:nvSpPr>
-        <p:spPr>
-          <a:xfrm>
-            <a:off x="381300" y="685800"/>
-            <a:ext cx="6096000" cy="3429000"/>
-          </a:xfrm>
-          <a:custGeom>
-            <a:pathLst>
-              <a:path extrusionOk="0" h="120000" w="120000">
-                <a:moveTo>
-                  <a:pt x="0" y="0"/>
-                </a:moveTo>
-                <a:lnTo>
-                  <a:pt x="120000" y="0"/>
-                </a:lnTo>
-                <a:lnTo>
-                  <a:pt x="120000" y="120000"/>
-                </a:lnTo>
-                <a:lnTo>
-                  <a:pt x="0" y="120000"/>
-                </a:lnTo>
-                <a:close/>
-              </a:path>
-            </a:pathLst>
-          </a:custGeom>
-        </p:spPr>
-      </p:sp>
-      <p:sp>
-        <p:nvSpPr>
-          <p:cNvPr id="95" name="Shape 95"/>
-          <p:cNvSpPr txBox="1"/>
-          <p:nvPr>
-            <p:ph idx="1" type="body"/>
-          </p:nvPr>
-        </p:nvSpPr>
-        <p:spPr>
-          <a:xfrm>
-            <a:off x="685800" y="4343400"/>
-            <a:ext cx="5486400" cy="4114800"/>
-          </a:xfrm>
-          <a:prstGeom prst="rect">
-            <a:avLst/>
-          </a:prstGeom>
-        </p:spPr>
-        <p:txBody>
-          <a:bodyPr anchorCtr="0" anchor="t" bIns="91425" lIns="91425" spcFirstLastPara="1" rIns="91425" wrap="square" tIns="91425">
-            <a:noAutofit/>
-          </a:bodyPr>
-          <a:lstStyle/>
-          <a:p>
-            <a:pPr indent="0" lvl="0" marL="0" rtl="0">
-              <a:spcBef>
-                <a:spcPts val="0"/>
-              </a:spcBef>
-              <a:spcAft>
-                <a:spcPts val="0"/>
-              </a:spcAft>
-              <a:buNone/>
-            </a:pPr>
-            <a:r>
-              <a:t/>
-            </a:r>
-            <a:endParaRPr/>
-          </a:p>
-        </p:txBody>
-      </p:sp>
-    </p:spTree>
-  </p:cSld>
-  <p:clrMapOvr>
-    <a:masterClrMapping/>
-  </p:clrMapOvr>
-</p:notes>
-</file>
-
-<file path=ppt/notesSlides/notesSlide9.xml><?xml version="1.0" encoding="utf-8"?>
-<p:notes xmlns:a="http://schemas.openxmlformats.org/drawingml/2006/main" xmlns:r="http://schemas.openxmlformats.org/officeDocument/2006/relationships" xmlns:mc="http://schemas.openxmlformats.org/markup-compatibility/2006" xmlns:mv="urn:schemas-microsoft-com:mac:vml" xmlns:p="http://schemas.openxmlformats.org/presentationml/2006/main" xmlns:c="http://schemas.openxmlformats.org/drawingml/2006/chart" xmlns:dgm="http://schemas.openxmlformats.org/drawingml/2006/diagram" xmlns:o="urn:schemas-microsoft-com:office:office" xmlns:v="urn:schemas-microsoft-com:vml" xmlns:pvml="urn:schemas-microsoft-com:office:powerpoint" xmlns:com="http://schemas.openxmlformats.org/drawingml/2006/compatibility" xmlns:p14="http://schemas.microsoft.com/office/powerpoint/2010/main" xmlns:p15="http://schemas.microsoft.com/office/powerpoint/2012/main" showMasterPhAnim="0" showMasterSp="0">
-  <p:cSld>
-    <p:spTree>
-      <p:nvGrpSpPr>
-        <p:cNvPr id="99" name="Shape 99"/>
-        <p:cNvGrpSpPr/>
-        <p:nvPr/>
-      </p:nvGrpSpPr>
-      <p:grpSpPr>
-        <a:xfrm>
-          <a:off x="0" y="0"/>
-          <a:ext cx="0" cy="0"/>
-          <a:chOff x="0" y="0"/>
-          <a:chExt cx="0" cy="0"/>
-        </a:xfrm>
-      </p:grpSpPr>
-      <p:sp>
-        <p:nvSpPr>
-          <p:cNvPr id="100" name="Shape 100"/>
-          <p:cNvSpPr/>
-          <p:nvPr>
-            <p:ph idx="2" type="sldImg"/>
-          </p:nvPr>
-        </p:nvSpPr>
-        <p:spPr>
-          <a:xfrm>
-            <a:off x="381300" y="685800"/>
-            <a:ext cx="6096000" cy="3429000"/>
-          </a:xfrm>
-          <a:custGeom>
-            <a:pathLst>
-              <a:path extrusionOk="0" h="120000" w="120000">
-                <a:moveTo>
-                  <a:pt x="0" y="0"/>
-                </a:moveTo>
-                <a:lnTo>
-                  <a:pt x="120000" y="0"/>
-                </a:lnTo>
-                <a:lnTo>
-                  <a:pt x="120000" y="120000"/>
-                </a:lnTo>
-                <a:lnTo>
-                  <a:pt x="0" y="120000"/>
-                </a:lnTo>
-                <a:close/>
-              </a:path>
-            </a:pathLst>
-          </a:custGeom>
-        </p:spPr>
-      </p:sp>
-      <p:sp>
-        <p:nvSpPr>
-          <p:cNvPr id="101" name="Shape 101"/>
-          <p:cNvSpPr txBox="1"/>
-          <p:nvPr>
-            <p:ph idx="1" type="body"/>
-          </p:nvPr>
-        </p:nvSpPr>
-        <p:spPr>
-          <a:xfrm>
-            <a:off x="685800" y="4343400"/>
-            <a:ext cx="5486400" cy="4114800"/>
-          </a:xfrm>
-          <a:prstGeom prst="rect">
-            <a:avLst/>
-          </a:prstGeom>
-        </p:spPr>
-        <p:txBody>
-          <a:bodyPr anchorCtr="0" anchor="t" bIns="91425" lIns="91425" spcFirstLastPara="1" rIns="91425" wrap="square" tIns="91425">
-            <a:noAutofit/>
-          </a:bodyPr>
-          <a:lstStyle/>
-          <a:p>
-            <a:pPr indent="0" lvl="0" marL="0" rtl="0">
-              <a:spcBef>
-                <a:spcPts val="0"/>
-              </a:spcBef>
-              <a:spcAft>
-                <a:spcPts val="0"/>
-              </a:spcAft>
-              <a:buNone/>
-            </a:pPr>
-            <a:r>
-              <a:t/>
-            </a:r>
-            <a:endParaRPr/>
-          </a:p>
-        </p:txBody>
-      </p:sp>
-    </p:spTree>
+    <p:extLst>
+      <p:ext uri="{BB962C8B-B14F-4D97-AF65-F5344CB8AC3E}">
+        <p14:creationId xmlns:p14="http://schemas.microsoft.com/office/powerpoint/2010/main" val="2825725269"/>
+      </p:ext>
+    </p:extLst>
   </p:cSld>
   <p:clrMapOvr>
     <a:masterClrMapping/>
@@ -1558,11 +1320,11 @@
 </file>
 
 <file path=ppt/slideLayouts/slideLayout1.xml><?xml version="1.0" encoding="utf-8"?>
-<p:sldLayout xmlns:a="http://schemas.openxmlformats.org/drawingml/2006/main" xmlns:r="http://schemas.openxmlformats.org/officeDocument/2006/relationships" xmlns:mc="http://schemas.openxmlformats.org/markup-compatibility/2006" xmlns:mv="urn:schemas-microsoft-com:mac:vml" xmlns:p="http://schemas.openxmlformats.org/presentationml/2006/main" xmlns:c="http://schemas.openxmlformats.org/drawingml/2006/chart" xmlns:dgm="http://schemas.openxmlformats.org/drawingml/2006/diagram" xmlns:o="urn:schemas-microsoft-com:office:office" xmlns:v="urn:schemas-microsoft-com:vml" xmlns:pvml="urn:schemas-microsoft-com:office:powerpoint" xmlns:com="http://schemas.openxmlformats.org/drawingml/2006/compatibility" xmlns:p14="http://schemas.microsoft.com/office/powerpoint/2010/main" xmlns:p15="http://schemas.microsoft.com/office/powerpoint/2012/main" matchingName="Title slide" type="title">
+<p:sldLayout xmlns:a="http://schemas.openxmlformats.org/drawingml/2006/main" xmlns:r="http://schemas.openxmlformats.org/officeDocument/2006/relationships" xmlns:p="http://schemas.openxmlformats.org/presentationml/2006/main" matchingName="Title slide" type="title">
   <p:cSld name="TITLE">
     <p:spTree>
       <p:nvGrpSpPr>
-        <p:cNvPr id="9" name="Shape 9"/>
+        <p:cNvPr id="1" name="Shape 9"/>
         <p:cNvGrpSpPr/>
         <p:nvPr/>
       </p:nvGrpSpPr>
@@ -1577,7 +1339,9 @@
       <p:sp>
         <p:nvSpPr>
           <p:cNvPr id="10" name="Shape 10"/>
-          <p:cNvSpPr txBox="1"/>
+          <p:cNvSpPr txBox="1">
+            <a:spLocks noGrp="1"/>
+          </p:cNvSpPr>
           <p:nvPr>
             <p:ph type="ctrTitle"/>
           </p:nvPr>
@@ -1592,7 +1356,7 @@
           </a:prstGeom>
         </p:spPr>
         <p:txBody>
-          <a:bodyPr anchorCtr="0" anchor="b" bIns="91425" lIns="91425" spcFirstLastPara="1" rIns="91425" wrap="square" tIns="91425"/>
+          <a:bodyPr spcFirstLastPara="1" wrap="square" lIns="91425" tIns="91425" rIns="91425" bIns="91425" anchor="b" anchorCtr="0"/>
           <a:lstStyle>
             <a:lvl1pPr lvl="0" algn="ctr">
               <a:spcBef>
@@ -1694,15 +1458,19 @@
               <a:defRPr sz="5200"/>
             </a:lvl9pPr>
           </a:lstStyle>
-          <a:p/>
+          <a:p>
+            <a:endParaRPr/>
+          </a:p>
         </p:txBody>
       </p:sp>
       <p:sp>
         <p:nvSpPr>
           <p:cNvPr id="11" name="Shape 11"/>
-          <p:cNvSpPr txBox="1"/>
+          <p:cNvSpPr txBox="1">
+            <a:spLocks noGrp="1"/>
+          </p:cNvSpPr>
           <p:nvPr>
-            <p:ph idx="1" type="subTitle"/>
+            <p:ph type="subTitle" idx="1"/>
           </p:nvPr>
         </p:nvSpPr>
         <p:spPr>
@@ -1715,7 +1483,7 @@
           </a:prstGeom>
         </p:spPr>
         <p:txBody>
-          <a:bodyPr anchorCtr="0" anchor="t" bIns="91425" lIns="91425" spcFirstLastPara="1" rIns="91425" wrap="square" tIns="91425"/>
+          <a:bodyPr spcFirstLastPara="1" wrap="square" lIns="91425" tIns="91425" rIns="91425" bIns="91425" anchor="t" anchorCtr="0"/>
           <a:lstStyle>
             <a:lvl1pPr lvl="0" algn="ctr">
               <a:lnSpc>
@@ -1844,15 +1612,19 @@
               <a:defRPr sz="2800"/>
             </a:lvl9pPr>
           </a:lstStyle>
-          <a:p/>
+          <a:p>
+            <a:endParaRPr/>
+          </a:p>
         </p:txBody>
       </p:sp>
       <p:sp>
         <p:nvSpPr>
           <p:cNvPr id="12" name="Shape 12"/>
-          <p:cNvSpPr txBox="1"/>
+          <p:cNvSpPr txBox="1">
+            <a:spLocks noGrp="1"/>
+          </p:cNvSpPr>
           <p:nvPr>
-            <p:ph idx="12" type="sldNum"/>
+            <p:ph type="sldNum" idx="12"/>
           </p:nvPr>
         </p:nvSpPr>
         <p:spPr>
@@ -1865,7 +1637,7 @@
           </a:prstGeom>
         </p:spPr>
         <p:txBody>
-          <a:bodyPr anchorCtr="0" anchor="ctr" bIns="91425" lIns="91425" spcFirstLastPara="1" rIns="91425" wrap="square" tIns="91425">
+          <a:bodyPr spcFirstLastPara="1" wrap="square" lIns="91425" tIns="91425" rIns="91425" bIns="91425" anchor="ctr" anchorCtr="0">
             <a:noAutofit/>
           </a:bodyPr>
           <a:lstStyle>
@@ -1907,7 +1679,7 @@
             </a:lvl9pPr>
           </a:lstStyle>
           <a:p>
-            <a:pPr indent="0" lvl="0" marL="0">
+            <a:pPr marL="0" lvl="0" indent="0">
               <a:spcBef>
                 <a:spcPts val="0"/>
               </a:spcBef>
@@ -1933,11 +1705,11 @@
 </file>
 
 <file path=ppt/slideLayouts/slideLayout10.xml><?xml version="1.0" encoding="utf-8"?>
-<p:sldLayout xmlns:a="http://schemas.openxmlformats.org/drawingml/2006/main" xmlns:r="http://schemas.openxmlformats.org/officeDocument/2006/relationships" xmlns:mc="http://schemas.openxmlformats.org/markup-compatibility/2006" xmlns:mv="urn:schemas-microsoft-com:mac:vml" xmlns:p="http://schemas.openxmlformats.org/presentationml/2006/main" xmlns:c="http://schemas.openxmlformats.org/drawingml/2006/chart" xmlns:dgm="http://schemas.openxmlformats.org/drawingml/2006/diagram" xmlns:o="urn:schemas-microsoft-com:office:office" xmlns:v="urn:schemas-microsoft-com:vml" xmlns:pvml="urn:schemas-microsoft-com:office:powerpoint" xmlns:com="http://schemas.openxmlformats.org/drawingml/2006/compatibility" xmlns:p14="http://schemas.microsoft.com/office/powerpoint/2010/main" xmlns:p15="http://schemas.microsoft.com/office/powerpoint/2012/main" matchingName="Big number">
+<p:sldLayout xmlns:a="http://schemas.openxmlformats.org/drawingml/2006/main" xmlns:r="http://schemas.openxmlformats.org/officeDocument/2006/relationships" xmlns:p="http://schemas.openxmlformats.org/presentationml/2006/main" matchingName="Big number">
   <p:cSld name="BIG_NUMBER">
     <p:spTree>
       <p:nvGrpSpPr>
-        <p:cNvPr id="44" name="Shape 44"/>
+        <p:cNvPr id="1" name="Shape 44"/>
         <p:cNvGrpSpPr/>
         <p:nvPr/>
       </p:nvGrpSpPr>
@@ -1952,7 +1724,9 @@
       <p:sp>
         <p:nvSpPr>
           <p:cNvPr id="45" name="Shape 45"/>
-          <p:cNvSpPr txBox="1"/>
+          <p:cNvSpPr txBox="1">
+            <a:spLocks noGrp="1"/>
+          </p:cNvSpPr>
           <p:nvPr>
             <p:ph type="title"/>
           </p:nvPr>
@@ -1967,7 +1741,7 @@
           </a:prstGeom>
         </p:spPr>
         <p:txBody>
-          <a:bodyPr anchorCtr="0" anchor="b" bIns="91425" lIns="91425" spcFirstLastPara="1" rIns="91425" wrap="square" tIns="91425"/>
+          <a:bodyPr spcFirstLastPara="1" wrap="square" lIns="91425" tIns="91425" rIns="91425" bIns="91425" anchor="b" anchorCtr="0"/>
           <a:lstStyle>
             <a:lvl1pPr lvl="0" algn="ctr">
               <a:spcBef>
@@ -2069,15 +1843,19 @@
               <a:defRPr sz="12000"/>
             </a:lvl9pPr>
           </a:lstStyle>
-          <a:p/>
+          <a:p>
+            <a:endParaRPr/>
+          </a:p>
         </p:txBody>
       </p:sp>
       <p:sp>
         <p:nvSpPr>
           <p:cNvPr id="46" name="Shape 46"/>
-          <p:cNvSpPr txBox="1"/>
+          <p:cNvSpPr txBox="1">
+            <a:spLocks noGrp="1"/>
+          </p:cNvSpPr>
           <p:nvPr>
-            <p:ph idx="1" type="body"/>
+            <p:ph type="body" idx="1"/>
           </p:nvPr>
         </p:nvSpPr>
         <p:spPr>
@@ -2090,9 +1868,9 @@
           </a:prstGeom>
         </p:spPr>
         <p:txBody>
-          <a:bodyPr anchorCtr="0" anchor="t" bIns="91425" lIns="91425" spcFirstLastPara="1" rIns="91425" wrap="square" tIns="91425"/>
+          <a:bodyPr spcFirstLastPara="1" wrap="square" lIns="91425" tIns="91425" rIns="91425" bIns="91425" anchor="t" anchorCtr="0"/>
           <a:lstStyle>
-            <a:lvl1pPr indent="-342900" lvl="0" marL="457200" algn="ctr">
+            <a:lvl1pPr marL="457200" lvl="0" indent="-342900" algn="ctr">
               <a:spcBef>
                 <a:spcPts val="0"/>
               </a:spcBef>
@@ -2103,7 +1881,7 @@
               <a:buChar char="●"/>
               <a:defRPr/>
             </a:lvl1pPr>
-            <a:lvl2pPr indent="-317500" lvl="1" marL="914400" algn="ctr">
+            <a:lvl2pPr marL="914400" lvl="1" indent="-317500" algn="ctr">
               <a:spcBef>
                 <a:spcPts val="1600"/>
               </a:spcBef>
@@ -2114,7 +1892,7 @@
               <a:buChar char="○"/>
               <a:defRPr/>
             </a:lvl2pPr>
-            <a:lvl3pPr indent="-317500" lvl="2" marL="1371600" algn="ctr">
+            <a:lvl3pPr marL="1371600" lvl="2" indent="-317500" algn="ctr">
               <a:spcBef>
                 <a:spcPts val="1600"/>
               </a:spcBef>
@@ -2125,7 +1903,7 @@
               <a:buChar char="■"/>
               <a:defRPr/>
             </a:lvl3pPr>
-            <a:lvl4pPr indent="-317500" lvl="3" marL="1828800" algn="ctr">
+            <a:lvl4pPr marL="1828800" lvl="3" indent="-317500" algn="ctr">
               <a:spcBef>
                 <a:spcPts val="1600"/>
               </a:spcBef>
@@ -2136,7 +1914,7 @@
               <a:buChar char="●"/>
               <a:defRPr/>
             </a:lvl4pPr>
-            <a:lvl5pPr indent="-317500" lvl="4" marL="2286000" algn="ctr">
+            <a:lvl5pPr marL="2286000" lvl="4" indent="-317500" algn="ctr">
               <a:spcBef>
                 <a:spcPts val="1600"/>
               </a:spcBef>
@@ -2147,7 +1925,7 @@
               <a:buChar char="○"/>
               <a:defRPr/>
             </a:lvl5pPr>
-            <a:lvl6pPr indent="-317500" lvl="5" marL="2743200" algn="ctr">
+            <a:lvl6pPr marL="2743200" lvl="5" indent="-317500" algn="ctr">
               <a:spcBef>
                 <a:spcPts val="1600"/>
               </a:spcBef>
@@ -2158,7 +1936,7 @@
               <a:buChar char="■"/>
               <a:defRPr/>
             </a:lvl6pPr>
-            <a:lvl7pPr indent="-317500" lvl="6" marL="3200400" algn="ctr">
+            <a:lvl7pPr marL="3200400" lvl="6" indent="-317500" algn="ctr">
               <a:spcBef>
                 <a:spcPts val="1600"/>
               </a:spcBef>
@@ -2169,7 +1947,7 @@
               <a:buChar char="●"/>
               <a:defRPr/>
             </a:lvl7pPr>
-            <a:lvl8pPr indent="-317500" lvl="7" marL="3657600" algn="ctr">
+            <a:lvl8pPr marL="3657600" lvl="7" indent="-317500" algn="ctr">
               <a:spcBef>
                 <a:spcPts val="1600"/>
               </a:spcBef>
@@ -2180,7 +1958,7 @@
               <a:buChar char="○"/>
               <a:defRPr/>
             </a:lvl8pPr>
-            <a:lvl9pPr indent="-317500" lvl="8" marL="4114800" algn="ctr">
+            <a:lvl9pPr marL="4114800" lvl="8" indent="-317500" algn="ctr">
               <a:spcBef>
                 <a:spcPts val="1600"/>
               </a:spcBef>
@@ -2192,15 +1970,19 @@
               <a:defRPr/>
             </a:lvl9pPr>
           </a:lstStyle>
-          <a:p/>
+          <a:p>
+            <a:endParaRPr/>
+          </a:p>
         </p:txBody>
       </p:sp>
       <p:sp>
         <p:nvSpPr>
           <p:cNvPr id="47" name="Shape 47"/>
-          <p:cNvSpPr txBox="1"/>
+          <p:cNvSpPr txBox="1">
+            <a:spLocks noGrp="1"/>
+          </p:cNvSpPr>
           <p:nvPr>
-            <p:ph idx="12" type="sldNum"/>
+            <p:ph type="sldNum" idx="12"/>
           </p:nvPr>
         </p:nvSpPr>
         <p:spPr>
@@ -2213,7 +1995,7 @@
           </a:prstGeom>
         </p:spPr>
         <p:txBody>
-          <a:bodyPr anchorCtr="0" anchor="ctr" bIns="91425" lIns="91425" spcFirstLastPara="1" rIns="91425" wrap="square" tIns="91425">
+          <a:bodyPr spcFirstLastPara="1" wrap="square" lIns="91425" tIns="91425" rIns="91425" bIns="91425" anchor="ctr" anchorCtr="0">
             <a:noAutofit/>
           </a:bodyPr>
           <a:lstStyle>
@@ -2255,7 +2037,7 @@
             </a:lvl9pPr>
           </a:lstStyle>
           <a:p>
-            <a:pPr indent="0" lvl="0" marL="0">
+            <a:pPr marL="0" lvl="0" indent="0">
               <a:spcBef>
                 <a:spcPts val="0"/>
               </a:spcBef>
@@ -2281,11 +2063,11 @@
 </file>
 
 <file path=ppt/slideLayouts/slideLayout11.xml><?xml version="1.0" encoding="utf-8"?>
-<p:sldLayout xmlns:a="http://schemas.openxmlformats.org/drawingml/2006/main" xmlns:r="http://schemas.openxmlformats.org/officeDocument/2006/relationships" xmlns:mc="http://schemas.openxmlformats.org/markup-compatibility/2006" xmlns:mv="urn:schemas-microsoft-com:mac:vml" xmlns:p="http://schemas.openxmlformats.org/presentationml/2006/main" xmlns:c="http://schemas.openxmlformats.org/drawingml/2006/chart" xmlns:dgm="http://schemas.openxmlformats.org/drawingml/2006/diagram" xmlns:o="urn:schemas-microsoft-com:office:office" xmlns:v="urn:schemas-microsoft-com:vml" xmlns:pvml="urn:schemas-microsoft-com:office:powerpoint" xmlns:com="http://schemas.openxmlformats.org/drawingml/2006/compatibility" xmlns:p14="http://schemas.microsoft.com/office/powerpoint/2010/main" xmlns:p15="http://schemas.microsoft.com/office/powerpoint/2012/main" matchingName="Blank" type="blank">
+<p:sldLayout xmlns:a="http://schemas.openxmlformats.org/drawingml/2006/main" xmlns:r="http://schemas.openxmlformats.org/officeDocument/2006/relationships" xmlns:p="http://schemas.openxmlformats.org/presentationml/2006/main" matchingName="Blank" type="blank">
   <p:cSld name="BLANK">
     <p:spTree>
       <p:nvGrpSpPr>
-        <p:cNvPr id="48" name="Shape 48"/>
+        <p:cNvPr id="1" name="Shape 48"/>
         <p:cNvGrpSpPr/>
         <p:nvPr/>
       </p:nvGrpSpPr>
@@ -2300,9 +2082,11 @@
       <p:sp>
         <p:nvSpPr>
           <p:cNvPr id="49" name="Shape 49"/>
-          <p:cNvSpPr txBox="1"/>
+          <p:cNvSpPr txBox="1">
+            <a:spLocks noGrp="1"/>
+          </p:cNvSpPr>
           <p:nvPr>
-            <p:ph idx="12" type="sldNum"/>
+            <p:ph type="sldNum" idx="12"/>
           </p:nvPr>
         </p:nvSpPr>
         <p:spPr>
@@ -2315,7 +2099,7 @@
           </a:prstGeom>
         </p:spPr>
         <p:txBody>
-          <a:bodyPr anchorCtr="0" anchor="ctr" bIns="91425" lIns="91425" spcFirstLastPara="1" rIns="91425" wrap="square" tIns="91425">
+          <a:bodyPr spcFirstLastPara="1" wrap="square" lIns="91425" tIns="91425" rIns="91425" bIns="91425" anchor="ctr" anchorCtr="0">
             <a:noAutofit/>
           </a:bodyPr>
           <a:lstStyle>
@@ -2357,7 +2141,7 @@
             </a:lvl9pPr>
           </a:lstStyle>
           <a:p>
-            <a:pPr indent="0" lvl="0" marL="0">
+            <a:pPr marL="0" lvl="0" indent="0">
               <a:spcBef>
                 <a:spcPts val="0"/>
               </a:spcBef>
@@ -2383,11 +2167,11 @@
 </file>
 
 <file path=ppt/slideLayouts/slideLayout2.xml><?xml version="1.0" encoding="utf-8"?>
-<p:sldLayout xmlns:a="http://schemas.openxmlformats.org/drawingml/2006/main" xmlns:r="http://schemas.openxmlformats.org/officeDocument/2006/relationships" xmlns:mc="http://schemas.openxmlformats.org/markup-compatibility/2006" xmlns:mv="urn:schemas-microsoft-com:mac:vml" xmlns:p="http://schemas.openxmlformats.org/presentationml/2006/main" xmlns:c="http://schemas.openxmlformats.org/drawingml/2006/chart" xmlns:dgm="http://schemas.openxmlformats.org/drawingml/2006/diagram" xmlns:o="urn:schemas-microsoft-com:office:office" xmlns:v="urn:schemas-microsoft-com:vml" xmlns:pvml="urn:schemas-microsoft-com:office:powerpoint" xmlns:com="http://schemas.openxmlformats.org/drawingml/2006/compatibility" xmlns:p14="http://schemas.microsoft.com/office/powerpoint/2010/main" xmlns:p15="http://schemas.microsoft.com/office/powerpoint/2012/main" matchingName="Section header" type="secHead">
+<p:sldLayout xmlns:a="http://schemas.openxmlformats.org/drawingml/2006/main" xmlns:r="http://schemas.openxmlformats.org/officeDocument/2006/relationships" xmlns:p="http://schemas.openxmlformats.org/presentationml/2006/main" matchingName="Section header" type="secHead">
   <p:cSld name="SECTION_HEADER">
     <p:spTree>
       <p:nvGrpSpPr>
-        <p:cNvPr id="13" name="Shape 13"/>
+        <p:cNvPr id="1" name="Shape 13"/>
         <p:cNvGrpSpPr/>
         <p:nvPr/>
       </p:nvGrpSpPr>
@@ -2402,7 +2186,9 @@
       <p:sp>
         <p:nvSpPr>
           <p:cNvPr id="14" name="Shape 14"/>
-          <p:cNvSpPr txBox="1"/>
+          <p:cNvSpPr txBox="1">
+            <a:spLocks noGrp="1"/>
+          </p:cNvSpPr>
           <p:nvPr>
             <p:ph type="title"/>
           </p:nvPr>
@@ -2417,7 +2203,7 @@
           </a:prstGeom>
         </p:spPr>
         <p:txBody>
-          <a:bodyPr anchorCtr="0" anchor="ctr" bIns="91425" lIns="91425" spcFirstLastPara="1" rIns="91425" wrap="square" tIns="91425"/>
+          <a:bodyPr spcFirstLastPara="1" wrap="square" lIns="91425" tIns="91425" rIns="91425" bIns="91425" anchor="ctr" anchorCtr="0"/>
           <a:lstStyle>
             <a:lvl1pPr lvl="0" algn="ctr">
               <a:spcBef>
@@ -2519,15 +2305,19 @@
               <a:defRPr sz="3600"/>
             </a:lvl9pPr>
           </a:lstStyle>
-          <a:p/>
+          <a:p>
+            <a:endParaRPr/>
+          </a:p>
         </p:txBody>
       </p:sp>
       <p:sp>
         <p:nvSpPr>
           <p:cNvPr id="15" name="Shape 15"/>
-          <p:cNvSpPr txBox="1"/>
+          <p:cNvSpPr txBox="1">
+            <a:spLocks noGrp="1"/>
+          </p:cNvSpPr>
           <p:nvPr>
-            <p:ph idx="12" type="sldNum"/>
+            <p:ph type="sldNum" idx="12"/>
           </p:nvPr>
         </p:nvSpPr>
         <p:spPr>
@@ -2540,7 +2330,7 @@
           </a:prstGeom>
         </p:spPr>
         <p:txBody>
-          <a:bodyPr anchorCtr="0" anchor="ctr" bIns="91425" lIns="91425" spcFirstLastPara="1" rIns="91425" wrap="square" tIns="91425">
+          <a:bodyPr spcFirstLastPara="1" wrap="square" lIns="91425" tIns="91425" rIns="91425" bIns="91425" anchor="ctr" anchorCtr="0">
             <a:noAutofit/>
           </a:bodyPr>
           <a:lstStyle>
@@ -2582,7 +2372,7 @@
             </a:lvl9pPr>
           </a:lstStyle>
           <a:p>
-            <a:pPr indent="0" lvl="0" marL="0">
+            <a:pPr marL="0" lvl="0" indent="0">
               <a:spcBef>
                 <a:spcPts val="0"/>
               </a:spcBef>
@@ -2608,11 +2398,11 @@
 </file>
 
 <file path=ppt/slideLayouts/slideLayout3.xml><?xml version="1.0" encoding="utf-8"?>
-<p:sldLayout xmlns:a="http://schemas.openxmlformats.org/drawingml/2006/main" xmlns:r="http://schemas.openxmlformats.org/officeDocument/2006/relationships" xmlns:mc="http://schemas.openxmlformats.org/markup-compatibility/2006" xmlns:mv="urn:schemas-microsoft-com:mac:vml" xmlns:p="http://schemas.openxmlformats.org/presentationml/2006/main" xmlns:c="http://schemas.openxmlformats.org/drawingml/2006/chart" xmlns:dgm="http://schemas.openxmlformats.org/drawingml/2006/diagram" xmlns:o="urn:schemas-microsoft-com:office:office" xmlns:v="urn:schemas-microsoft-com:vml" xmlns:pvml="urn:schemas-microsoft-com:office:powerpoint" xmlns:com="http://schemas.openxmlformats.org/drawingml/2006/compatibility" xmlns:p14="http://schemas.microsoft.com/office/powerpoint/2010/main" xmlns:p15="http://schemas.microsoft.com/office/powerpoint/2012/main" matchingName="Title and body" type="tx">
+<p:sldLayout xmlns:a="http://schemas.openxmlformats.org/drawingml/2006/main" xmlns:r="http://schemas.openxmlformats.org/officeDocument/2006/relationships" xmlns:p="http://schemas.openxmlformats.org/presentationml/2006/main" matchingName="Title and body" type="tx">
   <p:cSld name="TITLE_AND_BODY">
     <p:spTree>
       <p:nvGrpSpPr>
-        <p:cNvPr id="16" name="Shape 16"/>
+        <p:cNvPr id="1" name="Shape 16"/>
         <p:cNvGrpSpPr/>
         <p:nvPr/>
       </p:nvGrpSpPr>
@@ -2627,7 +2417,9 @@
       <p:sp>
         <p:nvSpPr>
           <p:cNvPr id="17" name="Shape 17"/>
-          <p:cNvSpPr txBox="1"/>
+          <p:cNvSpPr txBox="1">
+            <a:spLocks noGrp="1"/>
+          </p:cNvSpPr>
           <p:nvPr>
             <p:ph type="title"/>
           </p:nvPr>
@@ -2642,7 +2434,7 @@
           </a:prstGeom>
         </p:spPr>
         <p:txBody>
-          <a:bodyPr anchorCtr="0" anchor="t" bIns="91425" lIns="91425" spcFirstLastPara="1" rIns="91425" wrap="square" tIns="91425"/>
+          <a:bodyPr spcFirstLastPara="1" wrap="square" lIns="91425" tIns="91425" rIns="91425" bIns="91425" anchor="t" anchorCtr="0"/>
           <a:lstStyle>
             <a:lvl1pPr lvl="0">
               <a:spcBef>
@@ -2744,15 +2536,19 @@
               <a:defRPr/>
             </a:lvl9pPr>
           </a:lstStyle>
-          <a:p/>
+          <a:p>
+            <a:endParaRPr/>
+          </a:p>
         </p:txBody>
       </p:sp>
       <p:sp>
         <p:nvSpPr>
           <p:cNvPr id="18" name="Shape 18"/>
-          <p:cNvSpPr txBox="1"/>
+          <p:cNvSpPr txBox="1">
+            <a:spLocks noGrp="1"/>
+          </p:cNvSpPr>
           <p:nvPr>
-            <p:ph idx="1" type="body"/>
+            <p:ph type="body" idx="1"/>
           </p:nvPr>
         </p:nvSpPr>
         <p:spPr>
@@ -2765,9 +2561,9 @@
           </a:prstGeom>
         </p:spPr>
         <p:txBody>
-          <a:bodyPr anchorCtr="0" anchor="t" bIns="91425" lIns="91425" spcFirstLastPara="1" rIns="91425" wrap="square" tIns="91425"/>
+          <a:bodyPr spcFirstLastPara="1" wrap="square" lIns="91425" tIns="91425" rIns="91425" bIns="91425" anchor="t" anchorCtr="0"/>
           <a:lstStyle>
-            <a:lvl1pPr indent="-342900" lvl="0" marL="457200">
+            <a:lvl1pPr marL="457200" lvl="0" indent="-342900">
               <a:spcBef>
                 <a:spcPts val="0"/>
               </a:spcBef>
@@ -2778,7 +2574,7 @@
               <a:buChar char="●"/>
               <a:defRPr/>
             </a:lvl1pPr>
-            <a:lvl2pPr indent="-317500" lvl="1" marL="914400">
+            <a:lvl2pPr marL="914400" lvl="1" indent="-317500">
               <a:spcBef>
                 <a:spcPts val="1600"/>
               </a:spcBef>
@@ -2789,7 +2585,7 @@
               <a:buChar char="○"/>
               <a:defRPr/>
             </a:lvl2pPr>
-            <a:lvl3pPr indent="-317500" lvl="2" marL="1371600">
+            <a:lvl3pPr marL="1371600" lvl="2" indent="-317500">
               <a:spcBef>
                 <a:spcPts val="1600"/>
               </a:spcBef>
@@ -2800,7 +2596,7 @@
               <a:buChar char="■"/>
               <a:defRPr/>
             </a:lvl3pPr>
-            <a:lvl4pPr indent="-317500" lvl="3" marL="1828800">
+            <a:lvl4pPr marL="1828800" lvl="3" indent="-317500">
               <a:spcBef>
                 <a:spcPts val="1600"/>
               </a:spcBef>
@@ -2811,7 +2607,7 @@
               <a:buChar char="●"/>
               <a:defRPr/>
             </a:lvl4pPr>
-            <a:lvl5pPr indent="-317500" lvl="4" marL="2286000">
+            <a:lvl5pPr marL="2286000" lvl="4" indent="-317500">
               <a:spcBef>
                 <a:spcPts val="1600"/>
               </a:spcBef>
@@ -2822,7 +2618,7 @@
               <a:buChar char="○"/>
               <a:defRPr/>
             </a:lvl5pPr>
-            <a:lvl6pPr indent="-317500" lvl="5" marL="2743200">
+            <a:lvl6pPr marL="2743200" lvl="5" indent="-317500">
               <a:spcBef>
                 <a:spcPts val="1600"/>
               </a:spcBef>
@@ -2833,7 +2629,7 @@
               <a:buChar char="■"/>
               <a:defRPr/>
             </a:lvl6pPr>
-            <a:lvl7pPr indent="-317500" lvl="6" marL="3200400">
+            <a:lvl7pPr marL="3200400" lvl="6" indent="-317500">
               <a:spcBef>
                 <a:spcPts val="1600"/>
               </a:spcBef>
@@ -2844,7 +2640,7 @@
               <a:buChar char="●"/>
               <a:defRPr/>
             </a:lvl7pPr>
-            <a:lvl8pPr indent="-317500" lvl="7" marL="3657600">
+            <a:lvl8pPr marL="3657600" lvl="7" indent="-317500">
               <a:spcBef>
                 <a:spcPts val="1600"/>
               </a:spcBef>
@@ -2855,7 +2651,7 @@
               <a:buChar char="○"/>
               <a:defRPr/>
             </a:lvl8pPr>
-            <a:lvl9pPr indent="-317500" lvl="8" marL="4114800">
+            <a:lvl9pPr marL="4114800" lvl="8" indent="-317500">
               <a:spcBef>
                 <a:spcPts val="1600"/>
               </a:spcBef>
@@ -2867,15 +2663,19 @@
               <a:defRPr/>
             </a:lvl9pPr>
           </a:lstStyle>
-          <a:p/>
+          <a:p>
+            <a:endParaRPr/>
+          </a:p>
         </p:txBody>
       </p:sp>
       <p:sp>
         <p:nvSpPr>
           <p:cNvPr id="19" name="Shape 19"/>
-          <p:cNvSpPr txBox="1"/>
+          <p:cNvSpPr txBox="1">
+            <a:spLocks noGrp="1"/>
+          </p:cNvSpPr>
           <p:nvPr>
-            <p:ph idx="12" type="sldNum"/>
+            <p:ph type="sldNum" idx="12"/>
           </p:nvPr>
         </p:nvSpPr>
         <p:spPr>
@@ -2888,7 +2688,7 @@
           </a:prstGeom>
         </p:spPr>
         <p:txBody>
-          <a:bodyPr anchorCtr="0" anchor="ctr" bIns="91425" lIns="91425" spcFirstLastPara="1" rIns="91425" wrap="square" tIns="91425">
+          <a:bodyPr spcFirstLastPara="1" wrap="square" lIns="91425" tIns="91425" rIns="91425" bIns="91425" anchor="ctr" anchorCtr="0">
             <a:noAutofit/>
           </a:bodyPr>
           <a:lstStyle>
@@ -2930,7 +2730,7 @@
             </a:lvl9pPr>
           </a:lstStyle>
           <a:p>
-            <a:pPr indent="0" lvl="0" marL="0">
+            <a:pPr marL="0" lvl="0" indent="0">
               <a:spcBef>
                 <a:spcPts val="0"/>
               </a:spcBef>
@@ -2956,11 +2756,11 @@
 </file>
 
 <file path=ppt/slideLayouts/slideLayout4.xml><?xml version="1.0" encoding="utf-8"?>
-<p:sldLayout xmlns:a="http://schemas.openxmlformats.org/drawingml/2006/main" xmlns:r="http://schemas.openxmlformats.org/officeDocument/2006/relationships" xmlns:mc="http://schemas.openxmlformats.org/markup-compatibility/2006" xmlns:mv="urn:schemas-microsoft-com:mac:vml" xmlns:p="http://schemas.openxmlformats.org/presentationml/2006/main" xmlns:c="http://schemas.openxmlformats.org/drawingml/2006/chart" xmlns:dgm="http://schemas.openxmlformats.org/drawingml/2006/diagram" xmlns:o="urn:schemas-microsoft-com:office:office" xmlns:v="urn:schemas-microsoft-com:vml" xmlns:pvml="urn:schemas-microsoft-com:office:powerpoint" xmlns:com="http://schemas.openxmlformats.org/drawingml/2006/compatibility" xmlns:p14="http://schemas.microsoft.com/office/powerpoint/2010/main" xmlns:p15="http://schemas.microsoft.com/office/powerpoint/2012/main" matchingName="Title and two columns" type="twoColTx">
+<p:sldLayout xmlns:a="http://schemas.openxmlformats.org/drawingml/2006/main" xmlns:r="http://schemas.openxmlformats.org/officeDocument/2006/relationships" xmlns:p="http://schemas.openxmlformats.org/presentationml/2006/main" matchingName="Title and two columns" type="twoColTx">
   <p:cSld name="TITLE_AND_TWO_COLUMNS">
     <p:spTree>
       <p:nvGrpSpPr>
-        <p:cNvPr id="20" name="Shape 20"/>
+        <p:cNvPr id="1" name="Shape 20"/>
         <p:cNvGrpSpPr/>
         <p:nvPr/>
       </p:nvGrpSpPr>
@@ -2975,7 +2775,9 @@
       <p:sp>
         <p:nvSpPr>
           <p:cNvPr id="21" name="Shape 21"/>
-          <p:cNvSpPr txBox="1"/>
+          <p:cNvSpPr txBox="1">
+            <a:spLocks noGrp="1"/>
+          </p:cNvSpPr>
           <p:nvPr>
             <p:ph type="title"/>
           </p:nvPr>
@@ -2990,7 +2792,7 @@
           </a:prstGeom>
         </p:spPr>
         <p:txBody>
-          <a:bodyPr anchorCtr="0" anchor="t" bIns="91425" lIns="91425" spcFirstLastPara="1" rIns="91425" wrap="square" tIns="91425"/>
+          <a:bodyPr spcFirstLastPara="1" wrap="square" lIns="91425" tIns="91425" rIns="91425" bIns="91425" anchor="t" anchorCtr="0"/>
           <a:lstStyle>
             <a:lvl1pPr lvl="0">
               <a:spcBef>
@@ -3092,15 +2894,19 @@
               <a:defRPr/>
             </a:lvl9pPr>
           </a:lstStyle>
-          <a:p/>
+          <a:p>
+            <a:endParaRPr/>
+          </a:p>
         </p:txBody>
       </p:sp>
       <p:sp>
         <p:nvSpPr>
           <p:cNvPr id="22" name="Shape 22"/>
-          <p:cNvSpPr txBox="1"/>
+          <p:cNvSpPr txBox="1">
+            <a:spLocks noGrp="1"/>
+          </p:cNvSpPr>
           <p:nvPr>
-            <p:ph idx="1" type="body"/>
+            <p:ph type="body" idx="1"/>
           </p:nvPr>
         </p:nvSpPr>
         <p:spPr>
@@ -3113,9 +2919,9 @@
           </a:prstGeom>
         </p:spPr>
         <p:txBody>
-          <a:bodyPr anchorCtr="0" anchor="t" bIns="91425" lIns="91425" spcFirstLastPara="1" rIns="91425" wrap="square" tIns="91425"/>
+          <a:bodyPr spcFirstLastPara="1" wrap="square" lIns="91425" tIns="91425" rIns="91425" bIns="91425" anchor="t" anchorCtr="0"/>
           <a:lstStyle>
-            <a:lvl1pPr indent="-317500" lvl="0" marL="457200">
+            <a:lvl1pPr marL="457200" lvl="0" indent="-317500">
               <a:spcBef>
                 <a:spcPts val="0"/>
               </a:spcBef>
@@ -3126,7 +2932,7 @@
               <a:buChar char="●"/>
               <a:defRPr sz="1400"/>
             </a:lvl1pPr>
-            <a:lvl2pPr indent="-304800" lvl="1" marL="914400">
+            <a:lvl2pPr marL="914400" lvl="1" indent="-304800">
               <a:spcBef>
                 <a:spcPts val="1600"/>
               </a:spcBef>
@@ -3137,7 +2943,7 @@
               <a:buChar char="○"/>
               <a:defRPr sz="1200"/>
             </a:lvl2pPr>
-            <a:lvl3pPr indent="-304800" lvl="2" marL="1371600">
+            <a:lvl3pPr marL="1371600" lvl="2" indent="-304800">
               <a:spcBef>
                 <a:spcPts val="1600"/>
               </a:spcBef>
@@ -3148,7 +2954,7 @@
               <a:buChar char="■"/>
               <a:defRPr sz="1200"/>
             </a:lvl3pPr>
-            <a:lvl4pPr indent="-304800" lvl="3" marL="1828800">
+            <a:lvl4pPr marL="1828800" lvl="3" indent="-304800">
               <a:spcBef>
                 <a:spcPts val="1600"/>
               </a:spcBef>
@@ -3159,7 +2965,7 @@
               <a:buChar char="●"/>
               <a:defRPr sz="1200"/>
             </a:lvl4pPr>
-            <a:lvl5pPr indent="-304800" lvl="4" marL="2286000">
+            <a:lvl5pPr marL="2286000" lvl="4" indent="-304800">
               <a:spcBef>
                 <a:spcPts val="1600"/>
               </a:spcBef>
@@ -3170,7 +2976,7 @@
               <a:buChar char="○"/>
               <a:defRPr sz="1200"/>
             </a:lvl5pPr>
-            <a:lvl6pPr indent="-304800" lvl="5" marL="2743200">
+            <a:lvl6pPr marL="2743200" lvl="5" indent="-304800">
               <a:spcBef>
                 <a:spcPts val="1600"/>
               </a:spcBef>
@@ -3181,7 +2987,7 @@
               <a:buChar char="■"/>
               <a:defRPr sz="1200"/>
             </a:lvl6pPr>
-            <a:lvl7pPr indent="-304800" lvl="6" marL="3200400">
+            <a:lvl7pPr marL="3200400" lvl="6" indent="-304800">
               <a:spcBef>
                 <a:spcPts val="1600"/>
               </a:spcBef>
@@ -3192,7 +2998,7 @@
               <a:buChar char="●"/>
               <a:defRPr sz="1200"/>
             </a:lvl7pPr>
-            <a:lvl8pPr indent="-304800" lvl="7" marL="3657600">
+            <a:lvl8pPr marL="3657600" lvl="7" indent="-304800">
               <a:spcBef>
                 <a:spcPts val="1600"/>
               </a:spcBef>
@@ -3203,7 +3009,7 @@
               <a:buChar char="○"/>
               <a:defRPr sz="1200"/>
             </a:lvl8pPr>
-            <a:lvl9pPr indent="-304800" lvl="8" marL="4114800">
+            <a:lvl9pPr marL="4114800" lvl="8" indent="-304800">
               <a:spcBef>
                 <a:spcPts val="1600"/>
               </a:spcBef>
@@ -3215,15 +3021,19 @@
               <a:defRPr sz="1200"/>
             </a:lvl9pPr>
           </a:lstStyle>
-          <a:p/>
+          <a:p>
+            <a:endParaRPr/>
+          </a:p>
         </p:txBody>
       </p:sp>
       <p:sp>
         <p:nvSpPr>
           <p:cNvPr id="23" name="Shape 23"/>
-          <p:cNvSpPr txBox="1"/>
+          <p:cNvSpPr txBox="1">
+            <a:spLocks noGrp="1"/>
+          </p:cNvSpPr>
           <p:nvPr>
-            <p:ph idx="2" type="body"/>
+            <p:ph type="body" idx="2"/>
           </p:nvPr>
         </p:nvSpPr>
         <p:spPr>
@@ -3236,9 +3046,9 @@
           </a:prstGeom>
         </p:spPr>
         <p:txBody>
-          <a:bodyPr anchorCtr="0" anchor="t" bIns="91425" lIns="91425" spcFirstLastPara="1" rIns="91425" wrap="square" tIns="91425"/>
+          <a:bodyPr spcFirstLastPara="1" wrap="square" lIns="91425" tIns="91425" rIns="91425" bIns="91425" anchor="t" anchorCtr="0"/>
           <a:lstStyle>
-            <a:lvl1pPr indent="-317500" lvl="0" marL="457200">
+            <a:lvl1pPr marL="457200" lvl="0" indent="-317500">
               <a:spcBef>
                 <a:spcPts val="0"/>
               </a:spcBef>
@@ -3249,7 +3059,7 @@
               <a:buChar char="●"/>
               <a:defRPr sz="1400"/>
             </a:lvl1pPr>
-            <a:lvl2pPr indent="-304800" lvl="1" marL="914400">
+            <a:lvl2pPr marL="914400" lvl="1" indent="-304800">
               <a:spcBef>
                 <a:spcPts val="1600"/>
               </a:spcBef>
@@ -3260,7 +3070,7 @@
               <a:buChar char="○"/>
               <a:defRPr sz="1200"/>
             </a:lvl2pPr>
-            <a:lvl3pPr indent="-304800" lvl="2" marL="1371600">
+            <a:lvl3pPr marL="1371600" lvl="2" indent="-304800">
               <a:spcBef>
                 <a:spcPts val="1600"/>
               </a:spcBef>
@@ -3271,7 +3081,7 @@
               <a:buChar char="■"/>
               <a:defRPr sz="1200"/>
             </a:lvl3pPr>
-            <a:lvl4pPr indent="-304800" lvl="3" marL="1828800">
+            <a:lvl4pPr marL="1828800" lvl="3" indent="-304800">
               <a:spcBef>
                 <a:spcPts val="1600"/>
               </a:spcBef>
@@ -3282,7 +3092,7 @@
               <a:buChar char="●"/>
               <a:defRPr sz="1200"/>
             </a:lvl4pPr>
-            <a:lvl5pPr indent="-304800" lvl="4" marL="2286000">
+            <a:lvl5pPr marL="2286000" lvl="4" indent="-304800">
               <a:spcBef>
                 <a:spcPts val="1600"/>
               </a:spcBef>
@@ -3293,7 +3103,7 @@
               <a:buChar char="○"/>
               <a:defRPr sz="1200"/>
             </a:lvl5pPr>
-            <a:lvl6pPr indent="-304800" lvl="5" marL="2743200">
+            <a:lvl6pPr marL="2743200" lvl="5" indent="-304800">
               <a:spcBef>
                 <a:spcPts val="1600"/>
               </a:spcBef>
@@ -3304,7 +3114,7 @@
               <a:buChar char="■"/>
               <a:defRPr sz="1200"/>
             </a:lvl6pPr>
-            <a:lvl7pPr indent="-304800" lvl="6" marL="3200400">
+            <a:lvl7pPr marL="3200400" lvl="6" indent="-304800">
               <a:spcBef>
                 <a:spcPts val="1600"/>
               </a:spcBef>
@@ -3315,7 +3125,7 @@
               <a:buChar char="●"/>
               <a:defRPr sz="1200"/>
             </a:lvl7pPr>
-            <a:lvl8pPr indent="-304800" lvl="7" marL="3657600">
+            <a:lvl8pPr marL="3657600" lvl="7" indent="-304800">
               <a:spcBef>
                 <a:spcPts val="1600"/>
               </a:spcBef>
@@ -3326,7 +3136,7 @@
               <a:buChar char="○"/>
               <a:defRPr sz="1200"/>
             </a:lvl8pPr>
-            <a:lvl9pPr indent="-304800" lvl="8" marL="4114800">
+            <a:lvl9pPr marL="4114800" lvl="8" indent="-304800">
               <a:spcBef>
                 <a:spcPts val="1600"/>
               </a:spcBef>
@@ -3338,15 +3148,19 @@
               <a:defRPr sz="1200"/>
             </a:lvl9pPr>
           </a:lstStyle>
-          <a:p/>
+          <a:p>
+            <a:endParaRPr/>
+          </a:p>
         </p:txBody>
       </p:sp>
       <p:sp>
         <p:nvSpPr>
           <p:cNvPr id="24" name="Shape 24"/>
-          <p:cNvSpPr txBox="1"/>
+          <p:cNvSpPr txBox="1">
+            <a:spLocks noGrp="1"/>
+          </p:cNvSpPr>
           <p:nvPr>
-            <p:ph idx="12" type="sldNum"/>
+            <p:ph type="sldNum" idx="12"/>
           </p:nvPr>
         </p:nvSpPr>
         <p:spPr>
@@ -3359,7 +3173,7 @@
           </a:prstGeom>
         </p:spPr>
         <p:txBody>
-          <a:bodyPr anchorCtr="0" anchor="ctr" bIns="91425" lIns="91425" spcFirstLastPara="1" rIns="91425" wrap="square" tIns="91425">
+          <a:bodyPr spcFirstLastPara="1" wrap="square" lIns="91425" tIns="91425" rIns="91425" bIns="91425" anchor="ctr" anchorCtr="0">
             <a:noAutofit/>
           </a:bodyPr>
           <a:lstStyle>
@@ -3401,7 +3215,7 @@
             </a:lvl9pPr>
           </a:lstStyle>
           <a:p>
-            <a:pPr indent="0" lvl="0" marL="0">
+            <a:pPr marL="0" lvl="0" indent="0">
               <a:spcBef>
                 <a:spcPts val="0"/>
               </a:spcBef>
@@ -3427,11 +3241,11 @@
 </file>
 
 <file path=ppt/slideLayouts/slideLayout5.xml><?xml version="1.0" encoding="utf-8"?>
-<p:sldLayout xmlns:a="http://schemas.openxmlformats.org/drawingml/2006/main" xmlns:r="http://schemas.openxmlformats.org/officeDocument/2006/relationships" xmlns:mc="http://schemas.openxmlformats.org/markup-compatibility/2006" xmlns:mv="urn:schemas-microsoft-com:mac:vml" xmlns:p="http://schemas.openxmlformats.org/presentationml/2006/main" xmlns:c="http://schemas.openxmlformats.org/drawingml/2006/chart" xmlns:dgm="http://schemas.openxmlformats.org/drawingml/2006/diagram" xmlns:o="urn:schemas-microsoft-com:office:office" xmlns:v="urn:schemas-microsoft-com:vml" xmlns:pvml="urn:schemas-microsoft-com:office:powerpoint" xmlns:com="http://schemas.openxmlformats.org/drawingml/2006/compatibility" xmlns:p14="http://schemas.microsoft.com/office/powerpoint/2010/main" xmlns:p15="http://schemas.microsoft.com/office/powerpoint/2012/main" matchingName="Title only" type="titleOnly">
+<p:sldLayout xmlns:a="http://schemas.openxmlformats.org/drawingml/2006/main" xmlns:r="http://schemas.openxmlformats.org/officeDocument/2006/relationships" xmlns:p="http://schemas.openxmlformats.org/presentationml/2006/main" matchingName="Title only" type="titleOnly">
   <p:cSld name="TITLE_ONLY">
     <p:spTree>
       <p:nvGrpSpPr>
-        <p:cNvPr id="25" name="Shape 25"/>
+        <p:cNvPr id="1" name="Shape 25"/>
         <p:cNvGrpSpPr/>
         <p:nvPr/>
       </p:nvGrpSpPr>
@@ -3446,7 +3260,9 @@
       <p:sp>
         <p:nvSpPr>
           <p:cNvPr id="26" name="Shape 26"/>
-          <p:cNvSpPr txBox="1"/>
+          <p:cNvSpPr txBox="1">
+            <a:spLocks noGrp="1"/>
+          </p:cNvSpPr>
           <p:nvPr>
             <p:ph type="title"/>
           </p:nvPr>
@@ -3461,7 +3277,7 @@
           </a:prstGeom>
         </p:spPr>
         <p:txBody>
-          <a:bodyPr anchorCtr="0" anchor="t" bIns="91425" lIns="91425" spcFirstLastPara="1" rIns="91425" wrap="square" tIns="91425"/>
+          <a:bodyPr spcFirstLastPara="1" wrap="square" lIns="91425" tIns="91425" rIns="91425" bIns="91425" anchor="t" anchorCtr="0"/>
           <a:lstStyle>
             <a:lvl1pPr lvl="0">
               <a:spcBef>
@@ -3563,15 +3379,19 @@
               <a:defRPr/>
             </a:lvl9pPr>
           </a:lstStyle>
-          <a:p/>
+          <a:p>
+            <a:endParaRPr/>
+          </a:p>
         </p:txBody>
       </p:sp>
       <p:sp>
         <p:nvSpPr>
           <p:cNvPr id="27" name="Shape 27"/>
-          <p:cNvSpPr txBox="1"/>
+          <p:cNvSpPr txBox="1">
+            <a:spLocks noGrp="1"/>
+          </p:cNvSpPr>
           <p:nvPr>
-            <p:ph idx="12" type="sldNum"/>
+            <p:ph type="sldNum" idx="12"/>
           </p:nvPr>
         </p:nvSpPr>
         <p:spPr>
@@ -3584,7 +3404,7 @@
           </a:prstGeom>
         </p:spPr>
         <p:txBody>
-          <a:bodyPr anchorCtr="0" anchor="ctr" bIns="91425" lIns="91425" spcFirstLastPara="1" rIns="91425" wrap="square" tIns="91425">
+          <a:bodyPr spcFirstLastPara="1" wrap="square" lIns="91425" tIns="91425" rIns="91425" bIns="91425" anchor="ctr" anchorCtr="0">
             <a:noAutofit/>
           </a:bodyPr>
           <a:lstStyle>
@@ -3626,7 +3446,7 @@
             </a:lvl9pPr>
           </a:lstStyle>
           <a:p>
-            <a:pPr indent="0" lvl="0" marL="0">
+            <a:pPr marL="0" lvl="0" indent="0">
               <a:spcBef>
                 <a:spcPts val="0"/>
               </a:spcBef>
@@ -3652,11 +3472,11 @@
 </file>
 
 <file path=ppt/slideLayouts/slideLayout6.xml><?xml version="1.0" encoding="utf-8"?>
-<p:sldLayout xmlns:a="http://schemas.openxmlformats.org/drawingml/2006/main" xmlns:r="http://schemas.openxmlformats.org/officeDocument/2006/relationships" xmlns:mc="http://schemas.openxmlformats.org/markup-compatibility/2006" xmlns:mv="urn:schemas-microsoft-com:mac:vml" xmlns:p="http://schemas.openxmlformats.org/presentationml/2006/main" xmlns:c="http://schemas.openxmlformats.org/drawingml/2006/chart" xmlns:dgm="http://schemas.openxmlformats.org/drawingml/2006/diagram" xmlns:o="urn:schemas-microsoft-com:office:office" xmlns:v="urn:schemas-microsoft-com:vml" xmlns:pvml="urn:schemas-microsoft-com:office:powerpoint" xmlns:com="http://schemas.openxmlformats.org/drawingml/2006/compatibility" xmlns:p14="http://schemas.microsoft.com/office/powerpoint/2010/main" xmlns:p15="http://schemas.microsoft.com/office/powerpoint/2012/main" matchingName="One column text">
+<p:sldLayout xmlns:a="http://schemas.openxmlformats.org/drawingml/2006/main" xmlns:r="http://schemas.openxmlformats.org/officeDocument/2006/relationships" xmlns:p="http://schemas.openxmlformats.org/presentationml/2006/main" matchingName="One column text">
   <p:cSld name="ONE_COLUMN_TEXT">
     <p:spTree>
       <p:nvGrpSpPr>
-        <p:cNvPr id="28" name="Shape 28"/>
+        <p:cNvPr id="1" name="Shape 28"/>
         <p:cNvGrpSpPr/>
         <p:nvPr/>
       </p:nvGrpSpPr>
@@ -3671,7 +3491,9 @@
       <p:sp>
         <p:nvSpPr>
           <p:cNvPr id="29" name="Shape 29"/>
-          <p:cNvSpPr txBox="1"/>
+          <p:cNvSpPr txBox="1">
+            <a:spLocks noGrp="1"/>
+          </p:cNvSpPr>
           <p:nvPr>
             <p:ph type="title"/>
           </p:nvPr>
@@ -3686,7 +3508,7 @@
           </a:prstGeom>
         </p:spPr>
         <p:txBody>
-          <a:bodyPr anchorCtr="0" anchor="b" bIns="91425" lIns="91425" spcFirstLastPara="1" rIns="91425" wrap="square" tIns="91425"/>
+          <a:bodyPr spcFirstLastPara="1" wrap="square" lIns="91425" tIns="91425" rIns="91425" bIns="91425" anchor="b" anchorCtr="0"/>
           <a:lstStyle>
             <a:lvl1pPr lvl="0">
               <a:spcBef>
@@ -3788,15 +3610,19 @@
               <a:defRPr sz="2400"/>
             </a:lvl9pPr>
           </a:lstStyle>
-          <a:p/>
+          <a:p>
+            <a:endParaRPr/>
+          </a:p>
         </p:txBody>
       </p:sp>
       <p:sp>
         <p:nvSpPr>
           <p:cNvPr id="30" name="Shape 30"/>
-          <p:cNvSpPr txBox="1"/>
+          <p:cNvSpPr txBox="1">
+            <a:spLocks noGrp="1"/>
+          </p:cNvSpPr>
           <p:nvPr>
-            <p:ph idx="1" type="body"/>
+            <p:ph type="body" idx="1"/>
           </p:nvPr>
         </p:nvSpPr>
         <p:spPr>
@@ -3809,9 +3635,9 @@
           </a:prstGeom>
         </p:spPr>
         <p:txBody>
-          <a:bodyPr anchorCtr="0" anchor="t" bIns="91425" lIns="91425" spcFirstLastPara="1" rIns="91425" wrap="square" tIns="91425"/>
+          <a:bodyPr spcFirstLastPara="1" wrap="square" lIns="91425" tIns="91425" rIns="91425" bIns="91425" anchor="t" anchorCtr="0"/>
           <a:lstStyle>
-            <a:lvl1pPr indent="-304800" lvl="0" marL="457200">
+            <a:lvl1pPr marL="457200" lvl="0" indent="-304800">
               <a:spcBef>
                 <a:spcPts val="0"/>
               </a:spcBef>
@@ -3822,7 +3648,7 @@
               <a:buChar char="●"/>
               <a:defRPr sz="1200"/>
             </a:lvl1pPr>
-            <a:lvl2pPr indent="-304800" lvl="1" marL="914400">
+            <a:lvl2pPr marL="914400" lvl="1" indent="-304800">
               <a:spcBef>
                 <a:spcPts val="1600"/>
               </a:spcBef>
@@ -3833,7 +3659,7 @@
               <a:buChar char="○"/>
               <a:defRPr sz="1200"/>
             </a:lvl2pPr>
-            <a:lvl3pPr indent="-304800" lvl="2" marL="1371600">
+            <a:lvl3pPr marL="1371600" lvl="2" indent="-304800">
               <a:spcBef>
                 <a:spcPts val="1600"/>
               </a:spcBef>
@@ -3844,7 +3670,7 @@
               <a:buChar char="■"/>
               <a:defRPr sz="1200"/>
             </a:lvl3pPr>
-            <a:lvl4pPr indent="-304800" lvl="3" marL="1828800">
+            <a:lvl4pPr marL="1828800" lvl="3" indent="-304800">
               <a:spcBef>
                 <a:spcPts val="1600"/>
               </a:spcBef>
@@ -3855,7 +3681,7 @@
               <a:buChar char="●"/>
               <a:defRPr sz="1200"/>
             </a:lvl4pPr>
-            <a:lvl5pPr indent="-304800" lvl="4" marL="2286000">
+            <a:lvl5pPr marL="2286000" lvl="4" indent="-304800">
               <a:spcBef>
                 <a:spcPts val="1600"/>
               </a:spcBef>
@@ -3866,7 +3692,7 @@
               <a:buChar char="○"/>
               <a:defRPr sz="1200"/>
             </a:lvl5pPr>
-            <a:lvl6pPr indent="-304800" lvl="5" marL="2743200">
+            <a:lvl6pPr marL="2743200" lvl="5" indent="-304800">
               <a:spcBef>
                 <a:spcPts val="1600"/>
               </a:spcBef>
@@ -3877,7 +3703,7 @@
               <a:buChar char="■"/>
               <a:defRPr sz="1200"/>
             </a:lvl6pPr>
-            <a:lvl7pPr indent="-304800" lvl="6" marL="3200400">
+            <a:lvl7pPr marL="3200400" lvl="6" indent="-304800">
               <a:spcBef>
                 <a:spcPts val="1600"/>
               </a:spcBef>
@@ -3888,7 +3714,7 @@
               <a:buChar char="●"/>
               <a:defRPr sz="1200"/>
             </a:lvl7pPr>
-            <a:lvl8pPr indent="-304800" lvl="7" marL="3657600">
+            <a:lvl8pPr marL="3657600" lvl="7" indent="-304800">
               <a:spcBef>
                 <a:spcPts val="1600"/>
               </a:spcBef>
@@ -3899,7 +3725,7 @@
               <a:buChar char="○"/>
               <a:defRPr sz="1200"/>
             </a:lvl8pPr>
-            <a:lvl9pPr indent="-304800" lvl="8" marL="4114800">
+            <a:lvl9pPr marL="4114800" lvl="8" indent="-304800">
               <a:spcBef>
                 <a:spcPts val="1600"/>
               </a:spcBef>
@@ -3911,15 +3737,19 @@
               <a:defRPr sz="1200"/>
             </a:lvl9pPr>
           </a:lstStyle>
-          <a:p/>
+          <a:p>
+            <a:endParaRPr/>
+          </a:p>
         </p:txBody>
       </p:sp>
       <p:sp>
         <p:nvSpPr>
           <p:cNvPr id="31" name="Shape 31"/>
-          <p:cNvSpPr txBox="1"/>
+          <p:cNvSpPr txBox="1">
+            <a:spLocks noGrp="1"/>
+          </p:cNvSpPr>
           <p:nvPr>
-            <p:ph idx="12" type="sldNum"/>
+            <p:ph type="sldNum" idx="12"/>
           </p:nvPr>
         </p:nvSpPr>
         <p:spPr>
@@ -3932,7 +3762,7 @@
           </a:prstGeom>
         </p:spPr>
         <p:txBody>
-          <a:bodyPr anchorCtr="0" anchor="ctr" bIns="91425" lIns="91425" spcFirstLastPara="1" rIns="91425" wrap="square" tIns="91425">
+          <a:bodyPr spcFirstLastPara="1" wrap="square" lIns="91425" tIns="91425" rIns="91425" bIns="91425" anchor="ctr" anchorCtr="0">
             <a:noAutofit/>
           </a:bodyPr>
           <a:lstStyle>
@@ -3974,7 +3804,7 @@
             </a:lvl9pPr>
           </a:lstStyle>
           <a:p>
-            <a:pPr indent="0" lvl="0" marL="0">
+            <a:pPr marL="0" lvl="0" indent="0">
               <a:spcBef>
                 <a:spcPts val="0"/>
               </a:spcBef>
@@ -4000,11 +3830,11 @@
 </file>
 
 <file path=ppt/slideLayouts/slideLayout7.xml><?xml version="1.0" encoding="utf-8"?>
-<p:sldLayout xmlns:a="http://schemas.openxmlformats.org/drawingml/2006/main" xmlns:r="http://schemas.openxmlformats.org/officeDocument/2006/relationships" xmlns:mc="http://schemas.openxmlformats.org/markup-compatibility/2006" xmlns:mv="urn:schemas-microsoft-com:mac:vml" xmlns:p="http://schemas.openxmlformats.org/presentationml/2006/main" xmlns:c="http://schemas.openxmlformats.org/drawingml/2006/chart" xmlns:dgm="http://schemas.openxmlformats.org/drawingml/2006/diagram" xmlns:o="urn:schemas-microsoft-com:office:office" xmlns:v="urn:schemas-microsoft-com:vml" xmlns:pvml="urn:schemas-microsoft-com:office:powerpoint" xmlns:com="http://schemas.openxmlformats.org/drawingml/2006/compatibility" xmlns:p14="http://schemas.microsoft.com/office/powerpoint/2010/main" xmlns:p15="http://schemas.microsoft.com/office/powerpoint/2012/main" matchingName="Main point">
+<p:sldLayout xmlns:a="http://schemas.openxmlformats.org/drawingml/2006/main" xmlns:r="http://schemas.openxmlformats.org/officeDocument/2006/relationships" xmlns:p="http://schemas.openxmlformats.org/presentationml/2006/main" matchingName="Main point">
   <p:cSld name="MAIN_POINT">
     <p:spTree>
       <p:nvGrpSpPr>
-        <p:cNvPr id="32" name="Shape 32"/>
+        <p:cNvPr id="1" name="Shape 32"/>
         <p:cNvGrpSpPr/>
         <p:nvPr/>
       </p:nvGrpSpPr>
@@ -4019,7 +3849,9 @@
       <p:sp>
         <p:nvSpPr>
           <p:cNvPr id="33" name="Shape 33"/>
-          <p:cNvSpPr txBox="1"/>
+          <p:cNvSpPr txBox="1">
+            <a:spLocks noGrp="1"/>
+          </p:cNvSpPr>
           <p:nvPr>
             <p:ph type="title"/>
           </p:nvPr>
@@ -4034,7 +3866,7 @@
           </a:prstGeom>
         </p:spPr>
         <p:txBody>
-          <a:bodyPr anchorCtr="0" anchor="ctr" bIns="91425" lIns="91425" spcFirstLastPara="1" rIns="91425" wrap="square" tIns="91425"/>
+          <a:bodyPr spcFirstLastPara="1" wrap="square" lIns="91425" tIns="91425" rIns="91425" bIns="91425" anchor="ctr" anchorCtr="0"/>
           <a:lstStyle>
             <a:lvl1pPr lvl="0">
               <a:spcBef>
@@ -4136,15 +3968,19 @@
               <a:defRPr sz="4800"/>
             </a:lvl9pPr>
           </a:lstStyle>
-          <a:p/>
+          <a:p>
+            <a:endParaRPr/>
+          </a:p>
         </p:txBody>
       </p:sp>
       <p:sp>
         <p:nvSpPr>
           <p:cNvPr id="34" name="Shape 34"/>
-          <p:cNvSpPr txBox="1"/>
+          <p:cNvSpPr txBox="1">
+            <a:spLocks noGrp="1"/>
+          </p:cNvSpPr>
           <p:nvPr>
-            <p:ph idx="12" type="sldNum"/>
+            <p:ph type="sldNum" idx="12"/>
           </p:nvPr>
         </p:nvSpPr>
         <p:spPr>
@@ -4157,7 +3993,7 @@
           </a:prstGeom>
         </p:spPr>
         <p:txBody>
-          <a:bodyPr anchorCtr="0" anchor="ctr" bIns="91425" lIns="91425" spcFirstLastPara="1" rIns="91425" wrap="square" tIns="91425">
+          <a:bodyPr spcFirstLastPara="1" wrap="square" lIns="91425" tIns="91425" rIns="91425" bIns="91425" anchor="ctr" anchorCtr="0">
             <a:noAutofit/>
           </a:bodyPr>
           <a:lstStyle>
@@ -4199,7 +4035,7 @@
             </a:lvl9pPr>
           </a:lstStyle>
           <a:p>
-            <a:pPr indent="0" lvl="0" marL="0">
+            <a:pPr marL="0" lvl="0" indent="0">
               <a:spcBef>
                 <a:spcPts val="0"/>
               </a:spcBef>
@@ -4225,11 +4061,11 @@
 </file>
 
 <file path=ppt/slideLayouts/slideLayout8.xml><?xml version="1.0" encoding="utf-8"?>
-<p:sldLayout xmlns:a="http://schemas.openxmlformats.org/drawingml/2006/main" xmlns:r="http://schemas.openxmlformats.org/officeDocument/2006/relationships" xmlns:mc="http://schemas.openxmlformats.org/markup-compatibility/2006" xmlns:mv="urn:schemas-microsoft-com:mac:vml" xmlns:p="http://schemas.openxmlformats.org/presentationml/2006/main" xmlns:c="http://schemas.openxmlformats.org/drawingml/2006/chart" xmlns:dgm="http://schemas.openxmlformats.org/drawingml/2006/diagram" xmlns:o="urn:schemas-microsoft-com:office:office" xmlns:v="urn:schemas-microsoft-com:vml" xmlns:pvml="urn:schemas-microsoft-com:office:powerpoint" xmlns:com="http://schemas.openxmlformats.org/drawingml/2006/compatibility" xmlns:p14="http://schemas.microsoft.com/office/powerpoint/2010/main" xmlns:p15="http://schemas.microsoft.com/office/powerpoint/2012/main" matchingName="Section title and description">
+<p:sldLayout xmlns:a="http://schemas.openxmlformats.org/drawingml/2006/main" xmlns:r="http://schemas.openxmlformats.org/officeDocument/2006/relationships" xmlns:p="http://schemas.openxmlformats.org/presentationml/2006/main" matchingName="Section title and description">
   <p:cSld name="SECTION_TITLE_AND_DESCRIPTION">
     <p:spTree>
       <p:nvGrpSpPr>
-        <p:cNvPr id="35" name="Shape 35"/>
+        <p:cNvPr id="1" name="Shape 35"/>
         <p:cNvGrpSpPr/>
         <p:nvPr/>
       </p:nvGrpSpPr>
@@ -4263,12 +4099,12 @@
           </a:ln>
         </p:spPr>
         <p:txBody>
-          <a:bodyPr anchorCtr="0" anchor="ctr" bIns="91425" lIns="91425" spcFirstLastPara="1" rIns="91425" wrap="square" tIns="91425">
+          <a:bodyPr spcFirstLastPara="1" wrap="square" lIns="91425" tIns="91425" rIns="91425" bIns="91425" anchor="ctr" anchorCtr="0">
             <a:noAutofit/>
           </a:bodyPr>
           <a:lstStyle/>
           <a:p>
-            <a:pPr indent="0" lvl="0" marL="0">
+            <a:pPr marL="0" lvl="0" indent="0">
               <a:spcBef>
                 <a:spcPts val="0"/>
               </a:spcBef>
@@ -4277,9 +4113,6 @@
               </a:spcAft>
               <a:buNone/>
             </a:pPr>
-            <a:r>
-              <a:t/>
-            </a:r>
             <a:endParaRPr/>
           </a:p>
         </p:txBody>
@@ -4287,7 +4120,9 @@
       <p:sp>
         <p:nvSpPr>
           <p:cNvPr id="37" name="Shape 37"/>
-          <p:cNvSpPr txBox="1"/>
+          <p:cNvSpPr txBox="1">
+            <a:spLocks noGrp="1"/>
+          </p:cNvSpPr>
           <p:nvPr>
             <p:ph type="title"/>
           </p:nvPr>
@@ -4302,7 +4137,7 @@
           </a:prstGeom>
         </p:spPr>
         <p:txBody>
-          <a:bodyPr anchorCtr="0" anchor="b" bIns="91425" lIns="91425" spcFirstLastPara="1" rIns="91425" wrap="square" tIns="91425"/>
+          <a:bodyPr spcFirstLastPara="1" wrap="square" lIns="91425" tIns="91425" rIns="91425" bIns="91425" anchor="b" anchorCtr="0"/>
           <a:lstStyle>
             <a:lvl1pPr lvl="0" algn="ctr">
               <a:spcBef>
@@ -4404,15 +4239,19 @@
               <a:defRPr sz="4200"/>
             </a:lvl9pPr>
           </a:lstStyle>
-          <a:p/>
+          <a:p>
+            <a:endParaRPr/>
+          </a:p>
         </p:txBody>
       </p:sp>
       <p:sp>
         <p:nvSpPr>
           <p:cNvPr id="38" name="Shape 38"/>
-          <p:cNvSpPr txBox="1"/>
+          <p:cNvSpPr txBox="1">
+            <a:spLocks noGrp="1"/>
+          </p:cNvSpPr>
           <p:nvPr>
-            <p:ph idx="1" type="subTitle"/>
+            <p:ph type="subTitle" idx="1"/>
           </p:nvPr>
         </p:nvSpPr>
         <p:spPr>
@@ -4425,7 +4264,7 @@
           </a:prstGeom>
         </p:spPr>
         <p:txBody>
-          <a:bodyPr anchorCtr="0" anchor="t" bIns="91425" lIns="91425" spcFirstLastPara="1" rIns="91425" wrap="square" tIns="91425"/>
+          <a:bodyPr spcFirstLastPara="1" wrap="square" lIns="91425" tIns="91425" rIns="91425" bIns="91425" anchor="t" anchorCtr="0"/>
           <a:lstStyle>
             <a:lvl1pPr lvl="0" algn="ctr">
               <a:lnSpc>
@@ -4554,15 +4393,19 @@
               <a:defRPr sz="2100"/>
             </a:lvl9pPr>
           </a:lstStyle>
-          <a:p/>
+          <a:p>
+            <a:endParaRPr/>
+          </a:p>
         </p:txBody>
       </p:sp>
       <p:sp>
         <p:nvSpPr>
           <p:cNvPr id="39" name="Shape 39"/>
-          <p:cNvSpPr txBox="1"/>
+          <p:cNvSpPr txBox="1">
+            <a:spLocks noGrp="1"/>
+          </p:cNvSpPr>
           <p:nvPr>
-            <p:ph idx="2" type="body"/>
+            <p:ph type="body" idx="2"/>
           </p:nvPr>
         </p:nvSpPr>
         <p:spPr>
@@ -4575,9 +4418,9 @@
           </a:prstGeom>
         </p:spPr>
         <p:txBody>
-          <a:bodyPr anchorCtr="0" anchor="ctr" bIns="91425" lIns="91425" spcFirstLastPara="1" rIns="91425" wrap="square" tIns="91425"/>
+          <a:bodyPr spcFirstLastPara="1" wrap="square" lIns="91425" tIns="91425" rIns="91425" bIns="91425" anchor="ctr" anchorCtr="0"/>
           <a:lstStyle>
-            <a:lvl1pPr indent="-342900" lvl="0" marL="457200">
+            <a:lvl1pPr marL="457200" lvl="0" indent="-342900">
               <a:spcBef>
                 <a:spcPts val="0"/>
               </a:spcBef>
@@ -4595,7 +4438,7 @@
                 </a:solidFill>
               </a:defRPr>
             </a:lvl1pPr>
-            <a:lvl2pPr indent="-317500" lvl="1" marL="914400">
+            <a:lvl2pPr marL="914400" lvl="1" indent="-317500">
               <a:spcBef>
                 <a:spcPts val="1600"/>
               </a:spcBef>
@@ -4613,7 +4456,7 @@
                 </a:solidFill>
               </a:defRPr>
             </a:lvl2pPr>
-            <a:lvl3pPr indent="-317500" lvl="2" marL="1371600">
+            <a:lvl3pPr marL="1371600" lvl="2" indent="-317500">
               <a:spcBef>
                 <a:spcPts val="1600"/>
               </a:spcBef>
@@ -4631,7 +4474,7 @@
                 </a:solidFill>
               </a:defRPr>
             </a:lvl3pPr>
-            <a:lvl4pPr indent="-317500" lvl="3" marL="1828800">
+            <a:lvl4pPr marL="1828800" lvl="3" indent="-317500">
               <a:spcBef>
                 <a:spcPts val="1600"/>
               </a:spcBef>
@@ -4649,7 +4492,7 @@
                 </a:solidFill>
               </a:defRPr>
             </a:lvl4pPr>
-            <a:lvl5pPr indent="-317500" lvl="4" marL="2286000">
+            <a:lvl5pPr marL="2286000" lvl="4" indent="-317500">
               <a:spcBef>
                 <a:spcPts val="1600"/>
               </a:spcBef>
@@ -4667,7 +4510,7 @@
                 </a:solidFill>
               </a:defRPr>
             </a:lvl5pPr>
-            <a:lvl6pPr indent="-317500" lvl="5" marL="2743200">
+            <a:lvl6pPr marL="2743200" lvl="5" indent="-317500">
               <a:spcBef>
                 <a:spcPts val="1600"/>
               </a:spcBef>
@@ -4685,7 +4528,7 @@
                 </a:solidFill>
               </a:defRPr>
             </a:lvl6pPr>
-            <a:lvl7pPr indent="-317500" lvl="6" marL="3200400">
+            <a:lvl7pPr marL="3200400" lvl="6" indent="-317500">
               <a:spcBef>
                 <a:spcPts val="1600"/>
               </a:spcBef>
@@ -4703,7 +4546,7 @@
                 </a:solidFill>
               </a:defRPr>
             </a:lvl7pPr>
-            <a:lvl8pPr indent="-317500" lvl="7" marL="3657600">
+            <a:lvl8pPr marL="3657600" lvl="7" indent="-317500">
               <a:spcBef>
                 <a:spcPts val="1600"/>
               </a:spcBef>
@@ -4721,7 +4564,7 @@
                 </a:solidFill>
               </a:defRPr>
             </a:lvl8pPr>
-            <a:lvl9pPr indent="-317500" lvl="8" marL="4114800">
+            <a:lvl9pPr marL="4114800" lvl="8" indent="-317500">
               <a:spcBef>
                 <a:spcPts val="1600"/>
               </a:spcBef>
@@ -4740,15 +4583,19 @@
               </a:defRPr>
             </a:lvl9pPr>
           </a:lstStyle>
-          <a:p/>
+          <a:p>
+            <a:endParaRPr/>
+          </a:p>
         </p:txBody>
       </p:sp>
       <p:sp>
         <p:nvSpPr>
           <p:cNvPr id="40" name="Shape 40"/>
-          <p:cNvSpPr txBox="1"/>
+          <p:cNvSpPr txBox="1">
+            <a:spLocks noGrp="1"/>
+          </p:cNvSpPr>
           <p:nvPr>
-            <p:ph idx="12" type="sldNum"/>
+            <p:ph type="sldNum" idx="12"/>
           </p:nvPr>
         </p:nvSpPr>
         <p:spPr>
@@ -4761,7 +4608,7 @@
           </a:prstGeom>
         </p:spPr>
         <p:txBody>
-          <a:bodyPr anchorCtr="0" anchor="ctr" bIns="91425" lIns="91425" spcFirstLastPara="1" rIns="91425" wrap="square" tIns="91425">
+          <a:bodyPr spcFirstLastPara="1" wrap="square" lIns="91425" tIns="91425" rIns="91425" bIns="91425" anchor="ctr" anchorCtr="0">
             <a:noAutofit/>
           </a:bodyPr>
           <a:lstStyle>
@@ -4803,7 +4650,7 @@
             </a:lvl9pPr>
           </a:lstStyle>
           <a:p>
-            <a:pPr indent="0" lvl="0" marL="0">
+            <a:pPr marL="0" lvl="0" indent="0">
               <a:spcBef>
                 <a:spcPts val="0"/>
               </a:spcBef>
@@ -4829,11 +4676,11 @@
 </file>
 
 <file path=ppt/slideLayouts/slideLayout9.xml><?xml version="1.0" encoding="utf-8"?>
-<p:sldLayout xmlns:a="http://schemas.openxmlformats.org/drawingml/2006/main" xmlns:r="http://schemas.openxmlformats.org/officeDocument/2006/relationships" xmlns:mc="http://schemas.openxmlformats.org/markup-compatibility/2006" xmlns:mv="urn:schemas-microsoft-com:mac:vml" xmlns:p="http://schemas.openxmlformats.org/presentationml/2006/main" xmlns:c="http://schemas.openxmlformats.org/drawingml/2006/chart" xmlns:dgm="http://schemas.openxmlformats.org/drawingml/2006/diagram" xmlns:o="urn:schemas-microsoft-com:office:office" xmlns:v="urn:schemas-microsoft-com:vml" xmlns:pvml="urn:schemas-microsoft-com:office:powerpoint" xmlns:com="http://schemas.openxmlformats.org/drawingml/2006/compatibility" xmlns:p14="http://schemas.microsoft.com/office/powerpoint/2010/main" xmlns:p15="http://schemas.microsoft.com/office/powerpoint/2012/main" matchingName="Caption">
+<p:sldLayout xmlns:a="http://schemas.openxmlformats.org/drawingml/2006/main" xmlns:r="http://schemas.openxmlformats.org/officeDocument/2006/relationships" xmlns:p="http://schemas.openxmlformats.org/presentationml/2006/main" matchingName="Caption">
   <p:cSld name="CAPTION_ONLY">
     <p:spTree>
       <p:nvGrpSpPr>
-        <p:cNvPr id="41" name="Shape 41"/>
+        <p:cNvPr id="1" name="Shape 41"/>
         <p:cNvGrpSpPr/>
         <p:nvPr/>
       </p:nvGrpSpPr>
@@ -4848,9 +4695,11 @@
       <p:sp>
         <p:nvSpPr>
           <p:cNvPr id="42" name="Shape 42"/>
-          <p:cNvSpPr txBox="1"/>
+          <p:cNvSpPr txBox="1">
+            <a:spLocks noGrp="1"/>
+          </p:cNvSpPr>
           <p:nvPr>
-            <p:ph idx="1" type="body"/>
+            <p:ph type="body" idx="1"/>
           </p:nvPr>
         </p:nvSpPr>
         <p:spPr>
@@ -4863,9 +4712,9 @@
           </a:prstGeom>
         </p:spPr>
         <p:txBody>
-          <a:bodyPr anchorCtr="0" anchor="ctr" bIns="91425" lIns="91425" spcFirstLastPara="1" rIns="91425" wrap="square" tIns="91425"/>
+          <a:bodyPr spcFirstLastPara="1" wrap="square" lIns="91425" tIns="91425" rIns="91425" bIns="91425" anchor="ctr" anchorCtr="0"/>
           <a:lstStyle>
-            <a:lvl1pPr indent="-228600" lvl="0" marL="457200">
+            <a:lvl1pPr marL="457200" lvl="0" indent="-228600">
               <a:lnSpc>
                 <a:spcPct val="100000"/>
               </a:lnSpc>
@@ -4880,15 +4729,19 @@
               <a:defRPr/>
             </a:lvl1pPr>
           </a:lstStyle>
-          <a:p/>
+          <a:p>
+            <a:endParaRPr/>
+          </a:p>
         </p:txBody>
       </p:sp>
       <p:sp>
         <p:nvSpPr>
           <p:cNvPr id="43" name="Shape 43"/>
-          <p:cNvSpPr txBox="1"/>
+          <p:cNvSpPr txBox="1">
+            <a:spLocks noGrp="1"/>
+          </p:cNvSpPr>
           <p:nvPr>
-            <p:ph idx="12" type="sldNum"/>
+            <p:ph type="sldNum" idx="12"/>
           </p:nvPr>
         </p:nvSpPr>
         <p:spPr>
@@ -4901,7 +4754,7 @@
           </a:prstGeom>
         </p:spPr>
         <p:txBody>
-          <a:bodyPr anchorCtr="0" anchor="ctr" bIns="91425" lIns="91425" spcFirstLastPara="1" rIns="91425" wrap="square" tIns="91425">
+          <a:bodyPr spcFirstLastPara="1" wrap="square" lIns="91425" tIns="91425" rIns="91425" bIns="91425" anchor="ctr" anchorCtr="0">
             <a:noAutofit/>
           </a:bodyPr>
           <a:lstStyle>
@@ -4943,7 +4796,7 @@
             </a:lvl9pPr>
           </a:lstStyle>
           <a:p>
-            <a:pPr indent="0" lvl="0" marL="0">
+            <a:pPr marL="0" lvl="0" indent="0">
               <a:spcBef>
                 <a:spcPts val="0"/>
               </a:spcBef>
@@ -4969,18 +4822,19 @@
 </file>
 
 <file path=ppt/slideMasters/slideMaster1.xml><?xml version="1.0" encoding="utf-8"?>
-<p:sldMaster xmlns:a="http://schemas.openxmlformats.org/drawingml/2006/main" xmlns:r="http://schemas.openxmlformats.org/officeDocument/2006/relationships" xmlns:mc="http://schemas.openxmlformats.org/markup-compatibility/2006" xmlns:mv="urn:schemas-microsoft-com:mac:vml" xmlns:p="http://schemas.openxmlformats.org/presentationml/2006/main" xmlns:c="http://schemas.openxmlformats.org/drawingml/2006/chart" xmlns:dgm="http://schemas.openxmlformats.org/drawingml/2006/diagram" xmlns:o="urn:schemas-microsoft-com:office:office" xmlns:v="urn:schemas-microsoft-com:vml" xmlns:pvml="urn:schemas-microsoft-com:office:powerpoint" xmlns:com="http://schemas.openxmlformats.org/drawingml/2006/compatibility" xmlns:p14="http://schemas.microsoft.com/office/powerpoint/2010/main" xmlns:p15="http://schemas.microsoft.com/office/powerpoint/2012/main">
+<p:sldMaster xmlns:a="http://schemas.openxmlformats.org/drawingml/2006/main" xmlns:r="http://schemas.openxmlformats.org/officeDocument/2006/relationships" xmlns:p="http://schemas.openxmlformats.org/presentationml/2006/main">
   <p:cSld name="simple-dark-2">
     <p:bg>
       <p:bgPr>
         <a:solidFill>
           <a:schemeClr val="lt1"/>
         </a:solidFill>
+        <a:effectLst/>
       </p:bgPr>
     </p:bg>
     <p:spTree>
       <p:nvGrpSpPr>
-        <p:cNvPr id="5" name="Shape 5"/>
+        <p:cNvPr id="1" name="Shape 5"/>
         <p:cNvGrpSpPr/>
         <p:nvPr/>
       </p:nvGrpSpPr>
@@ -4995,7 +4849,9 @@
       <p:sp>
         <p:nvSpPr>
           <p:cNvPr id="6" name="Shape 6"/>
-          <p:cNvSpPr txBox="1"/>
+          <p:cNvSpPr txBox="1">
+            <a:spLocks noGrp="1"/>
+          </p:cNvSpPr>
           <p:nvPr>
             <p:ph type="title"/>
           </p:nvPr>
@@ -5014,7 +4870,7 @@
           </a:ln>
         </p:spPr>
         <p:txBody>
-          <a:bodyPr anchorCtr="0" anchor="t" bIns="91425" lIns="91425" spcFirstLastPara="1" rIns="91425" wrap="square" tIns="91425"/>
+          <a:bodyPr spcFirstLastPara="1" wrap="square" lIns="91425" tIns="91425" rIns="91425" bIns="91425" anchor="t" anchorCtr="0"/>
           <a:lstStyle>
             <a:lvl1pPr lvl="0">
               <a:spcBef>
@@ -5179,15 +5035,19 @@
               </a:defRPr>
             </a:lvl9pPr>
           </a:lstStyle>
-          <a:p/>
+          <a:p>
+            <a:endParaRPr/>
+          </a:p>
         </p:txBody>
       </p:sp>
       <p:sp>
         <p:nvSpPr>
           <p:cNvPr id="7" name="Shape 7"/>
-          <p:cNvSpPr txBox="1"/>
+          <p:cNvSpPr txBox="1">
+            <a:spLocks noGrp="1"/>
+          </p:cNvSpPr>
           <p:nvPr>
-            <p:ph idx="1" type="body"/>
+            <p:ph type="body" idx="1"/>
           </p:nvPr>
         </p:nvSpPr>
         <p:spPr>
@@ -5204,9 +5064,9 @@
           </a:ln>
         </p:spPr>
         <p:txBody>
-          <a:bodyPr anchorCtr="0" anchor="t" bIns="91425" lIns="91425" spcFirstLastPara="1" rIns="91425" wrap="square" tIns="91425"/>
+          <a:bodyPr spcFirstLastPara="1" wrap="square" lIns="91425" tIns="91425" rIns="91425" bIns="91425" anchor="t" anchorCtr="0"/>
           <a:lstStyle>
-            <a:lvl1pPr indent="-342900" lvl="0" marL="457200">
+            <a:lvl1pPr marL="457200" lvl="0" indent="-342900">
               <a:lnSpc>
                 <a:spcPct val="115000"/>
               </a:lnSpc>
@@ -5227,7 +5087,7 @@
                 </a:solidFill>
               </a:defRPr>
             </a:lvl1pPr>
-            <a:lvl2pPr indent="-317500" lvl="1" marL="914400">
+            <a:lvl2pPr marL="914400" lvl="1" indent="-317500">
               <a:lnSpc>
                 <a:spcPct val="115000"/>
               </a:lnSpc>
@@ -5248,7 +5108,7 @@
                 </a:solidFill>
               </a:defRPr>
             </a:lvl2pPr>
-            <a:lvl3pPr indent="-317500" lvl="2" marL="1371600">
+            <a:lvl3pPr marL="1371600" lvl="2" indent="-317500">
               <a:lnSpc>
                 <a:spcPct val="115000"/>
               </a:lnSpc>
@@ -5269,7 +5129,7 @@
                 </a:solidFill>
               </a:defRPr>
             </a:lvl3pPr>
-            <a:lvl4pPr indent="-317500" lvl="3" marL="1828800">
+            <a:lvl4pPr marL="1828800" lvl="3" indent="-317500">
               <a:lnSpc>
                 <a:spcPct val="115000"/>
               </a:lnSpc>
@@ -5290,7 +5150,7 @@
                 </a:solidFill>
               </a:defRPr>
             </a:lvl4pPr>
-            <a:lvl5pPr indent="-317500" lvl="4" marL="2286000">
+            <a:lvl5pPr marL="2286000" lvl="4" indent="-317500">
               <a:lnSpc>
                 <a:spcPct val="115000"/>
               </a:lnSpc>
@@ -5311,7 +5171,7 @@
                 </a:solidFill>
               </a:defRPr>
             </a:lvl5pPr>
-            <a:lvl6pPr indent="-317500" lvl="5" marL="2743200">
+            <a:lvl6pPr marL="2743200" lvl="5" indent="-317500">
               <a:lnSpc>
                 <a:spcPct val="115000"/>
               </a:lnSpc>
@@ -5332,7 +5192,7 @@
                 </a:solidFill>
               </a:defRPr>
             </a:lvl6pPr>
-            <a:lvl7pPr indent="-317500" lvl="6" marL="3200400">
+            <a:lvl7pPr marL="3200400" lvl="6" indent="-317500">
               <a:lnSpc>
                 <a:spcPct val="115000"/>
               </a:lnSpc>
@@ -5353,7 +5213,7 @@
                 </a:solidFill>
               </a:defRPr>
             </a:lvl7pPr>
-            <a:lvl8pPr indent="-317500" lvl="7" marL="3657600">
+            <a:lvl8pPr marL="3657600" lvl="7" indent="-317500">
               <a:lnSpc>
                 <a:spcPct val="115000"/>
               </a:lnSpc>
@@ -5374,7 +5234,7 @@
                 </a:solidFill>
               </a:defRPr>
             </a:lvl8pPr>
-            <a:lvl9pPr indent="-317500" lvl="8" marL="4114800">
+            <a:lvl9pPr marL="4114800" lvl="8" indent="-317500">
               <a:lnSpc>
                 <a:spcPct val="115000"/>
               </a:lnSpc>
@@ -5396,15 +5256,19 @@
               </a:defRPr>
             </a:lvl9pPr>
           </a:lstStyle>
-          <a:p/>
+          <a:p>
+            <a:endParaRPr/>
+          </a:p>
         </p:txBody>
       </p:sp>
       <p:sp>
         <p:nvSpPr>
           <p:cNvPr id="8" name="Shape 8"/>
-          <p:cNvSpPr txBox="1"/>
+          <p:cNvSpPr txBox="1">
+            <a:spLocks noGrp="1"/>
+          </p:cNvSpPr>
           <p:nvPr>
-            <p:ph idx="12" type="sldNum"/>
+            <p:ph type="sldNum" idx="12"/>
           </p:nvPr>
         </p:nvSpPr>
         <p:spPr>
@@ -5421,7 +5285,7 @@
           </a:ln>
         </p:spPr>
         <p:txBody>
-          <a:bodyPr anchorCtr="0" anchor="ctr" bIns="91425" lIns="91425" spcFirstLastPara="1" rIns="91425" wrap="square" tIns="91425">
+          <a:bodyPr spcFirstLastPara="1" wrap="square" lIns="91425" tIns="91425" rIns="91425" bIns="91425" anchor="ctr" anchorCtr="0">
             <a:noAutofit/>
           </a:bodyPr>
           <a:lstStyle>
@@ -5499,7 +5363,7 @@
             </a:lvl9pPr>
           </a:lstStyle>
           <a:p>
-            <a:pPr indent="0" lvl="0" marL="0">
+            <a:pPr marL="0" lvl="0" indent="0">
               <a:spcBef>
                 <a:spcPts val="0"/>
               </a:spcBef>
@@ -5518,7 +5382,7 @@
       </p:sp>
     </p:spTree>
   </p:cSld>
-  <p:clrMap accent1="accent1" accent2="accent2" accent3="accent3" accent4="accent4" accent5="accent5" accent6="accent6" bg1="lt1" bg2="dk2" tx1="dk1" tx2="lt2" folHlink="folHlink" hlink="hlink"/>
+  <p:clrMap bg1="lt1" tx1="dk1" bg2="dk2" tx2="lt2" accent1="accent1" accent2="accent2" accent3="accent3" accent4="accent4" accent5="accent5" accent6="accent6" hlink="hlink" folHlink="folHlink"/>
   <p:sldLayoutIdLst>
     <p:sldLayoutId id="2147483648" r:id="rId1"/>
     <p:sldLayoutId id="2147483649" r:id="rId2"/>
@@ -5532,10 +5396,10 @@
     <p:sldLayoutId id="2147483657" r:id="rId10"/>
     <p:sldLayoutId id="2147483658" r:id="rId11"/>
   </p:sldLayoutIdLst>
-  <p:hf dt="0" ftr="0" hdr="0" sldNum="0"/>
+  <p:hf sldNum="0" hdr="0" ftr="0" dt="0"/>
   <p:txStyles>
     <p:titleStyle>
-      <a:defPPr lvl="0" marR="0" rtl="0" algn="l">
+      <a:defPPr marR="0" lvl="0" algn="l" rtl="0">
         <a:lnSpc>
           <a:spcPct val="100000"/>
         </a:lnSpc>
@@ -5546,7 +5410,7 @@
           <a:spcPts val="0"/>
         </a:spcAft>
       </a:defPPr>
-      <a:lvl1pPr lvl="0" marR="0" rtl="0" algn="l">
+      <a:lvl1pPr marR="0" lvl="0" algn="l" rtl="0">
         <a:lnSpc>
           <a:spcPct val="100000"/>
         </a:lnSpc>
@@ -5560,7 +5424,7 @@
           <a:srgbClr val="000000"/>
         </a:buClr>
         <a:buFont typeface="Arial"/>
-        <a:defRPr b="0" i="0" sz="1400" u="none" cap="none" strike="noStrike">
+        <a:defRPr sz="1400" b="0" i="0" u="none" strike="noStrike" cap="none">
           <a:solidFill>
             <a:srgbClr val="000000"/>
           </a:solidFill>
@@ -5570,7 +5434,7 @@
           <a:sym typeface="Arial"/>
         </a:defRPr>
       </a:lvl1pPr>
-      <a:lvl2pPr lvl="1" marR="0" rtl="0" algn="l">
+      <a:lvl2pPr marR="0" lvl="1" algn="l" rtl="0">
         <a:lnSpc>
           <a:spcPct val="100000"/>
         </a:lnSpc>
@@ -5584,7 +5448,7 @@
           <a:srgbClr val="000000"/>
         </a:buClr>
         <a:buFont typeface="Arial"/>
-        <a:defRPr b="0" i="0" sz="1400" u="none" cap="none" strike="noStrike">
+        <a:defRPr sz="1400" b="0" i="0" u="none" strike="noStrike" cap="none">
           <a:solidFill>
             <a:srgbClr val="000000"/>
           </a:solidFill>
@@ -5594,7 +5458,7 @@
           <a:sym typeface="Arial"/>
         </a:defRPr>
       </a:lvl2pPr>
-      <a:lvl3pPr lvl="2" marR="0" rtl="0" algn="l">
+      <a:lvl3pPr marR="0" lvl="2" algn="l" rtl="0">
         <a:lnSpc>
           <a:spcPct val="100000"/>
         </a:lnSpc>
@@ -5608,7 +5472,7 @@
           <a:srgbClr val="000000"/>
         </a:buClr>
         <a:buFont typeface="Arial"/>
-        <a:defRPr b="0" i="0" sz="1400" u="none" cap="none" strike="noStrike">
+        <a:defRPr sz="1400" b="0" i="0" u="none" strike="noStrike" cap="none">
           <a:solidFill>
             <a:srgbClr val="000000"/>
           </a:solidFill>
@@ -5618,7 +5482,7 @@
           <a:sym typeface="Arial"/>
         </a:defRPr>
       </a:lvl3pPr>
-      <a:lvl4pPr lvl="3" marR="0" rtl="0" algn="l">
+      <a:lvl4pPr marR="0" lvl="3" algn="l" rtl="0">
         <a:lnSpc>
           <a:spcPct val="100000"/>
         </a:lnSpc>
@@ -5632,7 +5496,7 @@
           <a:srgbClr val="000000"/>
         </a:buClr>
         <a:buFont typeface="Arial"/>
-        <a:defRPr b="0" i="0" sz="1400" u="none" cap="none" strike="noStrike">
+        <a:defRPr sz="1400" b="0" i="0" u="none" strike="noStrike" cap="none">
           <a:solidFill>
             <a:srgbClr val="000000"/>
           </a:solidFill>
@@ -5642,7 +5506,7 @@
           <a:sym typeface="Arial"/>
         </a:defRPr>
       </a:lvl4pPr>
-      <a:lvl5pPr lvl="4" marR="0" rtl="0" algn="l">
+      <a:lvl5pPr marR="0" lvl="4" algn="l" rtl="0">
         <a:lnSpc>
           <a:spcPct val="100000"/>
         </a:lnSpc>
@@ -5656,7 +5520,7 @@
           <a:srgbClr val="000000"/>
         </a:buClr>
         <a:buFont typeface="Arial"/>
-        <a:defRPr b="0" i="0" sz="1400" u="none" cap="none" strike="noStrike">
+        <a:defRPr sz="1400" b="0" i="0" u="none" strike="noStrike" cap="none">
           <a:solidFill>
             <a:srgbClr val="000000"/>
           </a:solidFill>
@@ -5666,7 +5530,7 @@
           <a:sym typeface="Arial"/>
         </a:defRPr>
       </a:lvl5pPr>
-      <a:lvl6pPr lvl="5" marR="0" rtl="0" algn="l">
+      <a:lvl6pPr marR="0" lvl="5" algn="l" rtl="0">
         <a:lnSpc>
           <a:spcPct val="100000"/>
         </a:lnSpc>
@@ -5680,7 +5544,7 @@
           <a:srgbClr val="000000"/>
         </a:buClr>
         <a:buFont typeface="Arial"/>
-        <a:defRPr b="0" i="0" sz="1400" u="none" cap="none" strike="noStrike">
+        <a:defRPr sz="1400" b="0" i="0" u="none" strike="noStrike" cap="none">
           <a:solidFill>
             <a:srgbClr val="000000"/>
           </a:solidFill>
@@ -5690,7 +5554,7 @@
           <a:sym typeface="Arial"/>
         </a:defRPr>
       </a:lvl6pPr>
-      <a:lvl7pPr lvl="6" marR="0" rtl="0" algn="l">
+      <a:lvl7pPr marR="0" lvl="6" algn="l" rtl="0">
         <a:lnSpc>
           <a:spcPct val="100000"/>
         </a:lnSpc>
@@ -5704,7 +5568,7 @@
           <a:srgbClr val="000000"/>
         </a:buClr>
         <a:buFont typeface="Arial"/>
-        <a:defRPr b="0" i="0" sz="1400" u="none" cap="none" strike="noStrike">
+        <a:defRPr sz="1400" b="0" i="0" u="none" strike="noStrike" cap="none">
           <a:solidFill>
             <a:srgbClr val="000000"/>
           </a:solidFill>
@@ -5714,7 +5578,7 @@
           <a:sym typeface="Arial"/>
         </a:defRPr>
       </a:lvl7pPr>
-      <a:lvl8pPr lvl="7" marR="0" rtl="0" algn="l">
+      <a:lvl8pPr marR="0" lvl="7" algn="l" rtl="0">
         <a:lnSpc>
           <a:spcPct val="100000"/>
         </a:lnSpc>
@@ -5728,7 +5592,7 @@
           <a:srgbClr val="000000"/>
         </a:buClr>
         <a:buFont typeface="Arial"/>
-        <a:defRPr b="0" i="0" sz="1400" u="none" cap="none" strike="noStrike">
+        <a:defRPr sz="1400" b="0" i="0" u="none" strike="noStrike" cap="none">
           <a:solidFill>
             <a:srgbClr val="000000"/>
           </a:solidFill>
@@ -5738,7 +5602,7 @@
           <a:sym typeface="Arial"/>
         </a:defRPr>
       </a:lvl8pPr>
-      <a:lvl9pPr lvl="8" marR="0" rtl="0" algn="l">
+      <a:lvl9pPr marR="0" lvl="8" algn="l" rtl="0">
         <a:lnSpc>
           <a:spcPct val="100000"/>
         </a:lnSpc>
@@ -5752,7 +5616,7 @@
           <a:srgbClr val="000000"/>
         </a:buClr>
         <a:buFont typeface="Arial"/>
-        <a:defRPr b="0" i="0" sz="1400" u="none" cap="none" strike="noStrike">
+        <a:defRPr sz="1400" b="0" i="0" u="none" strike="noStrike" cap="none">
           <a:solidFill>
             <a:srgbClr val="000000"/>
           </a:solidFill>
@@ -5764,7 +5628,7 @@
       </a:lvl9pPr>
     </p:titleStyle>
     <p:bodyStyle>
-      <a:defPPr lvl="0" marR="0" rtl="0" algn="l">
+      <a:defPPr marR="0" lvl="0" algn="l" rtl="0">
         <a:lnSpc>
           <a:spcPct val="100000"/>
         </a:lnSpc>
@@ -5775,7 +5639,7 @@
           <a:spcPts val="0"/>
         </a:spcAft>
       </a:defPPr>
-      <a:lvl1pPr lvl="0" marR="0" rtl="0" algn="l">
+      <a:lvl1pPr marR="0" lvl="0" algn="l" rtl="0">
         <a:lnSpc>
           <a:spcPct val="100000"/>
         </a:lnSpc>
@@ -5789,7 +5653,7 @@
           <a:srgbClr val="000000"/>
         </a:buClr>
         <a:buFont typeface="Arial"/>
-        <a:defRPr b="0" i="0" sz="1400" u="none" cap="none" strike="noStrike">
+        <a:defRPr sz="1400" b="0" i="0" u="none" strike="noStrike" cap="none">
           <a:solidFill>
             <a:srgbClr val="000000"/>
           </a:solidFill>
@@ -5799,7 +5663,7 @@
           <a:sym typeface="Arial"/>
         </a:defRPr>
       </a:lvl1pPr>
-      <a:lvl2pPr lvl="1" marR="0" rtl="0" algn="l">
+      <a:lvl2pPr marR="0" lvl="1" algn="l" rtl="0">
         <a:lnSpc>
           <a:spcPct val="100000"/>
         </a:lnSpc>
@@ -5813,7 +5677,7 @@
           <a:srgbClr val="000000"/>
         </a:buClr>
         <a:buFont typeface="Arial"/>
-        <a:defRPr b="0" i="0" sz="1400" u="none" cap="none" strike="noStrike">
+        <a:defRPr sz="1400" b="0" i="0" u="none" strike="noStrike" cap="none">
           <a:solidFill>
             <a:srgbClr val="000000"/>
           </a:solidFill>
@@ -5823,7 +5687,7 @@
           <a:sym typeface="Arial"/>
         </a:defRPr>
       </a:lvl2pPr>
-      <a:lvl3pPr lvl="2" marR="0" rtl="0" algn="l">
+      <a:lvl3pPr marR="0" lvl="2" algn="l" rtl="0">
         <a:lnSpc>
           <a:spcPct val="100000"/>
         </a:lnSpc>
@@ -5837,7 +5701,7 @@
           <a:srgbClr val="000000"/>
         </a:buClr>
         <a:buFont typeface="Arial"/>
-        <a:defRPr b="0" i="0" sz="1400" u="none" cap="none" strike="noStrike">
+        <a:defRPr sz="1400" b="0" i="0" u="none" strike="noStrike" cap="none">
           <a:solidFill>
             <a:srgbClr val="000000"/>
           </a:solidFill>
@@ -5847,7 +5711,7 @@
           <a:sym typeface="Arial"/>
         </a:defRPr>
       </a:lvl3pPr>
-      <a:lvl4pPr lvl="3" marR="0" rtl="0" algn="l">
+      <a:lvl4pPr marR="0" lvl="3" algn="l" rtl="0">
         <a:lnSpc>
           <a:spcPct val="100000"/>
         </a:lnSpc>
@@ -5861,7 +5725,7 @@
           <a:srgbClr val="000000"/>
         </a:buClr>
         <a:buFont typeface="Arial"/>
-        <a:defRPr b="0" i="0" sz="1400" u="none" cap="none" strike="noStrike">
+        <a:defRPr sz="1400" b="0" i="0" u="none" strike="noStrike" cap="none">
           <a:solidFill>
             <a:srgbClr val="000000"/>
           </a:solidFill>
@@ -5871,7 +5735,7 @@
           <a:sym typeface="Arial"/>
         </a:defRPr>
       </a:lvl4pPr>
-      <a:lvl5pPr lvl="4" marR="0" rtl="0" algn="l">
+      <a:lvl5pPr marR="0" lvl="4" algn="l" rtl="0">
         <a:lnSpc>
           <a:spcPct val="100000"/>
         </a:lnSpc>
@@ -5885,7 +5749,7 @@
           <a:srgbClr val="000000"/>
         </a:buClr>
         <a:buFont typeface="Arial"/>
-        <a:defRPr b="0" i="0" sz="1400" u="none" cap="none" strike="noStrike">
+        <a:defRPr sz="1400" b="0" i="0" u="none" strike="noStrike" cap="none">
           <a:solidFill>
             <a:srgbClr val="000000"/>
           </a:solidFill>
@@ -5895,7 +5759,7 @@
           <a:sym typeface="Arial"/>
         </a:defRPr>
       </a:lvl5pPr>
-      <a:lvl6pPr lvl="5" marR="0" rtl="0" algn="l">
+      <a:lvl6pPr marR="0" lvl="5" algn="l" rtl="0">
         <a:lnSpc>
           <a:spcPct val="100000"/>
         </a:lnSpc>
@@ -5909,7 +5773,7 @@
           <a:srgbClr val="000000"/>
         </a:buClr>
         <a:buFont typeface="Arial"/>
-        <a:defRPr b="0" i="0" sz="1400" u="none" cap="none" strike="noStrike">
+        <a:defRPr sz="1400" b="0" i="0" u="none" strike="noStrike" cap="none">
           <a:solidFill>
             <a:srgbClr val="000000"/>
           </a:solidFill>
@@ -5919,7 +5783,7 @@
           <a:sym typeface="Arial"/>
         </a:defRPr>
       </a:lvl6pPr>
-      <a:lvl7pPr lvl="6" marR="0" rtl="0" algn="l">
+      <a:lvl7pPr marR="0" lvl="6" algn="l" rtl="0">
         <a:lnSpc>
           <a:spcPct val="100000"/>
         </a:lnSpc>
@@ -5933,7 +5797,7 @@
           <a:srgbClr val="000000"/>
         </a:buClr>
         <a:buFont typeface="Arial"/>
-        <a:defRPr b="0" i="0" sz="1400" u="none" cap="none" strike="noStrike">
+        <a:defRPr sz="1400" b="0" i="0" u="none" strike="noStrike" cap="none">
           <a:solidFill>
             <a:srgbClr val="000000"/>
           </a:solidFill>
@@ -5943,7 +5807,7 @@
           <a:sym typeface="Arial"/>
         </a:defRPr>
       </a:lvl7pPr>
-      <a:lvl8pPr lvl="7" marR="0" rtl="0" algn="l">
+      <a:lvl8pPr marR="0" lvl="7" algn="l" rtl="0">
         <a:lnSpc>
           <a:spcPct val="100000"/>
         </a:lnSpc>
@@ -5957,7 +5821,7 @@
           <a:srgbClr val="000000"/>
         </a:buClr>
         <a:buFont typeface="Arial"/>
-        <a:defRPr b="0" i="0" sz="1400" u="none" cap="none" strike="noStrike">
+        <a:defRPr sz="1400" b="0" i="0" u="none" strike="noStrike" cap="none">
           <a:solidFill>
             <a:srgbClr val="000000"/>
           </a:solidFill>
@@ -5967,7 +5831,7 @@
           <a:sym typeface="Arial"/>
         </a:defRPr>
       </a:lvl8pPr>
-      <a:lvl9pPr lvl="8" marR="0" rtl="0" algn="l">
+      <a:lvl9pPr marR="0" lvl="8" algn="l" rtl="0">
         <a:lnSpc>
           <a:spcPct val="100000"/>
         </a:lnSpc>
@@ -5981,7 +5845,7 @@
           <a:srgbClr val="000000"/>
         </a:buClr>
         <a:buFont typeface="Arial"/>
-        <a:defRPr b="0" i="0" sz="1400" u="none" cap="none" strike="noStrike">
+        <a:defRPr sz="1400" b="0" i="0" u="none" strike="noStrike" cap="none">
           <a:solidFill>
             <a:srgbClr val="000000"/>
           </a:solidFill>
@@ -5993,7 +5857,7 @@
       </a:lvl9pPr>
     </p:bodyStyle>
     <p:otherStyle>
-      <a:defPPr lvl="0" marR="0" rtl="0" algn="l">
+      <a:defPPr marR="0" lvl="0" algn="l" rtl="0">
         <a:lnSpc>
           <a:spcPct val="100000"/>
         </a:lnSpc>
@@ -6004,7 +5868,7 @@
           <a:spcPts val="0"/>
         </a:spcAft>
       </a:defPPr>
-      <a:lvl1pPr lvl="0" marR="0" rtl="0" algn="l">
+      <a:lvl1pPr marR="0" lvl="0" algn="l" rtl="0">
         <a:lnSpc>
           <a:spcPct val="100000"/>
         </a:lnSpc>
@@ -6018,7 +5882,7 @@
           <a:srgbClr val="000000"/>
         </a:buClr>
         <a:buFont typeface="Arial"/>
-        <a:defRPr b="0" i="0" sz="1400" u="none" cap="none" strike="noStrike">
+        <a:defRPr sz="1400" b="0" i="0" u="none" strike="noStrike" cap="none">
           <a:solidFill>
             <a:srgbClr val="000000"/>
           </a:solidFill>
@@ -6028,7 +5892,7 @@
           <a:sym typeface="Arial"/>
         </a:defRPr>
       </a:lvl1pPr>
-      <a:lvl2pPr lvl="1" marR="0" rtl="0" algn="l">
+      <a:lvl2pPr marR="0" lvl="1" algn="l" rtl="0">
         <a:lnSpc>
           <a:spcPct val="100000"/>
         </a:lnSpc>
@@ -6042,7 +5906,7 @@
           <a:srgbClr val="000000"/>
         </a:buClr>
         <a:buFont typeface="Arial"/>
-        <a:defRPr b="0" i="0" sz="1400" u="none" cap="none" strike="noStrike">
+        <a:defRPr sz="1400" b="0" i="0" u="none" strike="noStrike" cap="none">
           <a:solidFill>
             <a:srgbClr val="000000"/>
           </a:solidFill>
@@ -6052,7 +5916,7 @@
           <a:sym typeface="Arial"/>
         </a:defRPr>
       </a:lvl2pPr>
-      <a:lvl3pPr lvl="2" marR="0" rtl="0" algn="l">
+      <a:lvl3pPr marR="0" lvl="2" algn="l" rtl="0">
         <a:lnSpc>
           <a:spcPct val="100000"/>
         </a:lnSpc>
@@ -6066,7 +5930,7 @@
           <a:srgbClr val="000000"/>
         </a:buClr>
         <a:buFont typeface="Arial"/>
-        <a:defRPr b="0" i="0" sz="1400" u="none" cap="none" strike="noStrike">
+        <a:defRPr sz="1400" b="0" i="0" u="none" strike="noStrike" cap="none">
           <a:solidFill>
             <a:srgbClr val="000000"/>
           </a:solidFill>
@@ -6076,7 +5940,7 @@
           <a:sym typeface="Arial"/>
         </a:defRPr>
       </a:lvl3pPr>
-      <a:lvl4pPr lvl="3" marR="0" rtl="0" algn="l">
+      <a:lvl4pPr marR="0" lvl="3" algn="l" rtl="0">
         <a:lnSpc>
           <a:spcPct val="100000"/>
         </a:lnSpc>
@@ -6090,7 +5954,7 @@
           <a:srgbClr val="000000"/>
         </a:buClr>
         <a:buFont typeface="Arial"/>
-        <a:defRPr b="0" i="0" sz="1400" u="none" cap="none" strike="noStrike">
+        <a:defRPr sz="1400" b="0" i="0" u="none" strike="noStrike" cap="none">
           <a:solidFill>
             <a:srgbClr val="000000"/>
           </a:solidFill>
@@ -6100,7 +5964,7 @@
           <a:sym typeface="Arial"/>
         </a:defRPr>
       </a:lvl4pPr>
-      <a:lvl5pPr lvl="4" marR="0" rtl="0" algn="l">
+      <a:lvl5pPr marR="0" lvl="4" algn="l" rtl="0">
         <a:lnSpc>
           <a:spcPct val="100000"/>
         </a:lnSpc>
@@ -6114,7 +5978,7 @@
           <a:srgbClr val="000000"/>
         </a:buClr>
         <a:buFont typeface="Arial"/>
-        <a:defRPr b="0" i="0" sz="1400" u="none" cap="none" strike="noStrike">
+        <a:defRPr sz="1400" b="0" i="0" u="none" strike="noStrike" cap="none">
           <a:solidFill>
             <a:srgbClr val="000000"/>
           </a:solidFill>
@@ -6124,7 +5988,7 @@
           <a:sym typeface="Arial"/>
         </a:defRPr>
       </a:lvl5pPr>
-      <a:lvl6pPr lvl="5" marR="0" rtl="0" algn="l">
+      <a:lvl6pPr marR="0" lvl="5" algn="l" rtl="0">
         <a:lnSpc>
           <a:spcPct val="100000"/>
         </a:lnSpc>
@@ -6138,7 +6002,7 @@
           <a:srgbClr val="000000"/>
         </a:buClr>
         <a:buFont typeface="Arial"/>
-        <a:defRPr b="0" i="0" sz="1400" u="none" cap="none" strike="noStrike">
+        <a:defRPr sz="1400" b="0" i="0" u="none" strike="noStrike" cap="none">
           <a:solidFill>
             <a:srgbClr val="000000"/>
           </a:solidFill>
@@ -6148,7 +6012,7 @@
           <a:sym typeface="Arial"/>
         </a:defRPr>
       </a:lvl6pPr>
-      <a:lvl7pPr lvl="6" marR="0" rtl="0" algn="l">
+      <a:lvl7pPr marR="0" lvl="6" algn="l" rtl="0">
         <a:lnSpc>
           <a:spcPct val="100000"/>
         </a:lnSpc>
@@ -6162,7 +6026,7 @@
           <a:srgbClr val="000000"/>
         </a:buClr>
         <a:buFont typeface="Arial"/>
-        <a:defRPr b="0" i="0" sz="1400" u="none" cap="none" strike="noStrike">
+        <a:defRPr sz="1400" b="0" i="0" u="none" strike="noStrike" cap="none">
           <a:solidFill>
             <a:srgbClr val="000000"/>
           </a:solidFill>
@@ -6172,7 +6036,7 @@
           <a:sym typeface="Arial"/>
         </a:defRPr>
       </a:lvl7pPr>
-      <a:lvl8pPr lvl="7" marR="0" rtl="0" algn="l">
+      <a:lvl8pPr marR="0" lvl="7" algn="l" rtl="0">
         <a:lnSpc>
           <a:spcPct val="100000"/>
         </a:lnSpc>
@@ -6186,7 +6050,7 @@
           <a:srgbClr val="000000"/>
         </a:buClr>
         <a:buFont typeface="Arial"/>
-        <a:defRPr b="0" i="0" sz="1400" u="none" cap="none" strike="noStrike">
+        <a:defRPr sz="1400" b="0" i="0" u="none" strike="noStrike" cap="none">
           <a:solidFill>
             <a:srgbClr val="000000"/>
           </a:solidFill>
@@ -6196,7 +6060,7 @@
           <a:sym typeface="Arial"/>
         </a:defRPr>
       </a:lvl8pPr>
-      <a:lvl9pPr lvl="8" marR="0" rtl="0" algn="l">
+      <a:lvl9pPr marR="0" lvl="8" algn="l" rtl="0">
         <a:lnSpc>
           <a:spcPct val="100000"/>
         </a:lnSpc>
@@ -6210,7 +6074,7 @@
           <a:srgbClr val="000000"/>
         </a:buClr>
         <a:buFont typeface="Arial"/>
-        <a:defRPr b="0" i="0" sz="1400" u="none" cap="none" strike="noStrike">
+        <a:defRPr sz="1400" b="0" i="0" u="none" strike="noStrike" cap="none">
           <a:solidFill>
             <a:srgbClr val="000000"/>
           </a:solidFill>
@@ -6226,11 +6090,1304 @@
 </file>
 
 <file path=ppt/slides/slide1.xml><?xml version="1.0" encoding="utf-8"?>
-<p:sld xmlns:a="http://schemas.openxmlformats.org/drawingml/2006/main" xmlns:r="http://schemas.openxmlformats.org/officeDocument/2006/relationships" xmlns:mc="http://schemas.openxmlformats.org/markup-compatibility/2006" xmlns:mv="urn:schemas-microsoft-com:mac:vml" xmlns:p="http://schemas.openxmlformats.org/presentationml/2006/main" xmlns:c="http://schemas.openxmlformats.org/drawingml/2006/chart" xmlns:dgm="http://schemas.openxmlformats.org/drawingml/2006/diagram" xmlns:o="urn:schemas-microsoft-com:office:office" xmlns:v="urn:schemas-microsoft-com:vml" xmlns:pvml="urn:schemas-microsoft-com:office:powerpoint" xmlns:com="http://schemas.openxmlformats.org/drawingml/2006/compatibility" xmlns:p14="http://schemas.microsoft.com/office/powerpoint/2010/main" xmlns:p15="http://schemas.microsoft.com/office/powerpoint/2012/main">
+<p:sld xmlns:a="http://schemas.openxmlformats.org/drawingml/2006/main" xmlns:r="http://schemas.openxmlformats.org/officeDocument/2006/relationships" xmlns:p="http://schemas.openxmlformats.org/presentationml/2006/main">
   <p:cSld>
     <p:spTree>
       <p:nvGrpSpPr>
-        <p:cNvPr id="53" name="Shape 53"/>
+        <p:cNvPr id="1" name=""/>
+        <p:cNvGrpSpPr/>
+        <p:nvPr/>
+      </p:nvGrpSpPr>
+      <p:grpSpPr>
+        <a:xfrm>
+          <a:off x="0" y="0"/>
+          <a:ext cx="0" cy="0"/>
+          <a:chOff x="0" y="0"/>
+          <a:chExt cx="0" cy="0"/>
+        </a:xfrm>
+      </p:grpSpPr>
+      <p:sp>
+        <p:nvSpPr>
+          <p:cNvPr id="4" name="Title 3">
+            <a:extLst>
+              <a:ext uri="{FF2B5EF4-FFF2-40B4-BE49-F238E27FC236}">
+                <a16:creationId xmlns:a16="http://schemas.microsoft.com/office/drawing/2014/main" id="{774B795C-49A2-4CD2-B09E-AB93E55C38C9}"/>
+              </a:ext>
+            </a:extLst>
+          </p:cNvPr>
+          <p:cNvSpPr>
+            <a:spLocks noGrp="1"/>
+          </p:cNvSpPr>
+          <p:nvPr>
+            <p:ph type="title"/>
+          </p:nvPr>
+        </p:nvSpPr>
+        <p:spPr/>
+        <p:txBody>
+          <a:bodyPr/>
+          <a:lstStyle/>
+          <a:p>
+            <a:endParaRPr lang="en-US" dirty="0"/>
+          </a:p>
+        </p:txBody>
+      </p:sp>
+    </p:spTree>
+    <p:extLst>
+      <p:ext uri="{BB962C8B-B14F-4D97-AF65-F5344CB8AC3E}">
+        <p14:creationId xmlns:p14="http://schemas.microsoft.com/office/powerpoint/2010/main" val="3904958647"/>
+      </p:ext>
+    </p:extLst>
+  </p:cSld>
+  <p:clrMapOvr>
+    <a:masterClrMapping/>
+  </p:clrMapOvr>
+</p:sld>
+</file>
+
+<file path=ppt/slides/slide2.xml><?xml version="1.0" encoding="utf-8"?>
+<p:sld xmlns:a="http://schemas.openxmlformats.org/drawingml/2006/main" xmlns:r="http://schemas.openxmlformats.org/officeDocument/2006/relationships" xmlns:p="http://schemas.openxmlformats.org/presentationml/2006/main">
+  <p:cSld>
+    <p:spTree>
+      <p:nvGrpSpPr>
+        <p:cNvPr id="1" name="Shape 60"/>
+        <p:cNvGrpSpPr/>
+        <p:nvPr/>
+      </p:nvGrpSpPr>
+      <p:grpSpPr>
+        <a:xfrm>
+          <a:off x="0" y="0"/>
+          <a:ext cx="0" cy="0"/>
+          <a:chOff x="0" y="0"/>
+          <a:chExt cx="0" cy="0"/>
+        </a:xfrm>
+      </p:grpSpPr>
+      <p:sp>
+        <p:nvSpPr>
+          <p:cNvPr id="61" name="Shape 61"/>
+          <p:cNvSpPr txBox="1">
+            <a:spLocks noGrp="1"/>
+          </p:cNvSpPr>
+          <p:nvPr>
+            <p:ph type="title"/>
+          </p:nvPr>
+        </p:nvSpPr>
+        <p:spPr>
+          <a:xfrm>
+            <a:off x="62275" y="-124550"/>
+            <a:ext cx="8769900" cy="524700"/>
+          </a:xfrm>
+          <a:prstGeom prst="rect">
+            <a:avLst/>
+          </a:prstGeom>
+        </p:spPr>
+        <p:txBody>
+          <a:bodyPr spcFirstLastPara="1" wrap="square" lIns="91425" tIns="91425" rIns="91425" bIns="91425" anchor="t" anchorCtr="0">
+            <a:noAutofit/>
+          </a:bodyPr>
+          <a:lstStyle/>
+          <a:p>
+            <a:pPr marL="0" lvl="0" indent="0" rtl="0">
+              <a:spcBef>
+                <a:spcPts val="0"/>
+              </a:spcBef>
+              <a:spcAft>
+                <a:spcPts val="0"/>
+              </a:spcAft>
+              <a:buNone/>
+            </a:pPr>
+            <a:r>
+              <a:rPr lang="en-US" sz="4000" dirty="0"/>
+              <a:t>Outline</a:t>
+            </a:r>
+            <a:endParaRPr sz="4000" dirty="0"/>
+          </a:p>
+        </p:txBody>
+      </p:sp>
+      <p:sp>
+        <p:nvSpPr>
+          <p:cNvPr id="62" name="Shape 62"/>
+          <p:cNvSpPr txBox="1"/>
+          <p:nvPr/>
+        </p:nvSpPr>
+        <p:spPr>
+          <a:xfrm>
+            <a:off x="418050" y="658225"/>
+            <a:ext cx="8619300" cy="4349700"/>
+          </a:xfrm>
+          <a:prstGeom prst="rect">
+            <a:avLst/>
+          </a:prstGeom>
+          <a:noFill/>
+          <a:ln>
+            <a:noFill/>
+          </a:ln>
+        </p:spPr>
+        <p:txBody>
+          <a:bodyPr spcFirstLastPara="1" wrap="square" lIns="91425" tIns="91425" rIns="91425" bIns="91425" anchor="t" anchorCtr="0">
+            <a:noAutofit/>
+          </a:bodyPr>
+          <a:lstStyle/>
+          <a:p>
+            <a:pPr marL="457200" marR="0" lvl="0" indent="-381000" algn="l" rtl="0">
+              <a:lnSpc>
+                <a:spcPct val="115000"/>
+              </a:lnSpc>
+              <a:spcBef>
+                <a:spcPts val="0"/>
+              </a:spcBef>
+              <a:spcAft>
+                <a:spcPts val="0"/>
+              </a:spcAft>
+              <a:buClr>
+                <a:srgbClr val="FFFFFF"/>
+              </a:buClr>
+              <a:buSzPts val="2400"/>
+              <a:buFont typeface="Arial"/>
+              <a:buChar char="●"/>
+            </a:pPr>
+            <a:r>
+              <a:rPr lang="en-US" sz="2400" dirty="0">
+                <a:solidFill>
+                  <a:srgbClr val="FFFFFF"/>
+                </a:solidFill>
+              </a:rPr>
+              <a:t>Reminders</a:t>
+            </a:r>
+          </a:p>
+          <a:p>
+            <a:pPr marL="457200" marR="0" lvl="0" indent="-381000" algn="l" rtl="0">
+              <a:lnSpc>
+                <a:spcPct val="115000"/>
+              </a:lnSpc>
+              <a:spcBef>
+                <a:spcPts val="0"/>
+              </a:spcBef>
+              <a:spcAft>
+                <a:spcPts val="0"/>
+              </a:spcAft>
+              <a:buClr>
+                <a:srgbClr val="FFFFFF"/>
+              </a:buClr>
+              <a:buSzPts val="2400"/>
+              <a:buFont typeface="Arial"/>
+              <a:buChar char="●"/>
+            </a:pPr>
+            <a:r>
+              <a:rPr lang="en-US" sz="2400" dirty="0">
+                <a:solidFill>
+                  <a:srgbClr val="FFFFFF"/>
+                </a:solidFill>
+              </a:rPr>
+              <a:t>Studio Solution (</a:t>
+            </a:r>
+            <a:r>
+              <a:rPr lang="en-US" sz="2400" dirty="0" err="1">
+                <a:solidFill>
+                  <a:srgbClr val="FFFFFF"/>
+                </a:solidFill>
+              </a:rPr>
+              <a:t>Flicklist</a:t>
+            </a:r>
+            <a:r>
+              <a:rPr lang="en-US" sz="2400" dirty="0">
+                <a:solidFill>
+                  <a:srgbClr val="FFFFFF"/>
+                </a:solidFill>
+              </a:rPr>
+              <a:t> 5)</a:t>
+            </a:r>
+          </a:p>
+          <a:p>
+            <a:pPr marL="457200" marR="0" lvl="0" indent="-381000" algn="l" rtl="0">
+              <a:lnSpc>
+                <a:spcPct val="115000"/>
+              </a:lnSpc>
+              <a:spcBef>
+                <a:spcPts val="0"/>
+              </a:spcBef>
+              <a:spcAft>
+                <a:spcPts val="0"/>
+              </a:spcAft>
+              <a:buClr>
+                <a:srgbClr val="FFFFFF"/>
+              </a:buClr>
+              <a:buSzPts val="2400"/>
+              <a:buFont typeface="Arial"/>
+              <a:buChar char="●"/>
+            </a:pPr>
+            <a:r>
+              <a:rPr lang="en-US" sz="2400" dirty="0">
+                <a:solidFill>
+                  <a:srgbClr val="FFFFFF"/>
+                </a:solidFill>
+              </a:rPr>
+              <a:t> Q&amp;A</a:t>
+            </a:r>
+          </a:p>
+          <a:p>
+            <a:pPr marL="457200" marR="0" lvl="0" indent="-381000" algn="l" rtl="0">
+              <a:lnSpc>
+                <a:spcPct val="115000"/>
+              </a:lnSpc>
+              <a:spcBef>
+                <a:spcPts val="0"/>
+              </a:spcBef>
+              <a:spcAft>
+                <a:spcPts val="0"/>
+              </a:spcAft>
+              <a:buClr>
+                <a:srgbClr val="FFFFFF"/>
+              </a:buClr>
+              <a:buSzPts val="2400"/>
+              <a:buFont typeface="Arial"/>
+              <a:buChar char="●"/>
+            </a:pPr>
+            <a:r>
+              <a:rPr lang="en-US" sz="2400" dirty="0">
+                <a:solidFill>
+                  <a:srgbClr val="FFFFFF"/>
+                </a:solidFill>
+              </a:rPr>
+              <a:t>Studio Walkthrough (Database I Solution?)</a:t>
+            </a:r>
+          </a:p>
+          <a:p>
+            <a:pPr marL="457200" marR="0" lvl="0" indent="-381000" algn="l" rtl="0">
+              <a:lnSpc>
+                <a:spcPct val="115000"/>
+              </a:lnSpc>
+              <a:spcBef>
+                <a:spcPts val="0"/>
+              </a:spcBef>
+              <a:spcAft>
+                <a:spcPts val="0"/>
+              </a:spcAft>
+              <a:buClr>
+                <a:srgbClr val="FFFFFF"/>
+              </a:buClr>
+              <a:buSzPts val="2400"/>
+              <a:buFont typeface="Arial"/>
+              <a:buChar char="●"/>
+            </a:pPr>
+            <a:r>
+              <a:rPr lang="en-US" sz="2400" dirty="0">
+                <a:solidFill>
+                  <a:srgbClr val="FFFFFF"/>
+                </a:solidFill>
+              </a:rPr>
+              <a:t>Studio</a:t>
+            </a:r>
+            <a:endParaRPr sz="2400" dirty="0">
+              <a:solidFill>
+                <a:srgbClr val="FFFFFF"/>
+              </a:solidFill>
+            </a:endParaRPr>
+          </a:p>
+          <a:p>
+            <a:pPr marL="0" lvl="0" indent="0" rtl="0">
+              <a:lnSpc>
+                <a:spcPct val="115000"/>
+              </a:lnSpc>
+              <a:spcBef>
+                <a:spcPts val="0"/>
+              </a:spcBef>
+              <a:spcAft>
+                <a:spcPts val="0"/>
+              </a:spcAft>
+              <a:buNone/>
+            </a:pPr>
+            <a:endParaRPr sz="2200" dirty="0">
+              <a:solidFill>
+                <a:srgbClr val="FFFFFF"/>
+              </a:solidFill>
+            </a:endParaRPr>
+          </a:p>
+          <a:p>
+            <a:pPr marL="0" lvl="0" indent="0" rtl="0">
+              <a:lnSpc>
+                <a:spcPct val="115000"/>
+              </a:lnSpc>
+              <a:spcBef>
+                <a:spcPts val="0"/>
+              </a:spcBef>
+              <a:spcAft>
+                <a:spcPts val="0"/>
+              </a:spcAft>
+              <a:buNone/>
+            </a:pPr>
+            <a:endParaRPr sz="2200" dirty="0">
+              <a:solidFill>
+                <a:srgbClr val="FFFFFF"/>
+              </a:solidFill>
+            </a:endParaRPr>
+          </a:p>
+          <a:p>
+            <a:pPr marL="0" marR="0" lvl="0" indent="0" algn="l" rtl="0">
+              <a:lnSpc>
+                <a:spcPct val="100000"/>
+              </a:lnSpc>
+              <a:spcBef>
+                <a:spcPts val="0"/>
+              </a:spcBef>
+              <a:spcAft>
+                <a:spcPts val="0"/>
+              </a:spcAft>
+              <a:buNone/>
+            </a:pPr>
+            <a:endParaRPr sz="2400" dirty="0">
+              <a:solidFill>
+                <a:srgbClr val="FFFFFF"/>
+              </a:solidFill>
+            </a:endParaRPr>
+          </a:p>
+          <a:p>
+            <a:pPr marL="0" lvl="0" indent="0" rtl="0">
+              <a:spcBef>
+                <a:spcPts val="0"/>
+              </a:spcBef>
+              <a:spcAft>
+                <a:spcPts val="0"/>
+              </a:spcAft>
+              <a:buNone/>
+            </a:pPr>
+            <a:endParaRPr sz="2400" dirty="0">
+              <a:solidFill>
+                <a:srgbClr val="FFFFFF"/>
+              </a:solidFill>
+            </a:endParaRPr>
+          </a:p>
+        </p:txBody>
+      </p:sp>
+    </p:spTree>
+    <p:extLst>
+      <p:ext uri="{BB962C8B-B14F-4D97-AF65-F5344CB8AC3E}">
+        <p14:creationId xmlns:p14="http://schemas.microsoft.com/office/powerpoint/2010/main" val="2159364699"/>
+      </p:ext>
+    </p:extLst>
+  </p:cSld>
+  <p:clrMapOvr>
+    <a:masterClrMapping/>
+  </p:clrMapOvr>
+  <p:timing>
+    <p:tnLst>
+      <p:par>
+        <p:cTn id="1" dur="indefinite" restart="never" nodeType="tmRoot">
+          <p:childTnLst>
+            <p:seq concurrent="1" nextAc="seek">
+              <p:cTn id="2" dur="indefinite" nodeType="mainSeq">
+                <p:childTnLst>
+                  <p:par>
+                    <p:cTn id="3" fill="hold">
+                      <p:stCondLst>
+                        <p:cond delay="indefinite"/>
+                      </p:stCondLst>
+                      <p:childTnLst>
+                        <p:par>
+                          <p:cTn id="4" fill="hold">
+                            <p:stCondLst>
+                              <p:cond delay="0"/>
+                            </p:stCondLst>
+                            <p:childTnLst>
+                              <p:par>
+                                <p:cTn id="5" presetID="10" presetClass="entr" presetSubtype="0" fill="hold" nodeType="clickEffect">
+                                  <p:stCondLst>
+                                    <p:cond delay="0"/>
+                                  </p:stCondLst>
+                                  <p:childTnLst>
+                                    <p:set>
+                                      <p:cBhvr>
+                                        <p:cTn id="6" dur="1" fill="hold">
+                                          <p:stCondLst>
+                                            <p:cond delay="0"/>
+                                          </p:stCondLst>
+                                        </p:cTn>
+                                        <p:tgtEl>
+                                          <p:spTgt spid="62">
+                                            <p:txEl>
+                                              <p:pRg st="0" end="0"/>
+                                            </p:txEl>
+                                          </p:spTgt>
+                                        </p:tgtEl>
+                                        <p:attrNameLst>
+                                          <p:attrName>style.visibility</p:attrName>
+                                        </p:attrNameLst>
+                                      </p:cBhvr>
+                                      <p:to>
+                                        <p:strVal val="visible"/>
+                                      </p:to>
+                                    </p:set>
+                                    <p:animEffect transition="in" filter="fade">
+                                      <p:cBhvr>
+                                        <p:cTn id="7" dur="1000"/>
+                                        <p:tgtEl>
+                                          <p:spTgt spid="62">
+                                            <p:txEl>
+                                              <p:pRg st="0" end="0"/>
+                                            </p:txEl>
+                                          </p:spTgt>
+                                        </p:tgtEl>
+                                      </p:cBhvr>
+                                    </p:animEffect>
+                                  </p:childTnLst>
+                                </p:cTn>
+                              </p:par>
+                            </p:childTnLst>
+                          </p:cTn>
+                        </p:par>
+                      </p:childTnLst>
+                    </p:cTn>
+                  </p:par>
+                  <p:par>
+                    <p:cTn id="8" fill="hold">
+                      <p:stCondLst>
+                        <p:cond delay="indefinite"/>
+                      </p:stCondLst>
+                      <p:childTnLst>
+                        <p:par>
+                          <p:cTn id="9" fill="hold">
+                            <p:stCondLst>
+                              <p:cond delay="0"/>
+                            </p:stCondLst>
+                            <p:childTnLst>
+                              <p:par>
+                                <p:cTn id="10" presetID="10" presetClass="entr" presetSubtype="0" fill="hold" nodeType="clickEffect">
+                                  <p:stCondLst>
+                                    <p:cond delay="0"/>
+                                  </p:stCondLst>
+                                  <p:childTnLst>
+                                    <p:set>
+                                      <p:cBhvr>
+                                        <p:cTn id="11" dur="1" fill="hold">
+                                          <p:stCondLst>
+                                            <p:cond delay="0"/>
+                                          </p:stCondLst>
+                                        </p:cTn>
+                                        <p:tgtEl>
+                                          <p:spTgt spid="62">
+                                            <p:txEl>
+                                              <p:pRg st="1" end="1"/>
+                                            </p:txEl>
+                                          </p:spTgt>
+                                        </p:tgtEl>
+                                        <p:attrNameLst>
+                                          <p:attrName>style.visibility</p:attrName>
+                                        </p:attrNameLst>
+                                      </p:cBhvr>
+                                      <p:to>
+                                        <p:strVal val="visible"/>
+                                      </p:to>
+                                    </p:set>
+                                    <p:animEffect transition="in" filter="fade">
+                                      <p:cBhvr>
+                                        <p:cTn id="12" dur="1000"/>
+                                        <p:tgtEl>
+                                          <p:spTgt spid="62">
+                                            <p:txEl>
+                                              <p:pRg st="1" end="1"/>
+                                            </p:txEl>
+                                          </p:spTgt>
+                                        </p:tgtEl>
+                                      </p:cBhvr>
+                                    </p:animEffect>
+                                  </p:childTnLst>
+                                </p:cTn>
+                              </p:par>
+                            </p:childTnLst>
+                          </p:cTn>
+                        </p:par>
+                      </p:childTnLst>
+                    </p:cTn>
+                  </p:par>
+                  <p:par>
+                    <p:cTn id="13" fill="hold">
+                      <p:stCondLst>
+                        <p:cond delay="indefinite"/>
+                      </p:stCondLst>
+                      <p:childTnLst>
+                        <p:par>
+                          <p:cTn id="14" fill="hold">
+                            <p:stCondLst>
+                              <p:cond delay="0"/>
+                            </p:stCondLst>
+                            <p:childTnLst>
+                              <p:par>
+                                <p:cTn id="15" presetID="10" presetClass="entr" presetSubtype="0" fill="hold" nodeType="clickEffect">
+                                  <p:stCondLst>
+                                    <p:cond delay="0"/>
+                                  </p:stCondLst>
+                                  <p:childTnLst>
+                                    <p:set>
+                                      <p:cBhvr>
+                                        <p:cTn id="16" dur="1" fill="hold">
+                                          <p:stCondLst>
+                                            <p:cond delay="0"/>
+                                          </p:stCondLst>
+                                        </p:cTn>
+                                        <p:tgtEl>
+                                          <p:spTgt spid="62">
+                                            <p:txEl>
+                                              <p:pRg st="2" end="2"/>
+                                            </p:txEl>
+                                          </p:spTgt>
+                                        </p:tgtEl>
+                                        <p:attrNameLst>
+                                          <p:attrName>style.visibility</p:attrName>
+                                        </p:attrNameLst>
+                                      </p:cBhvr>
+                                      <p:to>
+                                        <p:strVal val="visible"/>
+                                      </p:to>
+                                    </p:set>
+                                    <p:animEffect transition="in" filter="fade">
+                                      <p:cBhvr>
+                                        <p:cTn id="17" dur="1000"/>
+                                        <p:tgtEl>
+                                          <p:spTgt spid="62">
+                                            <p:txEl>
+                                              <p:pRg st="2" end="2"/>
+                                            </p:txEl>
+                                          </p:spTgt>
+                                        </p:tgtEl>
+                                      </p:cBhvr>
+                                    </p:animEffect>
+                                  </p:childTnLst>
+                                </p:cTn>
+                              </p:par>
+                            </p:childTnLst>
+                          </p:cTn>
+                        </p:par>
+                      </p:childTnLst>
+                    </p:cTn>
+                  </p:par>
+                  <p:par>
+                    <p:cTn id="18" fill="hold">
+                      <p:stCondLst>
+                        <p:cond delay="indefinite"/>
+                      </p:stCondLst>
+                      <p:childTnLst>
+                        <p:par>
+                          <p:cTn id="19" fill="hold">
+                            <p:stCondLst>
+                              <p:cond delay="0"/>
+                            </p:stCondLst>
+                            <p:childTnLst>
+                              <p:par>
+                                <p:cTn id="20" presetID="10" presetClass="entr" presetSubtype="0" fill="hold" nodeType="clickEffect">
+                                  <p:stCondLst>
+                                    <p:cond delay="0"/>
+                                  </p:stCondLst>
+                                  <p:childTnLst>
+                                    <p:set>
+                                      <p:cBhvr>
+                                        <p:cTn id="21" dur="1" fill="hold">
+                                          <p:stCondLst>
+                                            <p:cond delay="0"/>
+                                          </p:stCondLst>
+                                        </p:cTn>
+                                        <p:tgtEl>
+                                          <p:spTgt spid="62">
+                                            <p:txEl>
+                                              <p:pRg st="3" end="3"/>
+                                            </p:txEl>
+                                          </p:spTgt>
+                                        </p:tgtEl>
+                                        <p:attrNameLst>
+                                          <p:attrName>style.visibility</p:attrName>
+                                        </p:attrNameLst>
+                                      </p:cBhvr>
+                                      <p:to>
+                                        <p:strVal val="visible"/>
+                                      </p:to>
+                                    </p:set>
+                                    <p:animEffect transition="in" filter="fade">
+                                      <p:cBhvr>
+                                        <p:cTn id="22" dur="1000"/>
+                                        <p:tgtEl>
+                                          <p:spTgt spid="62">
+                                            <p:txEl>
+                                              <p:pRg st="3" end="3"/>
+                                            </p:txEl>
+                                          </p:spTgt>
+                                        </p:tgtEl>
+                                      </p:cBhvr>
+                                    </p:animEffect>
+                                  </p:childTnLst>
+                                </p:cTn>
+                              </p:par>
+                            </p:childTnLst>
+                          </p:cTn>
+                        </p:par>
+                      </p:childTnLst>
+                    </p:cTn>
+                  </p:par>
+                  <p:par>
+                    <p:cTn id="23" fill="hold">
+                      <p:stCondLst>
+                        <p:cond delay="indefinite"/>
+                      </p:stCondLst>
+                      <p:childTnLst>
+                        <p:par>
+                          <p:cTn id="24" fill="hold">
+                            <p:stCondLst>
+                              <p:cond delay="0"/>
+                            </p:stCondLst>
+                            <p:childTnLst>
+                              <p:par>
+                                <p:cTn id="25" presetID="10" presetClass="entr" presetSubtype="0" fill="hold" nodeType="clickEffect">
+                                  <p:stCondLst>
+                                    <p:cond delay="0"/>
+                                  </p:stCondLst>
+                                  <p:childTnLst>
+                                    <p:set>
+                                      <p:cBhvr>
+                                        <p:cTn id="26" dur="1" fill="hold">
+                                          <p:stCondLst>
+                                            <p:cond delay="0"/>
+                                          </p:stCondLst>
+                                        </p:cTn>
+                                        <p:tgtEl>
+                                          <p:spTgt spid="62">
+                                            <p:txEl>
+                                              <p:pRg st="4" end="4"/>
+                                            </p:txEl>
+                                          </p:spTgt>
+                                        </p:tgtEl>
+                                        <p:attrNameLst>
+                                          <p:attrName>style.visibility</p:attrName>
+                                        </p:attrNameLst>
+                                      </p:cBhvr>
+                                      <p:to>
+                                        <p:strVal val="visible"/>
+                                      </p:to>
+                                    </p:set>
+                                    <p:animEffect transition="in" filter="fade">
+                                      <p:cBhvr>
+                                        <p:cTn id="27" dur="1000"/>
+                                        <p:tgtEl>
+                                          <p:spTgt spid="62">
+                                            <p:txEl>
+                                              <p:pRg st="4" end="4"/>
+                                            </p:txEl>
+                                          </p:spTgt>
+                                        </p:tgtEl>
+                                      </p:cBhvr>
+                                    </p:animEffect>
+                                  </p:childTnLst>
+                                </p:cTn>
+                              </p:par>
+                            </p:childTnLst>
+                          </p:cTn>
+                        </p:par>
+                      </p:childTnLst>
+                    </p:cTn>
+                  </p:par>
+                </p:childTnLst>
+              </p:cTn>
+              <p:prevCondLst>
+                <p:cond evt="onPrev" delay="0">
+                  <p:tgtEl>
+                    <p:sldTgt/>
+                  </p:tgtEl>
+                </p:cond>
+              </p:prevCondLst>
+              <p:nextCondLst>
+                <p:cond evt="onNext" delay="0">
+                  <p:tgtEl>
+                    <p:sldTgt/>
+                  </p:tgtEl>
+                </p:cond>
+              </p:nextCondLst>
+            </p:seq>
+          </p:childTnLst>
+        </p:cTn>
+      </p:par>
+    </p:tnLst>
+  </p:timing>
+</p:sld>
+</file>
+
+<file path=ppt/slides/slide3.xml><?xml version="1.0" encoding="utf-8"?>
+<p:sld xmlns:a="http://schemas.openxmlformats.org/drawingml/2006/main" xmlns:r="http://schemas.openxmlformats.org/officeDocument/2006/relationships" xmlns:p="http://schemas.openxmlformats.org/presentationml/2006/main">
+  <p:cSld>
+    <p:spTree>
+      <p:nvGrpSpPr>
+        <p:cNvPr id="1" name="Shape 60"/>
+        <p:cNvGrpSpPr/>
+        <p:nvPr/>
+      </p:nvGrpSpPr>
+      <p:grpSpPr>
+        <a:xfrm>
+          <a:off x="0" y="0"/>
+          <a:ext cx="0" cy="0"/>
+          <a:chOff x="0" y="0"/>
+          <a:chExt cx="0" cy="0"/>
+        </a:xfrm>
+      </p:grpSpPr>
+      <p:sp>
+        <p:nvSpPr>
+          <p:cNvPr id="61" name="Shape 61"/>
+          <p:cNvSpPr txBox="1">
+            <a:spLocks noGrp="1"/>
+          </p:cNvSpPr>
+          <p:nvPr>
+            <p:ph type="title"/>
+          </p:nvPr>
+        </p:nvSpPr>
+        <p:spPr>
+          <a:xfrm>
+            <a:off x="62275" y="-124550"/>
+            <a:ext cx="8769900" cy="524700"/>
+          </a:xfrm>
+          <a:prstGeom prst="rect">
+            <a:avLst/>
+          </a:prstGeom>
+        </p:spPr>
+        <p:txBody>
+          <a:bodyPr spcFirstLastPara="1" wrap="square" lIns="91425" tIns="91425" rIns="91425" bIns="91425" anchor="t" anchorCtr="0">
+            <a:noAutofit/>
+          </a:bodyPr>
+          <a:lstStyle/>
+          <a:p>
+            <a:pPr marL="0" lvl="0" indent="0" rtl="0">
+              <a:spcBef>
+                <a:spcPts val="0"/>
+              </a:spcBef>
+              <a:spcAft>
+                <a:spcPts val="0"/>
+              </a:spcAft>
+              <a:buNone/>
+            </a:pPr>
+            <a:r>
+              <a:rPr lang="en-US" sz="4000" dirty="0"/>
+              <a:t>Reminders</a:t>
+            </a:r>
+            <a:endParaRPr sz="4000" dirty="0"/>
+          </a:p>
+        </p:txBody>
+      </p:sp>
+      <p:sp>
+        <p:nvSpPr>
+          <p:cNvPr id="62" name="Shape 62"/>
+          <p:cNvSpPr txBox="1"/>
+          <p:nvPr/>
+        </p:nvSpPr>
+        <p:spPr>
+          <a:xfrm>
+            <a:off x="418050" y="668858"/>
+            <a:ext cx="8619300" cy="4349700"/>
+          </a:xfrm>
+          <a:prstGeom prst="rect">
+            <a:avLst/>
+          </a:prstGeom>
+          <a:noFill/>
+          <a:ln>
+            <a:noFill/>
+          </a:ln>
+        </p:spPr>
+        <p:txBody>
+          <a:bodyPr spcFirstLastPara="1" wrap="square" lIns="91425" tIns="91425" rIns="91425" bIns="91425" anchor="t" anchorCtr="0">
+            <a:noAutofit/>
+          </a:bodyPr>
+          <a:lstStyle/>
+          <a:p>
+            <a:pPr marL="457200" marR="0" lvl="0" indent="-381000" algn="l" rtl="0">
+              <a:lnSpc>
+                <a:spcPct val="115000"/>
+              </a:lnSpc>
+              <a:spcBef>
+                <a:spcPts val="0"/>
+              </a:spcBef>
+              <a:spcAft>
+                <a:spcPts val="0"/>
+              </a:spcAft>
+              <a:buClr>
+                <a:srgbClr val="FFFFFF"/>
+              </a:buClr>
+              <a:buSzPts val="2400"/>
+              <a:buFont typeface="Arial"/>
+              <a:buChar char="●"/>
+            </a:pPr>
+            <a:r>
+              <a:rPr lang="en-US" sz="2400" dirty="0">
+                <a:solidFill>
+                  <a:srgbClr val="FFFFFF"/>
+                </a:solidFill>
+              </a:rPr>
+              <a:t>User Signup is due 4/10 </a:t>
+            </a:r>
+          </a:p>
+          <a:p>
+            <a:pPr marL="76200" marR="0" lvl="0" algn="l" rtl="0">
+              <a:lnSpc>
+                <a:spcPct val="115000"/>
+              </a:lnSpc>
+              <a:spcBef>
+                <a:spcPts val="0"/>
+              </a:spcBef>
+              <a:spcAft>
+                <a:spcPts val="0"/>
+              </a:spcAft>
+              <a:buClr>
+                <a:srgbClr val="FFFFFF"/>
+              </a:buClr>
+              <a:buSzPts val="2400"/>
+            </a:pPr>
+            <a:endParaRPr lang="en-US" sz="900" dirty="0">
+              <a:solidFill>
+                <a:srgbClr val="FFFFFF"/>
+              </a:solidFill>
+            </a:endParaRPr>
+          </a:p>
+          <a:p>
+            <a:pPr marL="457200" marR="0" lvl="0" indent="-381000" algn="l" rtl="0">
+              <a:lnSpc>
+                <a:spcPct val="115000"/>
+              </a:lnSpc>
+              <a:spcBef>
+                <a:spcPts val="0"/>
+              </a:spcBef>
+              <a:spcAft>
+                <a:spcPts val="0"/>
+              </a:spcAft>
+              <a:buClr>
+                <a:srgbClr val="FFFFFF"/>
+              </a:buClr>
+              <a:buSzPts val="2400"/>
+              <a:buFont typeface="Arial"/>
+              <a:buChar char="●"/>
+            </a:pPr>
+            <a:r>
+              <a:rPr lang="en-US" sz="2400" dirty="0">
+                <a:solidFill>
+                  <a:srgbClr val="FFFFFF"/>
+                </a:solidFill>
+              </a:rPr>
+              <a:t>Also, catch up ASAP on missing assignments</a:t>
+            </a:r>
+            <a:endParaRPr lang="en-US" sz="900" dirty="0">
+              <a:solidFill>
+                <a:srgbClr val="FFFFFF"/>
+              </a:solidFill>
+            </a:endParaRPr>
+          </a:p>
+          <a:p>
+            <a:pPr marL="76200" marR="0" lvl="0" algn="l" rtl="0">
+              <a:lnSpc>
+                <a:spcPct val="115000"/>
+              </a:lnSpc>
+              <a:spcBef>
+                <a:spcPts val="0"/>
+              </a:spcBef>
+              <a:spcAft>
+                <a:spcPts val="0"/>
+              </a:spcAft>
+              <a:buClr>
+                <a:srgbClr val="FFFFFF"/>
+              </a:buClr>
+              <a:buSzPts val="2400"/>
+            </a:pPr>
+            <a:endParaRPr lang="en-US" sz="900" dirty="0">
+              <a:solidFill>
+                <a:srgbClr val="FFFFFF"/>
+              </a:solidFill>
+            </a:endParaRPr>
+          </a:p>
+          <a:p>
+            <a:pPr marL="457200" marR="0" lvl="0" indent="-381000" algn="l" rtl="0">
+              <a:lnSpc>
+                <a:spcPct val="115000"/>
+              </a:lnSpc>
+              <a:spcBef>
+                <a:spcPts val="0"/>
+              </a:spcBef>
+              <a:spcAft>
+                <a:spcPts val="0"/>
+              </a:spcAft>
+              <a:buClr>
+                <a:srgbClr val="FFFFFF"/>
+              </a:buClr>
+              <a:buSzPts val="2400"/>
+              <a:buFont typeface="Arial"/>
+              <a:buChar char="●"/>
+            </a:pPr>
+            <a:r>
+              <a:rPr lang="en-US" sz="2400" dirty="0">
+                <a:solidFill>
+                  <a:srgbClr val="FFFFFF"/>
+                </a:solidFill>
+              </a:rPr>
+              <a:t>Baseball (and Hockey?) (4/10 and 4/24)</a:t>
+            </a:r>
+          </a:p>
+          <a:p>
+            <a:pPr marL="0" lvl="0" indent="0" rtl="0">
+              <a:lnSpc>
+                <a:spcPct val="115000"/>
+              </a:lnSpc>
+              <a:spcBef>
+                <a:spcPts val="0"/>
+              </a:spcBef>
+              <a:spcAft>
+                <a:spcPts val="0"/>
+              </a:spcAft>
+              <a:buNone/>
+            </a:pPr>
+            <a:endParaRPr sz="2200" dirty="0">
+              <a:solidFill>
+                <a:srgbClr val="FFFFFF"/>
+              </a:solidFill>
+            </a:endParaRPr>
+          </a:p>
+          <a:p>
+            <a:pPr marL="0" lvl="0" indent="0" rtl="0">
+              <a:lnSpc>
+                <a:spcPct val="115000"/>
+              </a:lnSpc>
+              <a:spcBef>
+                <a:spcPts val="0"/>
+              </a:spcBef>
+              <a:spcAft>
+                <a:spcPts val="0"/>
+              </a:spcAft>
+              <a:buNone/>
+            </a:pPr>
+            <a:endParaRPr sz="2200" dirty="0">
+              <a:solidFill>
+                <a:srgbClr val="FFFFFF"/>
+              </a:solidFill>
+            </a:endParaRPr>
+          </a:p>
+          <a:p>
+            <a:pPr marL="0" marR="0" lvl="0" indent="0" algn="l" rtl="0">
+              <a:lnSpc>
+                <a:spcPct val="100000"/>
+              </a:lnSpc>
+              <a:spcBef>
+                <a:spcPts val="0"/>
+              </a:spcBef>
+              <a:spcAft>
+                <a:spcPts val="0"/>
+              </a:spcAft>
+              <a:buNone/>
+            </a:pPr>
+            <a:endParaRPr sz="2400" dirty="0">
+              <a:solidFill>
+                <a:srgbClr val="FFFFFF"/>
+              </a:solidFill>
+            </a:endParaRPr>
+          </a:p>
+          <a:p>
+            <a:pPr marL="0" lvl="0" indent="0" rtl="0">
+              <a:spcBef>
+                <a:spcPts val="0"/>
+              </a:spcBef>
+              <a:spcAft>
+                <a:spcPts val="0"/>
+              </a:spcAft>
+              <a:buNone/>
+            </a:pPr>
+            <a:endParaRPr sz="2400" dirty="0">
+              <a:solidFill>
+                <a:srgbClr val="FFFFFF"/>
+              </a:solidFill>
+            </a:endParaRPr>
+          </a:p>
+        </p:txBody>
+      </p:sp>
+    </p:spTree>
+    <p:extLst>
+      <p:ext uri="{BB962C8B-B14F-4D97-AF65-F5344CB8AC3E}">
+        <p14:creationId xmlns:p14="http://schemas.microsoft.com/office/powerpoint/2010/main" val="3377696005"/>
+      </p:ext>
+    </p:extLst>
+  </p:cSld>
+  <p:clrMapOvr>
+    <a:masterClrMapping/>
+  </p:clrMapOvr>
+  <p:timing>
+    <p:tnLst>
+      <p:par>
+        <p:cTn id="1" dur="indefinite" restart="never" nodeType="tmRoot">
+          <p:childTnLst>
+            <p:seq concurrent="1" nextAc="seek">
+              <p:cTn id="2" dur="indefinite" nodeType="mainSeq">
+                <p:childTnLst>
+                  <p:par>
+                    <p:cTn id="3" fill="hold">
+                      <p:stCondLst>
+                        <p:cond delay="indefinite"/>
+                      </p:stCondLst>
+                      <p:childTnLst>
+                        <p:par>
+                          <p:cTn id="4" fill="hold">
+                            <p:stCondLst>
+                              <p:cond delay="0"/>
+                            </p:stCondLst>
+                            <p:childTnLst>
+                              <p:par>
+                                <p:cTn id="5" presetID="10" presetClass="entr" presetSubtype="0" fill="hold" nodeType="clickEffect">
+                                  <p:stCondLst>
+                                    <p:cond delay="0"/>
+                                  </p:stCondLst>
+                                  <p:childTnLst>
+                                    <p:set>
+                                      <p:cBhvr>
+                                        <p:cTn id="6" dur="1" fill="hold">
+                                          <p:stCondLst>
+                                            <p:cond delay="0"/>
+                                          </p:stCondLst>
+                                        </p:cTn>
+                                        <p:tgtEl>
+                                          <p:spTgt spid="62">
+                                            <p:txEl>
+                                              <p:pRg st="0" end="0"/>
+                                            </p:txEl>
+                                          </p:spTgt>
+                                        </p:tgtEl>
+                                        <p:attrNameLst>
+                                          <p:attrName>style.visibility</p:attrName>
+                                        </p:attrNameLst>
+                                      </p:cBhvr>
+                                      <p:to>
+                                        <p:strVal val="visible"/>
+                                      </p:to>
+                                    </p:set>
+                                    <p:animEffect transition="in" filter="fade">
+                                      <p:cBhvr>
+                                        <p:cTn id="7" dur="1000"/>
+                                        <p:tgtEl>
+                                          <p:spTgt spid="62">
+                                            <p:txEl>
+                                              <p:pRg st="0" end="0"/>
+                                            </p:txEl>
+                                          </p:spTgt>
+                                        </p:tgtEl>
+                                      </p:cBhvr>
+                                    </p:animEffect>
+                                  </p:childTnLst>
+                                </p:cTn>
+                              </p:par>
+                            </p:childTnLst>
+                          </p:cTn>
+                        </p:par>
+                      </p:childTnLst>
+                    </p:cTn>
+                  </p:par>
+                  <p:par>
+                    <p:cTn id="8" fill="hold">
+                      <p:stCondLst>
+                        <p:cond delay="indefinite"/>
+                      </p:stCondLst>
+                      <p:childTnLst>
+                        <p:par>
+                          <p:cTn id="9" fill="hold">
+                            <p:stCondLst>
+                              <p:cond delay="0"/>
+                            </p:stCondLst>
+                            <p:childTnLst>
+                              <p:par>
+                                <p:cTn id="10" presetID="10" presetClass="entr" presetSubtype="0" fill="hold" nodeType="clickEffect">
+                                  <p:stCondLst>
+                                    <p:cond delay="0"/>
+                                  </p:stCondLst>
+                                  <p:childTnLst>
+                                    <p:set>
+                                      <p:cBhvr>
+                                        <p:cTn id="11" dur="1" fill="hold">
+                                          <p:stCondLst>
+                                            <p:cond delay="0"/>
+                                          </p:stCondLst>
+                                        </p:cTn>
+                                        <p:tgtEl>
+                                          <p:spTgt spid="62">
+                                            <p:txEl>
+                                              <p:pRg st="2" end="2"/>
+                                            </p:txEl>
+                                          </p:spTgt>
+                                        </p:tgtEl>
+                                        <p:attrNameLst>
+                                          <p:attrName>style.visibility</p:attrName>
+                                        </p:attrNameLst>
+                                      </p:cBhvr>
+                                      <p:to>
+                                        <p:strVal val="visible"/>
+                                      </p:to>
+                                    </p:set>
+                                    <p:animEffect transition="in" filter="fade">
+                                      <p:cBhvr>
+                                        <p:cTn id="12" dur="1000"/>
+                                        <p:tgtEl>
+                                          <p:spTgt spid="62">
+                                            <p:txEl>
+                                              <p:pRg st="2" end="2"/>
+                                            </p:txEl>
+                                          </p:spTgt>
+                                        </p:tgtEl>
+                                      </p:cBhvr>
+                                    </p:animEffect>
+                                  </p:childTnLst>
+                                </p:cTn>
+                              </p:par>
+                            </p:childTnLst>
+                          </p:cTn>
+                        </p:par>
+                      </p:childTnLst>
+                    </p:cTn>
+                  </p:par>
+                  <p:par>
+                    <p:cTn id="13" fill="hold">
+                      <p:stCondLst>
+                        <p:cond delay="indefinite"/>
+                      </p:stCondLst>
+                      <p:childTnLst>
+                        <p:par>
+                          <p:cTn id="14" fill="hold">
+                            <p:stCondLst>
+                              <p:cond delay="0"/>
+                            </p:stCondLst>
+                            <p:childTnLst>
+                              <p:par>
+                                <p:cTn id="15" presetID="10" presetClass="entr" presetSubtype="0" fill="hold" nodeType="clickEffect">
+                                  <p:stCondLst>
+                                    <p:cond delay="0"/>
+                                  </p:stCondLst>
+                                  <p:childTnLst>
+                                    <p:set>
+                                      <p:cBhvr>
+                                        <p:cTn id="16" dur="1" fill="hold">
+                                          <p:stCondLst>
+                                            <p:cond delay="0"/>
+                                          </p:stCondLst>
+                                        </p:cTn>
+                                        <p:tgtEl>
+                                          <p:spTgt spid="62">
+                                            <p:txEl>
+                                              <p:pRg st="4" end="4"/>
+                                            </p:txEl>
+                                          </p:spTgt>
+                                        </p:tgtEl>
+                                        <p:attrNameLst>
+                                          <p:attrName>style.visibility</p:attrName>
+                                        </p:attrNameLst>
+                                      </p:cBhvr>
+                                      <p:to>
+                                        <p:strVal val="visible"/>
+                                      </p:to>
+                                    </p:set>
+                                    <p:animEffect transition="in" filter="fade">
+                                      <p:cBhvr>
+                                        <p:cTn id="17" dur="1000"/>
+                                        <p:tgtEl>
+                                          <p:spTgt spid="62">
+                                            <p:txEl>
+                                              <p:pRg st="4" end="4"/>
+                                            </p:txEl>
+                                          </p:spTgt>
+                                        </p:tgtEl>
+                                      </p:cBhvr>
+                                    </p:animEffect>
+                                  </p:childTnLst>
+                                </p:cTn>
+                              </p:par>
+                            </p:childTnLst>
+                          </p:cTn>
+                        </p:par>
+                      </p:childTnLst>
+                    </p:cTn>
+                  </p:par>
+                </p:childTnLst>
+              </p:cTn>
+              <p:prevCondLst>
+                <p:cond evt="onPrev" delay="0">
+                  <p:tgtEl>
+                    <p:sldTgt/>
+                  </p:tgtEl>
+                </p:cond>
+              </p:prevCondLst>
+              <p:nextCondLst>
+                <p:cond evt="onNext" delay="0">
+                  <p:tgtEl>
+                    <p:sldTgt/>
+                  </p:tgtEl>
+                </p:cond>
+              </p:nextCondLst>
+            </p:seq>
+          </p:childTnLst>
+        </p:cTn>
+      </p:par>
+    </p:tnLst>
+  </p:timing>
+</p:sld>
+</file>
+
+<file path=ppt/slides/slide4.xml><?xml version="1.0" encoding="utf-8"?>
+<p:sld xmlns:a="http://schemas.openxmlformats.org/drawingml/2006/main" xmlns:r="http://schemas.openxmlformats.org/officeDocument/2006/relationships" xmlns:p="http://schemas.openxmlformats.org/presentationml/2006/main">
+  <p:cSld>
+    <p:spTree>
+      <p:nvGrpSpPr>
+        <p:cNvPr id="1" name=""/>
+        <p:cNvGrpSpPr/>
+        <p:nvPr/>
+      </p:nvGrpSpPr>
+      <p:grpSpPr>
+        <a:xfrm>
+          <a:off x="0" y="0"/>
+          <a:ext cx="0" cy="0"/>
+          <a:chOff x="0" y="0"/>
+          <a:chExt cx="0" cy="0"/>
+        </a:xfrm>
+      </p:grpSpPr>
+      <p:sp>
+        <p:nvSpPr>
+          <p:cNvPr id="2" name="Title 1">
+            <a:extLst>
+              <a:ext uri="{FF2B5EF4-FFF2-40B4-BE49-F238E27FC236}">
+                <a16:creationId xmlns:a16="http://schemas.microsoft.com/office/drawing/2014/main" id="{C51B2B44-E135-446B-8B96-DA63B6936F88}"/>
+              </a:ext>
+            </a:extLst>
+          </p:cNvPr>
+          <p:cNvSpPr>
+            <a:spLocks noGrp="1"/>
+          </p:cNvSpPr>
+          <p:nvPr>
+            <p:ph type="title"/>
+          </p:nvPr>
+        </p:nvSpPr>
+        <p:spPr/>
+        <p:txBody>
+          <a:bodyPr/>
+          <a:lstStyle/>
+          <a:p>
+            <a:r>
+              <a:rPr lang="en-US" dirty="0" err="1"/>
+              <a:t>Flicklist</a:t>
+            </a:r>
+            <a:r>
+              <a:rPr lang="en-US" dirty="0"/>
+              <a:t> 5 Solution (last class)</a:t>
+            </a:r>
+          </a:p>
+        </p:txBody>
+      </p:sp>
+    </p:spTree>
+    <p:extLst>
+      <p:ext uri="{BB962C8B-B14F-4D97-AF65-F5344CB8AC3E}">
+        <p14:creationId xmlns:p14="http://schemas.microsoft.com/office/powerpoint/2010/main" val="182366447"/>
+      </p:ext>
+    </p:extLst>
+  </p:cSld>
+  <p:clrMapOvr>
+    <a:masterClrMapping/>
+  </p:clrMapOvr>
+</p:sld>
+</file>
+
+<file path=ppt/slides/slide5.xml><?xml version="1.0" encoding="utf-8"?>
+<p:sld xmlns:a="http://schemas.openxmlformats.org/drawingml/2006/main" xmlns:r="http://schemas.openxmlformats.org/officeDocument/2006/relationships" xmlns:p="http://schemas.openxmlformats.org/presentationml/2006/main">
+  <p:cSld>
+    <p:spTree>
+      <p:nvGrpSpPr>
+        <p:cNvPr id="1" name="Shape 53"/>
         <p:cNvGrpSpPr/>
         <p:nvPr/>
       </p:nvGrpSpPr>
@@ -6245,7 +7402,9 @@
       <p:sp>
         <p:nvSpPr>
           <p:cNvPr id="54" name="Shape 54"/>
-          <p:cNvSpPr txBox="1"/>
+          <p:cNvSpPr txBox="1">
+            <a:spLocks noGrp="1"/>
+          </p:cNvSpPr>
           <p:nvPr>
             <p:ph type="ctrTitle"/>
           </p:nvPr>
@@ -6260,12 +7419,12 @@
           </a:prstGeom>
         </p:spPr>
         <p:txBody>
-          <a:bodyPr anchorCtr="0" anchor="b" bIns="91425" lIns="91425" spcFirstLastPara="1" rIns="91425" wrap="square" tIns="91425">
+          <a:bodyPr spcFirstLastPara="1" wrap="square" lIns="91425" tIns="91425" rIns="91425" bIns="91425" anchor="b" anchorCtr="0">
             <a:noAutofit/>
           </a:bodyPr>
           <a:lstStyle/>
           <a:p>
-            <a:pPr indent="0" lvl="0" marL="0">
+            <a:pPr marL="0" lvl="0" indent="0">
               <a:spcBef>
                 <a:spcPts val="0"/>
               </a:spcBef>
@@ -6285,9 +7444,11 @@
       <p:sp>
         <p:nvSpPr>
           <p:cNvPr id="55" name="Shape 55"/>
-          <p:cNvSpPr txBox="1"/>
+          <p:cNvSpPr txBox="1">
+            <a:spLocks noGrp="1"/>
+          </p:cNvSpPr>
           <p:nvPr>
-            <p:ph idx="1" type="subTitle"/>
+            <p:ph type="subTitle" idx="1"/>
           </p:nvPr>
         </p:nvSpPr>
         <p:spPr>
@@ -6300,12 +7461,12 @@
           </a:prstGeom>
         </p:spPr>
         <p:txBody>
-          <a:bodyPr anchorCtr="0" anchor="t" bIns="91425" lIns="91425" spcFirstLastPara="1" rIns="91425" wrap="square" tIns="91425">
+          <a:bodyPr spcFirstLastPara="1" wrap="square" lIns="91425" tIns="91425" rIns="91425" bIns="91425" anchor="t" anchorCtr="0">
             <a:noAutofit/>
           </a:bodyPr>
           <a:lstStyle/>
           <a:p>
-            <a:pPr indent="0" lvl="0" marL="0" rtl="0">
+            <a:pPr marL="0" lvl="0" indent="0" rtl="0">
               <a:spcBef>
                 <a:spcPts val="0"/>
               </a:spcBef>
@@ -6342,12 +7503,12 @@
           </a:ln>
         </p:spPr>
         <p:txBody>
-          <a:bodyPr anchorCtr="0" anchor="t" bIns="91425" lIns="91425" spcFirstLastPara="1" rIns="91425" wrap="square" tIns="91425">
+          <a:bodyPr spcFirstLastPara="1" wrap="square" lIns="91425" tIns="91425" rIns="91425" bIns="91425" anchor="t" anchorCtr="0">
             <a:noAutofit/>
           </a:bodyPr>
           <a:lstStyle/>
           <a:p>
-            <a:pPr indent="0" lvl="0" marL="0">
+            <a:pPr marL="0" lvl="0" indent="0">
               <a:spcBef>
                 <a:spcPts val="0"/>
               </a:spcBef>
@@ -6388,12 +7549,12 @@
 </p:sld>
 </file>
 
-<file path=ppt/slides/slide2.xml><?xml version="1.0" encoding="utf-8"?>
-<p:sld xmlns:a="http://schemas.openxmlformats.org/drawingml/2006/main" xmlns:r="http://schemas.openxmlformats.org/officeDocument/2006/relationships" xmlns:mc="http://schemas.openxmlformats.org/markup-compatibility/2006" xmlns:mv="urn:schemas-microsoft-com:mac:vml" xmlns:p="http://schemas.openxmlformats.org/presentationml/2006/main" xmlns:c="http://schemas.openxmlformats.org/drawingml/2006/chart" xmlns:dgm="http://schemas.openxmlformats.org/drawingml/2006/diagram" xmlns:o="urn:schemas-microsoft-com:office:office" xmlns:v="urn:schemas-microsoft-com:vml" xmlns:pvml="urn:schemas-microsoft-com:office:powerpoint" xmlns:com="http://schemas.openxmlformats.org/drawingml/2006/compatibility" xmlns:p14="http://schemas.microsoft.com/office/powerpoint/2010/main" xmlns:p15="http://schemas.microsoft.com/office/powerpoint/2012/main">
+<file path=ppt/slides/slide6.xml><?xml version="1.0" encoding="utf-8"?>
+<p:sld xmlns:a="http://schemas.openxmlformats.org/drawingml/2006/main" xmlns:r="http://schemas.openxmlformats.org/officeDocument/2006/relationships" xmlns:p="http://schemas.openxmlformats.org/presentationml/2006/main">
   <p:cSld>
     <p:spTree>
       <p:nvGrpSpPr>
-        <p:cNvPr id="60" name="Shape 60"/>
+        <p:cNvPr id="1" name="Shape 72"/>
         <p:cNvGrpSpPr/>
         <p:nvPr/>
       </p:nvGrpSpPr>
@@ -6407,8 +7568,10 @@
       </p:grpSpPr>
       <p:sp>
         <p:nvSpPr>
-          <p:cNvPr id="61" name="Shape 61"/>
-          <p:cNvSpPr txBox="1"/>
+          <p:cNvPr id="73" name="Shape 73"/>
+          <p:cNvSpPr txBox="1">
+            <a:spLocks noGrp="1"/>
+          </p:cNvSpPr>
           <p:nvPr>
             <p:ph type="title"/>
           </p:nvPr>
@@ -6423,859 +7586,12 @@
           </a:prstGeom>
         </p:spPr>
         <p:txBody>
-          <a:bodyPr anchorCtr="0" anchor="t" bIns="91425" lIns="91425" spcFirstLastPara="1" rIns="91425" wrap="square" tIns="91425">
+          <a:bodyPr spcFirstLastPara="1" wrap="square" lIns="91425" tIns="91425" rIns="91425" bIns="91425" anchor="t" anchorCtr="0">
             <a:noAutofit/>
           </a:bodyPr>
           <a:lstStyle/>
           <a:p>
-            <a:pPr indent="0" lvl="0" marL="0" rtl="0">
-              <a:spcBef>
-                <a:spcPts val="0"/>
-              </a:spcBef>
-              <a:spcAft>
-                <a:spcPts val="0"/>
-              </a:spcAft>
-              <a:buNone/>
-            </a:pPr>
-            <a:r>
-              <a:rPr lang="en" sz="4000"/>
-              <a:t>Assignment</a:t>
-            </a:r>
-            <a:endParaRPr sz="4000"/>
-          </a:p>
-        </p:txBody>
-      </p:sp>
-      <p:sp>
-        <p:nvSpPr>
-          <p:cNvPr id="62" name="Shape 62"/>
-          <p:cNvSpPr txBox="1"/>
-          <p:nvPr/>
-        </p:nvSpPr>
-        <p:spPr>
-          <a:xfrm>
-            <a:off x="418050" y="658225"/>
-            <a:ext cx="8619300" cy="4349700"/>
-          </a:xfrm>
-          <a:prstGeom prst="rect">
-            <a:avLst/>
-          </a:prstGeom>
-          <a:noFill/>
-          <a:ln>
-            <a:noFill/>
-          </a:ln>
-        </p:spPr>
-        <p:txBody>
-          <a:bodyPr anchorCtr="0" anchor="t" bIns="91425" lIns="91425" spcFirstLastPara="1" rIns="91425" wrap="square" tIns="91425">
-            <a:noAutofit/>
-          </a:bodyPr>
-          <a:lstStyle/>
-          <a:p>
-            <a:pPr indent="-381000" lvl="0" marL="457200" marR="0" rtl="0" algn="l">
-              <a:lnSpc>
-                <a:spcPct val="115000"/>
-              </a:lnSpc>
-              <a:spcBef>
-                <a:spcPts val="0"/>
-              </a:spcBef>
-              <a:spcAft>
-                <a:spcPts val="0"/>
-              </a:spcAft>
-              <a:buClr>
-                <a:srgbClr val="FFFFFF"/>
-              </a:buClr>
-              <a:buSzPts val="2400"/>
-              <a:buChar char="●"/>
-            </a:pPr>
-            <a:r>
-              <a:rPr lang="en" sz="2400">
-                <a:solidFill>
-                  <a:srgbClr val="FFFFFF"/>
-                </a:solidFill>
-              </a:rPr>
-              <a:t>What is your current assignment?</a:t>
-            </a:r>
-            <a:endParaRPr sz="2400">
-              <a:solidFill>
-                <a:srgbClr val="FFFFFF"/>
-              </a:solidFill>
-            </a:endParaRPr>
-          </a:p>
-          <a:p>
-            <a:pPr indent="-381000" lvl="0" marL="457200" marR="0" rtl="0" algn="l">
-              <a:lnSpc>
-                <a:spcPct val="115000"/>
-              </a:lnSpc>
-              <a:spcBef>
-                <a:spcPts val="0"/>
-              </a:spcBef>
-              <a:spcAft>
-                <a:spcPts val="0"/>
-              </a:spcAft>
-              <a:buClr>
-                <a:srgbClr val="FFFFFF"/>
-              </a:buClr>
-              <a:buSzPts val="2400"/>
-              <a:buChar char="●"/>
-            </a:pPr>
-            <a:r>
-              <a:rPr lang="en" sz="2400">
-                <a:solidFill>
-                  <a:srgbClr val="FFFFFF"/>
-                </a:solidFill>
-              </a:rPr>
-              <a:t>When is it due?</a:t>
-            </a:r>
-            <a:endParaRPr sz="2400">
-              <a:solidFill>
-                <a:srgbClr val="FFFFFF"/>
-              </a:solidFill>
-            </a:endParaRPr>
-          </a:p>
-          <a:p>
-            <a:pPr indent="0" lvl="0" marL="0" rtl="0">
-              <a:lnSpc>
-                <a:spcPct val="115000"/>
-              </a:lnSpc>
-              <a:spcBef>
-                <a:spcPts val="0"/>
-              </a:spcBef>
-              <a:spcAft>
-                <a:spcPts val="0"/>
-              </a:spcAft>
-              <a:buNone/>
-            </a:pPr>
-            <a:r>
-              <a:t/>
-            </a:r>
-            <a:endParaRPr sz="2200">
-              <a:solidFill>
-                <a:srgbClr val="FFFFFF"/>
-              </a:solidFill>
-            </a:endParaRPr>
-          </a:p>
-          <a:p>
-            <a:pPr indent="0" lvl="0" marL="0" rtl="0">
-              <a:lnSpc>
-                <a:spcPct val="115000"/>
-              </a:lnSpc>
-              <a:spcBef>
-                <a:spcPts val="0"/>
-              </a:spcBef>
-              <a:spcAft>
-                <a:spcPts val="0"/>
-              </a:spcAft>
-              <a:buNone/>
-            </a:pPr>
-            <a:r>
-              <a:t/>
-            </a:r>
-            <a:endParaRPr sz="2200">
-              <a:solidFill>
-                <a:srgbClr val="FFFFFF"/>
-              </a:solidFill>
-            </a:endParaRPr>
-          </a:p>
-          <a:p>
-            <a:pPr indent="0" lvl="0" marL="0" marR="0" rtl="0" algn="l">
-              <a:lnSpc>
-                <a:spcPct val="100000"/>
-              </a:lnSpc>
-              <a:spcBef>
-                <a:spcPts val="0"/>
-              </a:spcBef>
-              <a:spcAft>
-                <a:spcPts val="0"/>
-              </a:spcAft>
-              <a:buNone/>
-            </a:pPr>
-            <a:r>
-              <a:t/>
-            </a:r>
-            <a:endParaRPr sz="2400">
-              <a:solidFill>
-                <a:srgbClr val="FFFFFF"/>
-              </a:solidFill>
-            </a:endParaRPr>
-          </a:p>
-          <a:p>
-            <a:pPr indent="0" lvl="0" marL="0" rtl="0">
-              <a:spcBef>
-                <a:spcPts val="0"/>
-              </a:spcBef>
-              <a:spcAft>
-                <a:spcPts val="0"/>
-              </a:spcAft>
-              <a:buNone/>
-            </a:pPr>
-            <a:r>
-              <a:t/>
-            </a:r>
-            <a:endParaRPr sz="2400">
-              <a:solidFill>
-                <a:srgbClr val="FFFFFF"/>
-              </a:solidFill>
-            </a:endParaRPr>
-          </a:p>
-        </p:txBody>
-      </p:sp>
-    </p:spTree>
-  </p:cSld>
-  <p:clrMapOvr>
-    <a:masterClrMapping/>
-  </p:clrMapOvr>
-  <p:timing>
-    <p:tnLst>
-      <p:par>
-        <p:cTn dur="indefinite" nodeType="tmRoot" restart="never">
-          <p:childTnLst>
-            <p:seq concurrent="1" nextAc="seek">
-              <p:cTn dur="indefinite" id="2" nodeType="mainSeq">
-                <p:childTnLst>
-                  <p:par>
-                    <p:cTn fill="hold">
-                      <p:stCondLst>
-                        <p:cond delay="indefinite"/>
-                      </p:stCondLst>
-                      <p:childTnLst>
-                        <p:par>
-                          <p:cTn fill="hold">
-                            <p:stCondLst>
-                              <p:cond delay="0"/>
-                            </p:stCondLst>
-                            <p:childTnLst>
-                              <p:par>
-                                <p:cTn fill="hold" nodeType="clickEffect" presetClass="entr" presetID="10" presetSubtype="0">
-                                  <p:stCondLst>
-                                    <p:cond delay="0"/>
-                                  </p:stCondLst>
-                                  <p:childTnLst>
-                                    <p:set>
-                                      <p:cBhvr>
-                                        <p:cTn dur="1" fill="hold">
-                                          <p:stCondLst>
-                                            <p:cond delay="0"/>
-                                          </p:stCondLst>
-                                        </p:cTn>
-                                        <p:tgtEl>
-                                          <p:spTgt spid="62">
-                                            <p:txEl>
-                                              <p:pRg end="0" st="0"/>
-                                            </p:txEl>
-                                          </p:spTgt>
-                                        </p:tgtEl>
-                                        <p:attrNameLst>
-                                          <p:attrName>style.visibility</p:attrName>
-                                        </p:attrNameLst>
-                                      </p:cBhvr>
-                                      <p:to>
-                                        <p:strVal val="visible"/>
-                                      </p:to>
-                                    </p:set>
-                                    <p:animEffect filter="fade" transition="in">
-                                      <p:cBhvr>
-                                        <p:cTn dur="1000"/>
-                                        <p:tgtEl>
-                                          <p:spTgt spid="62">
-                                            <p:txEl>
-                                              <p:pRg end="0" st="0"/>
-                                            </p:txEl>
-                                          </p:spTgt>
-                                        </p:tgtEl>
-                                      </p:cBhvr>
-                                    </p:animEffect>
-                                  </p:childTnLst>
-                                </p:cTn>
-                              </p:par>
-                            </p:childTnLst>
-                          </p:cTn>
-                        </p:par>
-                      </p:childTnLst>
-                    </p:cTn>
-                  </p:par>
-                  <p:par>
-                    <p:cTn fill="hold">
-                      <p:stCondLst>
-                        <p:cond delay="indefinite"/>
-                      </p:stCondLst>
-                      <p:childTnLst>
-                        <p:par>
-                          <p:cTn fill="hold">
-                            <p:stCondLst>
-                              <p:cond delay="0"/>
-                            </p:stCondLst>
-                            <p:childTnLst>
-                              <p:par>
-                                <p:cTn fill="hold" nodeType="clickEffect" presetClass="entr" presetID="10" presetSubtype="0">
-                                  <p:stCondLst>
-                                    <p:cond delay="0"/>
-                                  </p:stCondLst>
-                                  <p:childTnLst>
-                                    <p:set>
-                                      <p:cBhvr>
-                                        <p:cTn dur="1" fill="hold">
-                                          <p:stCondLst>
-                                            <p:cond delay="0"/>
-                                          </p:stCondLst>
-                                        </p:cTn>
-                                        <p:tgtEl>
-                                          <p:spTgt spid="62">
-                                            <p:txEl>
-                                              <p:pRg end="1" st="1"/>
-                                            </p:txEl>
-                                          </p:spTgt>
-                                        </p:tgtEl>
-                                        <p:attrNameLst>
-                                          <p:attrName>style.visibility</p:attrName>
-                                        </p:attrNameLst>
-                                      </p:cBhvr>
-                                      <p:to>
-                                        <p:strVal val="visible"/>
-                                      </p:to>
-                                    </p:set>
-                                    <p:animEffect filter="fade" transition="in">
-                                      <p:cBhvr>
-                                        <p:cTn dur="1000"/>
-                                        <p:tgtEl>
-                                          <p:spTgt spid="62">
-                                            <p:txEl>
-                                              <p:pRg end="1" st="1"/>
-                                            </p:txEl>
-                                          </p:spTgt>
-                                        </p:tgtEl>
-                                      </p:cBhvr>
-                                    </p:animEffect>
-                                  </p:childTnLst>
-                                </p:cTn>
-                              </p:par>
-                            </p:childTnLst>
-                          </p:cTn>
-                        </p:par>
-                      </p:childTnLst>
-                    </p:cTn>
-                  </p:par>
-                  <p:par>
-                    <p:cTn fill="hold">
-                      <p:stCondLst>
-                        <p:cond delay="indefinite"/>
-                      </p:stCondLst>
-                      <p:childTnLst>
-                        <p:par>
-                          <p:cTn fill="hold">
-                            <p:stCondLst>
-                              <p:cond delay="0"/>
-                            </p:stCondLst>
-                            <p:childTnLst>
-                              <p:par>
-                                <p:cTn fill="hold" nodeType="clickEffect" presetClass="entr" presetID="10" presetSubtype="0">
-                                  <p:stCondLst>
-                                    <p:cond delay="0"/>
-                                  </p:stCondLst>
-                                  <p:childTnLst>
-                                    <p:set>
-                                      <p:cBhvr>
-                                        <p:cTn dur="1" fill="hold">
-                                          <p:stCondLst>
-                                            <p:cond delay="0"/>
-                                          </p:stCondLst>
-                                        </p:cTn>
-                                        <p:tgtEl>
-                                          <p:spTgt spid="62">
-                                            <p:txEl>
-                                              <p:pRg end="2" st="2"/>
-                                            </p:txEl>
-                                          </p:spTgt>
-                                        </p:tgtEl>
-                                        <p:attrNameLst>
-                                          <p:attrName>style.visibility</p:attrName>
-                                        </p:attrNameLst>
-                                      </p:cBhvr>
-                                      <p:to>
-                                        <p:strVal val="visible"/>
-                                      </p:to>
-                                    </p:set>
-                                    <p:animEffect filter="fade" transition="in">
-                                      <p:cBhvr>
-                                        <p:cTn dur="1000"/>
-                                        <p:tgtEl>
-                                          <p:spTgt spid="62">
-                                            <p:txEl>
-                                              <p:pRg end="2" st="2"/>
-                                            </p:txEl>
-                                          </p:spTgt>
-                                        </p:tgtEl>
-                                      </p:cBhvr>
-                                    </p:animEffect>
-                                  </p:childTnLst>
-                                </p:cTn>
-                              </p:par>
-                            </p:childTnLst>
-                          </p:cTn>
-                        </p:par>
-                      </p:childTnLst>
-                    </p:cTn>
-                  </p:par>
-                  <p:par>
-                    <p:cTn fill="hold">
-                      <p:stCondLst>
-                        <p:cond delay="indefinite"/>
-                      </p:stCondLst>
-                      <p:childTnLst>
-                        <p:par>
-                          <p:cTn fill="hold">
-                            <p:stCondLst>
-                              <p:cond delay="0"/>
-                            </p:stCondLst>
-                            <p:childTnLst>
-                              <p:par>
-                                <p:cTn fill="hold" nodeType="clickEffect" presetClass="entr" presetID="10" presetSubtype="0">
-                                  <p:stCondLst>
-                                    <p:cond delay="0"/>
-                                  </p:stCondLst>
-                                  <p:childTnLst>
-                                    <p:set>
-                                      <p:cBhvr>
-                                        <p:cTn dur="1" fill="hold">
-                                          <p:stCondLst>
-                                            <p:cond delay="0"/>
-                                          </p:stCondLst>
-                                        </p:cTn>
-                                        <p:tgtEl>
-                                          <p:spTgt spid="62">
-                                            <p:txEl>
-                                              <p:pRg end="3" st="3"/>
-                                            </p:txEl>
-                                          </p:spTgt>
-                                        </p:tgtEl>
-                                        <p:attrNameLst>
-                                          <p:attrName>style.visibility</p:attrName>
-                                        </p:attrNameLst>
-                                      </p:cBhvr>
-                                      <p:to>
-                                        <p:strVal val="visible"/>
-                                      </p:to>
-                                    </p:set>
-                                    <p:animEffect filter="fade" transition="in">
-                                      <p:cBhvr>
-                                        <p:cTn dur="1000"/>
-                                        <p:tgtEl>
-                                          <p:spTgt spid="62">
-                                            <p:txEl>
-                                              <p:pRg end="3" st="3"/>
-                                            </p:txEl>
-                                          </p:spTgt>
-                                        </p:tgtEl>
-                                      </p:cBhvr>
-                                    </p:animEffect>
-                                  </p:childTnLst>
-                                </p:cTn>
-                              </p:par>
-                            </p:childTnLst>
-                          </p:cTn>
-                        </p:par>
-                      </p:childTnLst>
-                    </p:cTn>
-                  </p:par>
-                  <p:par>
-                    <p:cTn fill="hold">
-                      <p:stCondLst>
-                        <p:cond delay="indefinite"/>
-                      </p:stCondLst>
-                      <p:childTnLst>
-                        <p:par>
-                          <p:cTn fill="hold">
-                            <p:stCondLst>
-                              <p:cond delay="0"/>
-                            </p:stCondLst>
-                            <p:childTnLst>
-                              <p:par>
-                                <p:cTn fill="hold" nodeType="clickEffect" presetClass="entr" presetID="10" presetSubtype="0">
-                                  <p:stCondLst>
-                                    <p:cond delay="0"/>
-                                  </p:stCondLst>
-                                  <p:childTnLst>
-                                    <p:set>
-                                      <p:cBhvr>
-                                        <p:cTn dur="1" fill="hold">
-                                          <p:stCondLst>
-                                            <p:cond delay="0"/>
-                                          </p:stCondLst>
-                                        </p:cTn>
-                                        <p:tgtEl>
-                                          <p:spTgt spid="62">
-                                            <p:txEl>
-                                              <p:pRg end="4" st="4"/>
-                                            </p:txEl>
-                                          </p:spTgt>
-                                        </p:tgtEl>
-                                        <p:attrNameLst>
-                                          <p:attrName>style.visibility</p:attrName>
-                                        </p:attrNameLst>
-                                      </p:cBhvr>
-                                      <p:to>
-                                        <p:strVal val="visible"/>
-                                      </p:to>
-                                    </p:set>
-                                    <p:animEffect filter="fade" transition="in">
-                                      <p:cBhvr>
-                                        <p:cTn dur="1000"/>
-                                        <p:tgtEl>
-                                          <p:spTgt spid="62">
-                                            <p:txEl>
-                                              <p:pRg end="4" st="4"/>
-                                            </p:txEl>
-                                          </p:spTgt>
-                                        </p:tgtEl>
-                                      </p:cBhvr>
-                                    </p:animEffect>
-                                  </p:childTnLst>
-                                </p:cTn>
-                              </p:par>
-                            </p:childTnLst>
-                          </p:cTn>
-                        </p:par>
-                      </p:childTnLst>
-                    </p:cTn>
-                  </p:par>
-                  <p:par>
-                    <p:cTn fill="hold">
-                      <p:stCondLst>
-                        <p:cond delay="indefinite"/>
-                      </p:stCondLst>
-                      <p:childTnLst>
-                        <p:par>
-                          <p:cTn fill="hold">
-                            <p:stCondLst>
-                              <p:cond delay="0"/>
-                            </p:stCondLst>
-                            <p:childTnLst>
-                              <p:par>
-                                <p:cTn fill="hold" nodeType="clickEffect" presetClass="entr" presetID="10" presetSubtype="0">
-                                  <p:stCondLst>
-                                    <p:cond delay="0"/>
-                                  </p:stCondLst>
-                                  <p:childTnLst>
-                                    <p:set>
-                                      <p:cBhvr>
-                                        <p:cTn dur="1" fill="hold">
-                                          <p:stCondLst>
-                                            <p:cond delay="0"/>
-                                          </p:stCondLst>
-                                        </p:cTn>
-                                        <p:tgtEl>
-                                          <p:spTgt spid="62">
-                                            <p:txEl>
-                                              <p:pRg end="5" st="5"/>
-                                            </p:txEl>
-                                          </p:spTgt>
-                                        </p:tgtEl>
-                                        <p:attrNameLst>
-                                          <p:attrName>style.visibility</p:attrName>
-                                        </p:attrNameLst>
-                                      </p:cBhvr>
-                                      <p:to>
-                                        <p:strVal val="visible"/>
-                                      </p:to>
-                                    </p:set>
-                                    <p:animEffect filter="fade" transition="in">
-                                      <p:cBhvr>
-                                        <p:cTn dur="1000"/>
-                                        <p:tgtEl>
-                                          <p:spTgt spid="62">
-                                            <p:txEl>
-                                              <p:pRg end="5" st="5"/>
-                                            </p:txEl>
-                                          </p:spTgt>
-                                        </p:tgtEl>
-                                      </p:cBhvr>
-                                    </p:animEffect>
-                                  </p:childTnLst>
-                                </p:cTn>
-                              </p:par>
-                            </p:childTnLst>
-                          </p:cTn>
-                        </p:par>
-                      </p:childTnLst>
-                    </p:cTn>
-                  </p:par>
-                </p:childTnLst>
-              </p:cTn>
-              <p:prevCondLst>
-                <p:cond evt="onPrev">
-                  <p:tgtEl>
-                    <p:sldTgt/>
-                  </p:tgtEl>
-                </p:cond>
-              </p:prevCondLst>
-              <p:nextCondLst>
-                <p:cond evt="onNext">
-                  <p:tgtEl>
-                    <p:sldTgt/>
-                  </p:tgtEl>
-                </p:cond>
-              </p:nextCondLst>
-            </p:seq>
-          </p:childTnLst>
-        </p:cTn>
-      </p:par>
-    </p:tnLst>
-  </p:timing>
-</p:sld>
-</file>
-
-<file path=ppt/slides/slide3.xml><?xml version="1.0" encoding="utf-8"?>
-<p:sld xmlns:a="http://schemas.openxmlformats.org/drawingml/2006/main" xmlns:r="http://schemas.openxmlformats.org/officeDocument/2006/relationships" xmlns:mc="http://schemas.openxmlformats.org/markup-compatibility/2006" xmlns:mv="urn:schemas-microsoft-com:mac:vml" xmlns:p="http://schemas.openxmlformats.org/presentationml/2006/main" xmlns:c="http://schemas.openxmlformats.org/drawingml/2006/chart" xmlns:dgm="http://schemas.openxmlformats.org/drawingml/2006/diagram" xmlns:o="urn:schemas-microsoft-com:office:office" xmlns:v="urn:schemas-microsoft-com:vml" xmlns:pvml="urn:schemas-microsoft-com:office:powerpoint" xmlns:com="http://schemas.openxmlformats.org/drawingml/2006/compatibility" xmlns:p14="http://schemas.microsoft.com/office/powerpoint/2010/main" xmlns:p15="http://schemas.microsoft.com/office/powerpoint/2012/main">
-  <p:cSld>
-    <p:spTree>
-      <p:nvGrpSpPr>
-        <p:cNvPr id="66" name="Shape 66"/>
-        <p:cNvGrpSpPr/>
-        <p:nvPr/>
-      </p:nvGrpSpPr>
-      <p:grpSpPr>
-        <a:xfrm>
-          <a:off x="0" y="0"/>
-          <a:ext cx="0" cy="0"/>
-          <a:chOff x="0" y="0"/>
-          <a:chExt cx="0" cy="0"/>
-        </a:xfrm>
-      </p:grpSpPr>
-      <p:sp>
-        <p:nvSpPr>
-          <p:cNvPr id="67" name="Shape 67"/>
-          <p:cNvSpPr txBox="1"/>
-          <p:nvPr>
-            <p:ph type="title"/>
-          </p:nvPr>
-        </p:nvSpPr>
-        <p:spPr>
-          <a:xfrm>
-            <a:off x="62275" y="-124550"/>
-            <a:ext cx="8769900" cy="524700"/>
-          </a:xfrm>
-          <a:prstGeom prst="rect">
-            <a:avLst/>
-          </a:prstGeom>
-        </p:spPr>
-        <p:txBody>
-          <a:bodyPr anchorCtr="0" anchor="t" bIns="91425" lIns="91425" spcFirstLastPara="1" rIns="91425" wrap="square" tIns="91425">
-            <a:noAutofit/>
-          </a:bodyPr>
-          <a:lstStyle/>
-          <a:p>
-            <a:pPr indent="0" lvl="0" marL="0" rtl="0">
-              <a:spcBef>
-                <a:spcPts val="0"/>
-              </a:spcBef>
-              <a:spcAft>
-                <a:spcPts val="0"/>
-              </a:spcAft>
-              <a:buNone/>
-            </a:pPr>
-            <a:r>
-              <a:rPr lang="en" sz="4000"/>
-              <a:t>What’s got you stumped?</a:t>
-            </a:r>
-            <a:endParaRPr sz="4000"/>
-          </a:p>
-        </p:txBody>
-      </p:sp>
-      <p:sp>
-        <p:nvSpPr>
-          <p:cNvPr id="68" name="Shape 68"/>
-          <p:cNvSpPr txBox="1"/>
-          <p:nvPr/>
-        </p:nvSpPr>
-        <p:spPr>
-          <a:xfrm>
-            <a:off x="418050" y="658225"/>
-            <a:ext cx="8619300" cy="4349700"/>
-          </a:xfrm>
-          <a:prstGeom prst="rect">
-            <a:avLst/>
-          </a:prstGeom>
-          <a:noFill/>
-          <a:ln>
-            <a:noFill/>
-          </a:ln>
-        </p:spPr>
-        <p:txBody>
-          <a:bodyPr anchorCtr="0" anchor="t" bIns="91425" lIns="91425" spcFirstLastPara="1" rIns="91425" wrap="square" tIns="91425">
-            <a:noAutofit/>
-          </a:bodyPr>
-          <a:lstStyle/>
-          <a:p>
-            <a:pPr indent="-381000" lvl="0" marL="457200" rtl="0">
-              <a:lnSpc>
-                <a:spcPct val="115000"/>
-              </a:lnSpc>
-              <a:spcBef>
-                <a:spcPts val="0"/>
-              </a:spcBef>
-              <a:spcAft>
-                <a:spcPts val="1000"/>
-              </a:spcAft>
-              <a:buClr>
-                <a:srgbClr val="FFFFFF"/>
-              </a:buClr>
-              <a:buSzPts val="2400"/>
-              <a:buChar char="●"/>
-            </a:pPr>
-            <a:r>
-              <a:rPr lang="en" sz="2400">
-                <a:solidFill>
-                  <a:srgbClr val="FFFFFF"/>
-                </a:solidFill>
-              </a:rPr>
-              <a:t>I’ll make sure we cover it somehow</a:t>
-            </a:r>
-            <a:endParaRPr sz="2400">
-              <a:solidFill>
-                <a:srgbClr val="FFFFFF"/>
-              </a:solidFill>
-            </a:endParaRPr>
-          </a:p>
-        </p:txBody>
-      </p:sp>
-    </p:spTree>
-  </p:cSld>
-  <p:clrMapOvr>
-    <a:masterClrMapping/>
-  </p:clrMapOvr>
-  <p:timing>
-    <p:tnLst>
-      <p:par>
-        <p:cTn dur="indefinite" nodeType="tmRoot" restart="never">
-          <p:childTnLst>
-            <p:seq concurrent="1" nextAc="seek">
-              <p:cTn dur="indefinite" id="2" nodeType="mainSeq">
-                <p:childTnLst>
-                  <p:par>
-                    <p:cTn fill="hold">
-                      <p:stCondLst>
-                        <p:cond delay="indefinite"/>
-                      </p:stCondLst>
-                      <p:childTnLst>
-                        <p:par>
-                          <p:cTn fill="hold">
-                            <p:stCondLst>
-                              <p:cond delay="0"/>
-                            </p:stCondLst>
-                            <p:childTnLst>
-                              <p:par>
-                                <p:cTn fill="hold" nodeType="clickEffect" presetClass="entr" presetID="10" presetSubtype="0">
-                                  <p:stCondLst>
-                                    <p:cond delay="0"/>
-                                  </p:stCondLst>
-                                  <p:childTnLst>
-                                    <p:set>
-                                      <p:cBhvr>
-                                        <p:cTn dur="1" fill="hold">
-                                          <p:stCondLst>
-                                            <p:cond delay="0"/>
-                                          </p:stCondLst>
-                                        </p:cTn>
-                                        <p:tgtEl>
-                                          <p:spTgt spid="68">
-                                            <p:txEl>
-                                              <p:pRg end="0" st="0"/>
-                                            </p:txEl>
-                                          </p:spTgt>
-                                        </p:tgtEl>
-                                        <p:attrNameLst>
-                                          <p:attrName>style.visibility</p:attrName>
-                                        </p:attrNameLst>
-                                      </p:cBhvr>
-                                      <p:to>
-                                        <p:strVal val="visible"/>
-                                      </p:to>
-                                    </p:set>
-                                    <p:animEffect filter="fade" transition="in">
-                                      <p:cBhvr>
-                                        <p:cTn dur="1000"/>
-                                        <p:tgtEl>
-                                          <p:spTgt spid="68">
-                                            <p:txEl>
-                                              <p:pRg end="0" st="0"/>
-                                            </p:txEl>
-                                          </p:spTgt>
-                                        </p:tgtEl>
-                                      </p:cBhvr>
-                                    </p:animEffect>
-                                  </p:childTnLst>
-                                </p:cTn>
-                              </p:par>
-                            </p:childTnLst>
-                          </p:cTn>
-                        </p:par>
-                      </p:childTnLst>
-                    </p:cTn>
-                  </p:par>
-                </p:childTnLst>
-              </p:cTn>
-              <p:prevCondLst>
-                <p:cond evt="onPrev">
-                  <p:tgtEl>
-                    <p:sldTgt/>
-                  </p:tgtEl>
-                </p:cond>
-              </p:prevCondLst>
-              <p:nextCondLst>
-                <p:cond evt="onNext">
-                  <p:tgtEl>
-                    <p:sldTgt/>
-                  </p:tgtEl>
-                </p:cond>
-              </p:nextCondLst>
-            </p:seq>
-          </p:childTnLst>
-        </p:cTn>
-      </p:par>
-    </p:tnLst>
-  </p:timing>
-</p:sld>
-</file>
-
-<file path=ppt/slides/slide4.xml><?xml version="1.0" encoding="utf-8"?>
-<p:sld xmlns:a="http://schemas.openxmlformats.org/drawingml/2006/main" xmlns:r="http://schemas.openxmlformats.org/officeDocument/2006/relationships" xmlns:mc="http://schemas.openxmlformats.org/markup-compatibility/2006" xmlns:mv="urn:schemas-microsoft-com:mac:vml" xmlns:p="http://schemas.openxmlformats.org/presentationml/2006/main" xmlns:c="http://schemas.openxmlformats.org/drawingml/2006/chart" xmlns:dgm="http://schemas.openxmlformats.org/drawingml/2006/diagram" xmlns:o="urn:schemas-microsoft-com:office:office" xmlns:v="urn:schemas-microsoft-com:vml" xmlns:pvml="urn:schemas-microsoft-com:office:powerpoint" xmlns:com="http://schemas.openxmlformats.org/drawingml/2006/compatibility" xmlns:p14="http://schemas.microsoft.com/office/powerpoint/2010/main" xmlns:p15="http://schemas.microsoft.com/office/powerpoint/2012/main">
-  <p:cSld>
-    <p:spTree>
-      <p:nvGrpSpPr>
-        <p:cNvPr id="72" name="Shape 72"/>
-        <p:cNvGrpSpPr/>
-        <p:nvPr/>
-      </p:nvGrpSpPr>
-      <p:grpSpPr>
-        <a:xfrm>
-          <a:off x="0" y="0"/>
-          <a:ext cx="0" cy="0"/>
-          <a:chOff x="0" y="0"/>
-          <a:chExt cx="0" cy="0"/>
-        </a:xfrm>
-      </p:grpSpPr>
-      <p:sp>
-        <p:nvSpPr>
-          <p:cNvPr id="73" name="Shape 73"/>
-          <p:cNvSpPr txBox="1"/>
-          <p:nvPr>
-            <p:ph type="title"/>
-          </p:nvPr>
-        </p:nvSpPr>
-        <p:spPr>
-          <a:xfrm>
-            <a:off x="62275" y="-124550"/>
-            <a:ext cx="8769900" cy="524700"/>
-          </a:xfrm>
-          <a:prstGeom prst="rect">
-            <a:avLst/>
-          </a:prstGeom>
-        </p:spPr>
-        <p:txBody>
-          <a:bodyPr anchorCtr="0" anchor="t" bIns="91425" lIns="91425" spcFirstLastPara="1" rIns="91425" wrap="square" tIns="91425">
-            <a:noAutofit/>
-          </a:bodyPr>
-          <a:lstStyle/>
-          <a:p>
-            <a:pPr indent="0" lvl="0" marL="0" rtl="0">
+            <a:pPr marL="0" lvl="0" indent="0" rtl="0">
               <a:spcBef>
                 <a:spcPts val="0"/>
               </a:spcBef>
@@ -7312,12 +7628,12 @@
           </a:ln>
         </p:spPr>
         <p:txBody>
-          <a:bodyPr anchorCtr="0" anchor="t" bIns="91425" lIns="91425" spcFirstLastPara="1" rIns="91425" wrap="square" tIns="91425">
+          <a:bodyPr spcFirstLastPara="1" wrap="square" lIns="91425" tIns="91425" rIns="91425" bIns="91425" anchor="t" anchorCtr="0">
             <a:noAutofit/>
           </a:bodyPr>
           <a:lstStyle/>
           <a:p>
-            <a:pPr indent="0" lvl="0" marL="0" rtl="0">
+            <a:pPr marL="0" lvl="0" indent="0" rtl="0">
               <a:lnSpc>
                 <a:spcPct val="115000"/>
               </a:lnSpc>
@@ -7329,17 +7645,14 @@
               </a:spcAft>
               <a:buNone/>
             </a:pPr>
-            <a:r>
-              <a:t/>
-            </a:r>
-            <a:endParaRPr sz="1100">
+            <a:endParaRPr sz="1100" dirty="0">
               <a:highlight>
                 <a:srgbClr val="FFFFFF"/>
               </a:highlight>
             </a:endParaRPr>
           </a:p>
           <a:p>
-            <a:pPr indent="-381000" lvl="0" marL="457200" rtl="0">
+            <a:pPr marL="457200" lvl="0" indent="-381000" rtl="0">
               <a:lnSpc>
                 <a:spcPct val="115000"/>
               </a:lnSpc>
@@ -7356,21 +7669,21 @@
               <a:buChar char="●"/>
             </a:pPr>
             <a:r>
-              <a:rPr lang="en" sz="2400">
+              <a:rPr lang="en" sz="2400" dirty="0">
                 <a:solidFill>
                   <a:srgbClr val="FFFFFF"/>
                 </a:solidFill>
               </a:rPr>
               <a:t>Don’t be a grump like me</a:t>
             </a:r>
-            <a:endParaRPr sz="2400">
+            <a:endParaRPr sz="2400" dirty="0">
               <a:solidFill>
                 <a:srgbClr val="FFFFFF"/>
               </a:solidFill>
             </a:endParaRPr>
           </a:p>
           <a:p>
-            <a:pPr indent="-381000" lvl="1" marL="914400" rtl="0">
+            <a:pPr marL="914400" lvl="1" indent="-381000" rtl="0">
               <a:lnSpc>
                 <a:spcPct val="115000"/>
               </a:lnSpc>
@@ -7387,21 +7700,21 @@
               <a:buChar char="○"/>
             </a:pPr>
             <a:r>
-              <a:rPr lang="en" sz="2400">
+              <a:rPr lang="en" sz="2400" dirty="0">
                 <a:solidFill>
                   <a:srgbClr val="FFFFFF"/>
                 </a:solidFill>
               </a:rPr>
               <a:t>Let’s be enthusiastic about SQL!</a:t>
             </a:r>
-            <a:endParaRPr sz="2400">
+            <a:endParaRPr sz="2400" dirty="0">
               <a:solidFill>
                 <a:srgbClr val="FFFFFF"/>
               </a:solidFill>
             </a:endParaRPr>
           </a:p>
           <a:p>
-            <a:pPr indent="-381000" lvl="0" marL="457200" rtl="0">
+            <a:pPr marL="457200" lvl="0" indent="-381000" rtl="0">
               <a:lnSpc>
                 <a:spcPct val="115000"/>
               </a:lnSpc>
@@ -7418,14 +7731,14 @@
               <a:buChar char="●"/>
             </a:pPr>
             <a:r>
-              <a:rPr lang="en" sz="2400">
+              <a:rPr lang="en" sz="2400" dirty="0">
                 <a:solidFill>
                   <a:srgbClr val="FFFFFF"/>
                 </a:solidFill>
               </a:rPr>
               <a:t>Be excited about learning this HIGHLY used technology</a:t>
             </a:r>
-            <a:endParaRPr sz="2400">
+            <a:endParaRPr sz="2400" dirty="0">
               <a:solidFill>
                 <a:srgbClr val="FFFFFF"/>
               </a:solidFill>
@@ -7441,32 +7754,32 @@
   <p:timing>
     <p:tnLst>
       <p:par>
-        <p:cTn dur="indefinite" nodeType="tmRoot" restart="never">
+        <p:cTn id="1" dur="indefinite" restart="never" nodeType="tmRoot">
           <p:childTnLst>
             <p:seq concurrent="1" nextAc="seek">
-              <p:cTn dur="indefinite" id="2" nodeType="mainSeq">
+              <p:cTn id="2" dur="indefinite" nodeType="mainSeq">
                 <p:childTnLst>
                   <p:par>
-                    <p:cTn fill="hold">
+                    <p:cTn id="3" fill="hold">
                       <p:stCondLst>
                         <p:cond delay="indefinite"/>
                       </p:stCondLst>
                       <p:childTnLst>
                         <p:par>
-                          <p:cTn fill="hold">
+                          <p:cTn id="4" fill="hold">
                             <p:stCondLst>
                               <p:cond delay="0"/>
                             </p:stCondLst>
                             <p:childTnLst>
                               <p:par>
-                                <p:cTn fill="hold" nodeType="clickEffect" presetClass="entr" presetID="10" presetSubtype="0">
+                                <p:cTn id="5" presetID="10" presetClass="entr" presetSubtype="0" fill="hold" nodeType="clickEffect">
                                   <p:stCondLst>
                                     <p:cond delay="0"/>
                                   </p:stCondLst>
                                   <p:childTnLst>
                                     <p:set>
                                       <p:cBhvr>
-                                        <p:cTn dur="1" fill="hold">
+                                        <p:cTn id="6" dur="1" fill="hold">
                                           <p:stCondLst>
                                             <p:cond delay="0"/>
                                           </p:stCondLst>
@@ -7474,7 +7787,7 @@
                                         <p:tgtEl>
                                           <p:spTgt spid="74">
                                             <p:txEl>
-                                              <p:pRg end="0" st="0"/>
+                                              <p:pRg st="0" end="0"/>
                                             </p:txEl>
                                           </p:spTgt>
                                         </p:tgtEl>
@@ -7486,13 +7799,13 @@
                                         <p:strVal val="visible"/>
                                       </p:to>
                                     </p:set>
-                                    <p:animEffect filter="fade" transition="in">
+                                    <p:animEffect transition="in" filter="fade">
                                       <p:cBhvr>
-                                        <p:cTn dur="1000"/>
+                                        <p:cTn id="7" dur="1000"/>
                                         <p:tgtEl>
                                           <p:spTgt spid="74">
                                             <p:txEl>
-                                              <p:pRg end="0" st="0"/>
+                                              <p:pRg st="0" end="0"/>
                                             </p:txEl>
                                           </p:spTgt>
                                         </p:tgtEl>
@@ -7508,26 +7821,26 @@
                     </p:cTn>
                   </p:par>
                   <p:par>
-                    <p:cTn fill="hold">
+                    <p:cTn id="8" fill="hold">
                       <p:stCondLst>
                         <p:cond delay="indefinite"/>
                       </p:stCondLst>
                       <p:childTnLst>
                         <p:par>
-                          <p:cTn fill="hold">
+                          <p:cTn id="9" fill="hold">
                             <p:stCondLst>
                               <p:cond delay="0"/>
                             </p:stCondLst>
                             <p:childTnLst>
                               <p:par>
-                                <p:cTn fill="hold" nodeType="clickEffect" presetClass="entr" presetID="10" presetSubtype="0">
+                                <p:cTn id="10" presetID="10" presetClass="entr" presetSubtype="0" fill="hold" nodeType="clickEffect">
                                   <p:stCondLst>
                                     <p:cond delay="0"/>
                                   </p:stCondLst>
                                   <p:childTnLst>
                                     <p:set>
                                       <p:cBhvr>
-                                        <p:cTn dur="1" fill="hold">
+                                        <p:cTn id="11" dur="1" fill="hold">
                                           <p:stCondLst>
                                             <p:cond delay="0"/>
                                           </p:stCondLst>
@@ -7535,7 +7848,7 @@
                                         <p:tgtEl>
                                           <p:spTgt spid="74">
                                             <p:txEl>
-                                              <p:pRg end="1" st="1"/>
+                                              <p:pRg st="1" end="1"/>
                                             </p:txEl>
                                           </p:spTgt>
                                         </p:tgtEl>
@@ -7547,13 +7860,13 @@
                                         <p:strVal val="visible"/>
                                       </p:to>
                                     </p:set>
-                                    <p:animEffect filter="fade" transition="in">
+                                    <p:animEffect transition="in" filter="fade">
                                       <p:cBhvr>
-                                        <p:cTn dur="1000"/>
+                                        <p:cTn id="12" dur="1000"/>
                                         <p:tgtEl>
                                           <p:spTgt spid="74">
                                             <p:txEl>
-                                              <p:pRg end="1" st="1"/>
+                                              <p:pRg st="1" end="1"/>
                                             </p:txEl>
                                           </p:spTgt>
                                         </p:tgtEl>
@@ -7569,26 +7882,26 @@
                     </p:cTn>
                   </p:par>
                   <p:par>
-                    <p:cTn fill="hold">
+                    <p:cTn id="13" fill="hold">
                       <p:stCondLst>
                         <p:cond delay="indefinite"/>
                       </p:stCondLst>
                       <p:childTnLst>
                         <p:par>
-                          <p:cTn fill="hold">
+                          <p:cTn id="14" fill="hold">
                             <p:stCondLst>
                               <p:cond delay="0"/>
                             </p:stCondLst>
                             <p:childTnLst>
                               <p:par>
-                                <p:cTn fill="hold" nodeType="clickEffect" presetClass="entr" presetID="10" presetSubtype="0">
+                                <p:cTn id="15" presetID="10" presetClass="entr" presetSubtype="0" fill="hold" nodeType="clickEffect">
                                   <p:stCondLst>
                                     <p:cond delay="0"/>
                                   </p:stCondLst>
                                   <p:childTnLst>
                                     <p:set>
                                       <p:cBhvr>
-                                        <p:cTn dur="1" fill="hold">
+                                        <p:cTn id="16" dur="1" fill="hold">
                                           <p:stCondLst>
                                             <p:cond delay="0"/>
                                           </p:stCondLst>
@@ -7596,7 +7909,7 @@
                                         <p:tgtEl>
                                           <p:spTgt spid="74">
                                             <p:txEl>
-                                              <p:pRg end="2" st="2"/>
+                                              <p:pRg st="2" end="2"/>
                                             </p:txEl>
                                           </p:spTgt>
                                         </p:tgtEl>
@@ -7608,13 +7921,13 @@
                                         <p:strVal val="visible"/>
                                       </p:to>
                                     </p:set>
-                                    <p:animEffect filter="fade" transition="in">
+                                    <p:animEffect transition="in" filter="fade">
                                       <p:cBhvr>
-                                        <p:cTn dur="1000"/>
+                                        <p:cTn id="17" dur="1000"/>
                                         <p:tgtEl>
                                           <p:spTgt spid="74">
                                             <p:txEl>
-                                              <p:pRg end="2" st="2"/>
+                                              <p:pRg st="2" end="2"/>
                                             </p:txEl>
                                           </p:spTgt>
                                         </p:tgtEl>
@@ -7630,26 +7943,26 @@
                     </p:cTn>
                   </p:par>
                   <p:par>
-                    <p:cTn fill="hold">
+                    <p:cTn id="18" fill="hold">
                       <p:stCondLst>
                         <p:cond delay="indefinite"/>
                       </p:stCondLst>
                       <p:childTnLst>
                         <p:par>
-                          <p:cTn fill="hold">
+                          <p:cTn id="19" fill="hold">
                             <p:stCondLst>
                               <p:cond delay="0"/>
                             </p:stCondLst>
                             <p:childTnLst>
                               <p:par>
-                                <p:cTn fill="hold" nodeType="clickEffect" presetClass="entr" presetID="10" presetSubtype="0">
+                                <p:cTn id="20" presetID="10" presetClass="entr" presetSubtype="0" fill="hold" nodeType="clickEffect">
                                   <p:stCondLst>
                                     <p:cond delay="0"/>
                                   </p:stCondLst>
                                   <p:childTnLst>
                                     <p:set>
                                       <p:cBhvr>
-                                        <p:cTn dur="1" fill="hold">
+                                        <p:cTn id="21" dur="1" fill="hold">
                                           <p:stCondLst>
                                             <p:cond delay="0"/>
                                           </p:stCondLst>
@@ -7657,7 +7970,7 @@
                                         <p:tgtEl>
                                           <p:spTgt spid="74">
                                             <p:txEl>
-                                              <p:pRg end="3" st="3"/>
+                                              <p:pRg st="3" end="3"/>
                                             </p:txEl>
                                           </p:spTgt>
                                         </p:tgtEl>
@@ -7669,13 +7982,13 @@
                                         <p:strVal val="visible"/>
                                       </p:to>
                                     </p:set>
-                                    <p:animEffect filter="fade" transition="in">
+                                    <p:animEffect transition="in" filter="fade">
                                       <p:cBhvr>
-                                        <p:cTn dur="1000"/>
+                                        <p:cTn id="22" dur="1000"/>
                                         <p:tgtEl>
                                           <p:spTgt spid="74">
                                             <p:txEl>
-                                              <p:pRg end="3" st="3"/>
+                                              <p:pRg st="3" end="3"/>
                                             </p:txEl>
                                           </p:spTgt>
                                         </p:tgtEl>
@@ -7693,1272 +8006,14 @@
                 </p:childTnLst>
               </p:cTn>
               <p:prevCondLst>
-                <p:cond evt="onPrev">
+                <p:cond evt="onPrev" delay="0">
                   <p:tgtEl>
                     <p:sldTgt/>
                   </p:tgtEl>
                 </p:cond>
               </p:prevCondLst>
               <p:nextCondLst>
-                <p:cond evt="onNext">
-                  <p:tgtEl>
-                    <p:sldTgt/>
-                  </p:tgtEl>
-                </p:cond>
-              </p:nextCondLst>
-            </p:seq>
-          </p:childTnLst>
-        </p:cTn>
-      </p:par>
-    </p:tnLst>
-  </p:timing>
-</p:sld>
-</file>
-
-<file path=ppt/slides/slide5.xml><?xml version="1.0" encoding="utf-8"?>
-<p:sld xmlns:a="http://schemas.openxmlformats.org/drawingml/2006/main" xmlns:r="http://schemas.openxmlformats.org/officeDocument/2006/relationships" xmlns:mc="http://schemas.openxmlformats.org/markup-compatibility/2006" xmlns:mv="urn:schemas-microsoft-com:mac:vml" xmlns:p="http://schemas.openxmlformats.org/presentationml/2006/main" xmlns:c="http://schemas.openxmlformats.org/drawingml/2006/chart" xmlns:dgm="http://schemas.openxmlformats.org/drawingml/2006/diagram" xmlns:o="urn:schemas-microsoft-com:office:office" xmlns:v="urn:schemas-microsoft-com:vml" xmlns:pvml="urn:schemas-microsoft-com:office:powerpoint" xmlns:com="http://schemas.openxmlformats.org/drawingml/2006/compatibility" xmlns:p14="http://schemas.microsoft.com/office/powerpoint/2010/main" xmlns:p15="http://schemas.microsoft.com/office/powerpoint/2012/main">
-  <p:cSld>
-    <p:spTree>
-      <p:nvGrpSpPr>
-        <p:cNvPr id="78" name="Shape 78"/>
-        <p:cNvGrpSpPr/>
-        <p:nvPr/>
-      </p:nvGrpSpPr>
-      <p:grpSpPr>
-        <a:xfrm>
-          <a:off x="0" y="0"/>
-          <a:ext cx="0" cy="0"/>
-          <a:chOff x="0" y="0"/>
-          <a:chExt cx="0" cy="0"/>
-        </a:xfrm>
-      </p:grpSpPr>
-      <p:sp>
-        <p:nvSpPr>
-          <p:cNvPr id="79" name="Shape 79"/>
-          <p:cNvSpPr txBox="1"/>
-          <p:nvPr>
-            <p:ph type="title"/>
-          </p:nvPr>
-        </p:nvSpPr>
-        <p:spPr>
-          <a:xfrm>
-            <a:off x="62275" y="-124550"/>
-            <a:ext cx="8769900" cy="524700"/>
-          </a:xfrm>
-          <a:prstGeom prst="rect">
-            <a:avLst/>
-          </a:prstGeom>
-        </p:spPr>
-        <p:txBody>
-          <a:bodyPr anchorCtr="0" anchor="t" bIns="91425" lIns="91425" spcFirstLastPara="1" rIns="91425" wrap="square" tIns="91425">
-            <a:noAutofit/>
-          </a:bodyPr>
-          <a:lstStyle/>
-          <a:p>
-            <a:pPr indent="0" lvl="0" marL="0" rtl="0">
-              <a:spcBef>
-                <a:spcPts val="0"/>
-              </a:spcBef>
-              <a:spcAft>
-                <a:spcPts val="0"/>
-              </a:spcAft>
-              <a:buNone/>
-            </a:pPr>
-            <a:r>
-              <a:rPr lang="en" sz="4000"/>
-              <a:t>What is a database?</a:t>
-            </a:r>
-            <a:endParaRPr sz="4000"/>
-          </a:p>
-        </p:txBody>
-      </p:sp>
-      <p:sp>
-        <p:nvSpPr>
-          <p:cNvPr id="80" name="Shape 80"/>
-          <p:cNvSpPr txBox="1"/>
-          <p:nvPr/>
-        </p:nvSpPr>
-        <p:spPr>
-          <a:xfrm>
-            <a:off x="418050" y="658225"/>
-            <a:ext cx="8619300" cy="4349700"/>
-          </a:xfrm>
-          <a:prstGeom prst="rect">
-            <a:avLst/>
-          </a:prstGeom>
-          <a:noFill/>
-          <a:ln>
-            <a:noFill/>
-          </a:ln>
-        </p:spPr>
-        <p:txBody>
-          <a:bodyPr anchorCtr="0" anchor="t" bIns="91425" lIns="91425" spcFirstLastPara="1" rIns="91425" wrap="square" tIns="91425">
-            <a:noAutofit/>
-          </a:bodyPr>
-          <a:lstStyle/>
-          <a:p>
-            <a:pPr indent="-381000" lvl="0" marL="457200" rtl="0">
-              <a:lnSpc>
-                <a:spcPct val="115000"/>
-              </a:lnSpc>
-              <a:spcBef>
-                <a:spcPts val="0"/>
-              </a:spcBef>
-              <a:spcAft>
-                <a:spcPts val="0"/>
-              </a:spcAft>
-              <a:buClr>
-                <a:srgbClr val="FFFFFF"/>
-              </a:buClr>
-              <a:buSzPts val="2400"/>
-              <a:buChar char="●"/>
-            </a:pPr>
-            <a:r>
-              <a:rPr lang="en" sz="2400">
-                <a:solidFill>
-                  <a:srgbClr val="FFFFFF"/>
-                </a:solidFill>
-              </a:rPr>
-              <a:t>A specialized program designed to store data</a:t>
-            </a:r>
-            <a:endParaRPr sz="2400">
-              <a:solidFill>
-                <a:srgbClr val="FFFFFF"/>
-              </a:solidFill>
-            </a:endParaRPr>
-          </a:p>
-          <a:p>
-            <a:pPr indent="-381000" lvl="0" marL="457200" rtl="0">
-              <a:lnSpc>
-                <a:spcPct val="115000"/>
-              </a:lnSpc>
-              <a:spcBef>
-                <a:spcPts val="1000"/>
-              </a:spcBef>
-              <a:spcAft>
-                <a:spcPts val="0"/>
-              </a:spcAft>
-              <a:buClr>
-                <a:srgbClr val="FFFFFF"/>
-              </a:buClr>
-              <a:buSzPts val="2400"/>
-              <a:buChar char="●"/>
-            </a:pPr>
-            <a:r>
-              <a:rPr lang="en" sz="2400">
-                <a:solidFill>
-                  <a:srgbClr val="FFFFFF"/>
-                </a:solidFill>
-              </a:rPr>
-              <a:t>Where is the data stored?</a:t>
-            </a:r>
-            <a:endParaRPr sz="2400">
-              <a:solidFill>
-                <a:srgbClr val="FFFFFF"/>
-              </a:solidFill>
-            </a:endParaRPr>
-          </a:p>
-          <a:p>
-            <a:pPr indent="-381000" lvl="0" marL="457200" rtl="0">
-              <a:lnSpc>
-                <a:spcPct val="115000"/>
-              </a:lnSpc>
-              <a:spcBef>
-                <a:spcPts val="1000"/>
-              </a:spcBef>
-              <a:spcAft>
-                <a:spcPts val="0"/>
-              </a:spcAft>
-              <a:buClr>
-                <a:srgbClr val="FFFFFF"/>
-              </a:buClr>
-              <a:buSzPts val="2400"/>
-              <a:buChar char="●"/>
-            </a:pPr>
-            <a:r>
-              <a:rPr lang="en" sz="2400">
-                <a:solidFill>
-                  <a:srgbClr val="FFFFFF"/>
-                </a:solidFill>
-              </a:rPr>
-              <a:t>There are multiple kinds of databases</a:t>
-            </a:r>
-            <a:endParaRPr sz="2400">
-              <a:solidFill>
-                <a:srgbClr val="FFFFFF"/>
-              </a:solidFill>
-            </a:endParaRPr>
-          </a:p>
-          <a:p>
-            <a:pPr indent="-381000" lvl="0" marL="457200" rtl="0">
-              <a:lnSpc>
-                <a:spcPct val="115000"/>
-              </a:lnSpc>
-              <a:spcBef>
-                <a:spcPts val="1000"/>
-              </a:spcBef>
-              <a:spcAft>
-                <a:spcPts val="0"/>
-              </a:spcAft>
-              <a:buClr>
-                <a:srgbClr val="FFFFFF"/>
-              </a:buClr>
-              <a:buSzPts val="2400"/>
-              <a:buChar char="●"/>
-            </a:pPr>
-            <a:r>
-              <a:rPr lang="en" sz="2400">
-                <a:solidFill>
-                  <a:srgbClr val="FFFFFF"/>
-                </a:solidFill>
-              </a:rPr>
-              <a:t>We are going to use a Relational Database</a:t>
-            </a:r>
-            <a:endParaRPr sz="2400">
-              <a:solidFill>
-                <a:srgbClr val="FFFFFF"/>
-              </a:solidFill>
-            </a:endParaRPr>
-          </a:p>
-          <a:p>
-            <a:pPr indent="-381000" lvl="0" marL="457200" rtl="0">
-              <a:lnSpc>
-                <a:spcPct val="115000"/>
-              </a:lnSpc>
-              <a:spcBef>
-                <a:spcPts val="1000"/>
-              </a:spcBef>
-              <a:spcAft>
-                <a:spcPts val="0"/>
-              </a:spcAft>
-              <a:buClr>
-                <a:srgbClr val="FFFFFF"/>
-              </a:buClr>
-              <a:buSzPts val="2400"/>
-              <a:buChar char="●"/>
-            </a:pPr>
-            <a:r>
-              <a:rPr lang="en" sz="2400">
-                <a:solidFill>
-                  <a:srgbClr val="FFFFFF"/>
-                </a:solidFill>
-              </a:rPr>
-              <a:t>There are many different Relational Databases</a:t>
-            </a:r>
-            <a:endParaRPr sz="2400">
-              <a:solidFill>
-                <a:srgbClr val="FFFFFF"/>
-              </a:solidFill>
-            </a:endParaRPr>
-          </a:p>
-          <a:p>
-            <a:pPr indent="-381000" lvl="1" marL="914400" rtl="0">
-              <a:lnSpc>
-                <a:spcPct val="115000"/>
-              </a:lnSpc>
-              <a:spcBef>
-                <a:spcPts val="1000"/>
-              </a:spcBef>
-              <a:spcAft>
-                <a:spcPts val="0"/>
-              </a:spcAft>
-              <a:buClr>
-                <a:srgbClr val="FFFFFF"/>
-              </a:buClr>
-              <a:buSzPts val="2400"/>
-              <a:buChar char="○"/>
-            </a:pPr>
-            <a:r>
-              <a:rPr lang="en" sz="2400">
-                <a:solidFill>
-                  <a:srgbClr val="FFFFFF"/>
-                </a:solidFill>
-              </a:rPr>
-              <a:t>We are going to use MySQL</a:t>
-            </a:r>
-            <a:endParaRPr sz="2400">
-              <a:solidFill>
-                <a:srgbClr val="FFFFFF"/>
-              </a:solidFill>
-            </a:endParaRPr>
-          </a:p>
-        </p:txBody>
-      </p:sp>
-    </p:spTree>
-  </p:cSld>
-  <p:clrMapOvr>
-    <a:masterClrMapping/>
-  </p:clrMapOvr>
-  <p:timing>
-    <p:tnLst>
-      <p:par>
-        <p:cTn dur="indefinite" nodeType="tmRoot" restart="never">
-          <p:childTnLst>
-            <p:seq concurrent="1" nextAc="seek">
-              <p:cTn dur="indefinite" id="2" nodeType="mainSeq">
-                <p:childTnLst>
-                  <p:par>
-                    <p:cTn fill="hold">
-                      <p:stCondLst>
-                        <p:cond delay="indefinite"/>
-                      </p:stCondLst>
-                      <p:childTnLst>
-                        <p:par>
-                          <p:cTn fill="hold">
-                            <p:stCondLst>
-                              <p:cond delay="0"/>
-                            </p:stCondLst>
-                            <p:childTnLst>
-                              <p:par>
-                                <p:cTn fill="hold" nodeType="clickEffect" presetClass="entr" presetID="10" presetSubtype="0">
-                                  <p:stCondLst>
-                                    <p:cond delay="0"/>
-                                  </p:stCondLst>
-                                  <p:childTnLst>
-                                    <p:set>
-                                      <p:cBhvr>
-                                        <p:cTn dur="1" fill="hold">
-                                          <p:stCondLst>
-                                            <p:cond delay="0"/>
-                                          </p:stCondLst>
-                                        </p:cTn>
-                                        <p:tgtEl>
-                                          <p:spTgt spid="80">
-                                            <p:txEl>
-                                              <p:pRg end="0" st="0"/>
-                                            </p:txEl>
-                                          </p:spTgt>
-                                        </p:tgtEl>
-                                        <p:attrNameLst>
-                                          <p:attrName>style.visibility</p:attrName>
-                                        </p:attrNameLst>
-                                      </p:cBhvr>
-                                      <p:to>
-                                        <p:strVal val="visible"/>
-                                      </p:to>
-                                    </p:set>
-                                    <p:animEffect filter="fade" transition="in">
-                                      <p:cBhvr>
-                                        <p:cTn dur="1000"/>
-                                        <p:tgtEl>
-                                          <p:spTgt spid="80">
-                                            <p:txEl>
-                                              <p:pRg end="0" st="0"/>
-                                            </p:txEl>
-                                          </p:spTgt>
-                                        </p:tgtEl>
-                                      </p:cBhvr>
-                                    </p:animEffect>
-                                  </p:childTnLst>
-                                </p:cTn>
-                              </p:par>
-                            </p:childTnLst>
-                          </p:cTn>
-                        </p:par>
-                      </p:childTnLst>
-                    </p:cTn>
-                  </p:par>
-                  <p:par>
-                    <p:cTn fill="hold">
-                      <p:stCondLst>
-                        <p:cond delay="indefinite"/>
-                      </p:stCondLst>
-                      <p:childTnLst>
-                        <p:par>
-                          <p:cTn fill="hold">
-                            <p:stCondLst>
-                              <p:cond delay="0"/>
-                            </p:stCondLst>
-                            <p:childTnLst>
-                              <p:par>
-                                <p:cTn fill="hold" nodeType="clickEffect" presetClass="entr" presetID="10" presetSubtype="0">
-                                  <p:stCondLst>
-                                    <p:cond delay="0"/>
-                                  </p:stCondLst>
-                                  <p:childTnLst>
-                                    <p:set>
-                                      <p:cBhvr>
-                                        <p:cTn dur="1" fill="hold">
-                                          <p:stCondLst>
-                                            <p:cond delay="0"/>
-                                          </p:stCondLst>
-                                        </p:cTn>
-                                        <p:tgtEl>
-                                          <p:spTgt spid="80">
-                                            <p:txEl>
-                                              <p:pRg end="1" st="1"/>
-                                            </p:txEl>
-                                          </p:spTgt>
-                                        </p:tgtEl>
-                                        <p:attrNameLst>
-                                          <p:attrName>style.visibility</p:attrName>
-                                        </p:attrNameLst>
-                                      </p:cBhvr>
-                                      <p:to>
-                                        <p:strVal val="visible"/>
-                                      </p:to>
-                                    </p:set>
-                                    <p:animEffect filter="fade" transition="in">
-                                      <p:cBhvr>
-                                        <p:cTn dur="1000"/>
-                                        <p:tgtEl>
-                                          <p:spTgt spid="80">
-                                            <p:txEl>
-                                              <p:pRg end="1" st="1"/>
-                                            </p:txEl>
-                                          </p:spTgt>
-                                        </p:tgtEl>
-                                      </p:cBhvr>
-                                    </p:animEffect>
-                                  </p:childTnLst>
-                                </p:cTn>
-                              </p:par>
-                            </p:childTnLst>
-                          </p:cTn>
-                        </p:par>
-                      </p:childTnLst>
-                    </p:cTn>
-                  </p:par>
-                  <p:par>
-                    <p:cTn fill="hold">
-                      <p:stCondLst>
-                        <p:cond delay="indefinite"/>
-                      </p:stCondLst>
-                      <p:childTnLst>
-                        <p:par>
-                          <p:cTn fill="hold">
-                            <p:stCondLst>
-                              <p:cond delay="0"/>
-                            </p:stCondLst>
-                            <p:childTnLst>
-                              <p:par>
-                                <p:cTn fill="hold" nodeType="clickEffect" presetClass="entr" presetID="10" presetSubtype="0">
-                                  <p:stCondLst>
-                                    <p:cond delay="0"/>
-                                  </p:stCondLst>
-                                  <p:childTnLst>
-                                    <p:set>
-                                      <p:cBhvr>
-                                        <p:cTn dur="1" fill="hold">
-                                          <p:stCondLst>
-                                            <p:cond delay="0"/>
-                                          </p:stCondLst>
-                                        </p:cTn>
-                                        <p:tgtEl>
-                                          <p:spTgt spid="80">
-                                            <p:txEl>
-                                              <p:pRg end="2" st="2"/>
-                                            </p:txEl>
-                                          </p:spTgt>
-                                        </p:tgtEl>
-                                        <p:attrNameLst>
-                                          <p:attrName>style.visibility</p:attrName>
-                                        </p:attrNameLst>
-                                      </p:cBhvr>
-                                      <p:to>
-                                        <p:strVal val="visible"/>
-                                      </p:to>
-                                    </p:set>
-                                    <p:animEffect filter="fade" transition="in">
-                                      <p:cBhvr>
-                                        <p:cTn dur="1000"/>
-                                        <p:tgtEl>
-                                          <p:spTgt spid="80">
-                                            <p:txEl>
-                                              <p:pRg end="2" st="2"/>
-                                            </p:txEl>
-                                          </p:spTgt>
-                                        </p:tgtEl>
-                                      </p:cBhvr>
-                                    </p:animEffect>
-                                  </p:childTnLst>
-                                </p:cTn>
-                              </p:par>
-                            </p:childTnLst>
-                          </p:cTn>
-                        </p:par>
-                      </p:childTnLst>
-                    </p:cTn>
-                  </p:par>
-                  <p:par>
-                    <p:cTn fill="hold">
-                      <p:stCondLst>
-                        <p:cond delay="indefinite"/>
-                      </p:stCondLst>
-                      <p:childTnLst>
-                        <p:par>
-                          <p:cTn fill="hold">
-                            <p:stCondLst>
-                              <p:cond delay="0"/>
-                            </p:stCondLst>
-                            <p:childTnLst>
-                              <p:par>
-                                <p:cTn fill="hold" nodeType="clickEffect" presetClass="entr" presetID="10" presetSubtype="0">
-                                  <p:stCondLst>
-                                    <p:cond delay="0"/>
-                                  </p:stCondLst>
-                                  <p:childTnLst>
-                                    <p:set>
-                                      <p:cBhvr>
-                                        <p:cTn dur="1" fill="hold">
-                                          <p:stCondLst>
-                                            <p:cond delay="0"/>
-                                          </p:stCondLst>
-                                        </p:cTn>
-                                        <p:tgtEl>
-                                          <p:spTgt spid="80">
-                                            <p:txEl>
-                                              <p:pRg end="3" st="3"/>
-                                            </p:txEl>
-                                          </p:spTgt>
-                                        </p:tgtEl>
-                                        <p:attrNameLst>
-                                          <p:attrName>style.visibility</p:attrName>
-                                        </p:attrNameLst>
-                                      </p:cBhvr>
-                                      <p:to>
-                                        <p:strVal val="visible"/>
-                                      </p:to>
-                                    </p:set>
-                                    <p:animEffect filter="fade" transition="in">
-                                      <p:cBhvr>
-                                        <p:cTn dur="1000"/>
-                                        <p:tgtEl>
-                                          <p:spTgt spid="80">
-                                            <p:txEl>
-                                              <p:pRg end="3" st="3"/>
-                                            </p:txEl>
-                                          </p:spTgt>
-                                        </p:tgtEl>
-                                      </p:cBhvr>
-                                    </p:animEffect>
-                                  </p:childTnLst>
-                                </p:cTn>
-                              </p:par>
-                            </p:childTnLst>
-                          </p:cTn>
-                        </p:par>
-                      </p:childTnLst>
-                    </p:cTn>
-                  </p:par>
-                  <p:par>
-                    <p:cTn fill="hold">
-                      <p:stCondLst>
-                        <p:cond delay="indefinite"/>
-                      </p:stCondLst>
-                      <p:childTnLst>
-                        <p:par>
-                          <p:cTn fill="hold">
-                            <p:stCondLst>
-                              <p:cond delay="0"/>
-                            </p:stCondLst>
-                            <p:childTnLst>
-                              <p:par>
-                                <p:cTn fill="hold" nodeType="clickEffect" presetClass="entr" presetID="10" presetSubtype="0">
-                                  <p:stCondLst>
-                                    <p:cond delay="0"/>
-                                  </p:stCondLst>
-                                  <p:childTnLst>
-                                    <p:set>
-                                      <p:cBhvr>
-                                        <p:cTn dur="1" fill="hold">
-                                          <p:stCondLst>
-                                            <p:cond delay="0"/>
-                                          </p:stCondLst>
-                                        </p:cTn>
-                                        <p:tgtEl>
-                                          <p:spTgt spid="80">
-                                            <p:txEl>
-                                              <p:pRg end="4" st="4"/>
-                                            </p:txEl>
-                                          </p:spTgt>
-                                        </p:tgtEl>
-                                        <p:attrNameLst>
-                                          <p:attrName>style.visibility</p:attrName>
-                                        </p:attrNameLst>
-                                      </p:cBhvr>
-                                      <p:to>
-                                        <p:strVal val="visible"/>
-                                      </p:to>
-                                    </p:set>
-                                    <p:animEffect filter="fade" transition="in">
-                                      <p:cBhvr>
-                                        <p:cTn dur="1000"/>
-                                        <p:tgtEl>
-                                          <p:spTgt spid="80">
-                                            <p:txEl>
-                                              <p:pRg end="4" st="4"/>
-                                            </p:txEl>
-                                          </p:spTgt>
-                                        </p:tgtEl>
-                                      </p:cBhvr>
-                                    </p:animEffect>
-                                  </p:childTnLst>
-                                </p:cTn>
-                              </p:par>
-                            </p:childTnLst>
-                          </p:cTn>
-                        </p:par>
-                      </p:childTnLst>
-                    </p:cTn>
-                  </p:par>
-                  <p:par>
-                    <p:cTn fill="hold">
-                      <p:stCondLst>
-                        <p:cond delay="indefinite"/>
-                      </p:stCondLst>
-                      <p:childTnLst>
-                        <p:par>
-                          <p:cTn fill="hold">
-                            <p:stCondLst>
-                              <p:cond delay="0"/>
-                            </p:stCondLst>
-                            <p:childTnLst>
-                              <p:par>
-                                <p:cTn fill="hold" nodeType="clickEffect" presetClass="entr" presetID="10" presetSubtype="0">
-                                  <p:stCondLst>
-                                    <p:cond delay="0"/>
-                                  </p:stCondLst>
-                                  <p:childTnLst>
-                                    <p:set>
-                                      <p:cBhvr>
-                                        <p:cTn dur="1" fill="hold">
-                                          <p:stCondLst>
-                                            <p:cond delay="0"/>
-                                          </p:stCondLst>
-                                        </p:cTn>
-                                        <p:tgtEl>
-                                          <p:spTgt spid="80">
-                                            <p:txEl>
-                                              <p:pRg end="5" st="5"/>
-                                            </p:txEl>
-                                          </p:spTgt>
-                                        </p:tgtEl>
-                                        <p:attrNameLst>
-                                          <p:attrName>style.visibility</p:attrName>
-                                        </p:attrNameLst>
-                                      </p:cBhvr>
-                                      <p:to>
-                                        <p:strVal val="visible"/>
-                                      </p:to>
-                                    </p:set>
-                                    <p:animEffect filter="fade" transition="in">
-                                      <p:cBhvr>
-                                        <p:cTn dur="1000"/>
-                                        <p:tgtEl>
-                                          <p:spTgt spid="80">
-                                            <p:txEl>
-                                              <p:pRg end="5" st="5"/>
-                                            </p:txEl>
-                                          </p:spTgt>
-                                        </p:tgtEl>
-                                      </p:cBhvr>
-                                    </p:animEffect>
-                                  </p:childTnLst>
-                                </p:cTn>
-                              </p:par>
-                            </p:childTnLst>
-                          </p:cTn>
-                        </p:par>
-                      </p:childTnLst>
-                    </p:cTn>
-                  </p:par>
-                </p:childTnLst>
-              </p:cTn>
-              <p:prevCondLst>
-                <p:cond evt="onPrev">
-                  <p:tgtEl>
-                    <p:sldTgt/>
-                  </p:tgtEl>
-                </p:cond>
-              </p:prevCondLst>
-              <p:nextCondLst>
-                <p:cond evt="onNext">
-                  <p:tgtEl>
-                    <p:sldTgt/>
-                  </p:tgtEl>
-                </p:cond>
-              </p:nextCondLst>
-            </p:seq>
-          </p:childTnLst>
-        </p:cTn>
-      </p:par>
-    </p:tnLst>
-  </p:timing>
-</p:sld>
-</file>
-
-<file path=ppt/slides/slide6.xml><?xml version="1.0" encoding="utf-8"?>
-<p:sld xmlns:a="http://schemas.openxmlformats.org/drawingml/2006/main" xmlns:r="http://schemas.openxmlformats.org/officeDocument/2006/relationships" xmlns:mc="http://schemas.openxmlformats.org/markup-compatibility/2006" xmlns:mv="urn:schemas-microsoft-com:mac:vml" xmlns:p="http://schemas.openxmlformats.org/presentationml/2006/main" xmlns:c="http://schemas.openxmlformats.org/drawingml/2006/chart" xmlns:dgm="http://schemas.openxmlformats.org/drawingml/2006/diagram" xmlns:o="urn:schemas-microsoft-com:office:office" xmlns:v="urn:schemas-microsoft-com:vml" xmlns:pvml="urn:schemas-microsoft-com:office:powerpoint" xmlns:com="http://schemas.openxmlformats.org/drawingml/2006/compatibility" xmlns:p14="http://schemas.microsoft.com/office/powerpoint/2010/main" xmlns:p15="http://schemas.microsoft.com/office/powerpoint/2012/main">
-  <p:cSld>
-    <p:spTree>
-      <p:nvGrpSpPr>
-        <p:cNvPr id="84" name="Shape 84"/>
-        <p:cNvGrpSpPr/>
-        <p:nvPr/>
-      </p:nvGrpSpPr>
-      <p:grpSpPr>
-        <a:xfrm>
-          <a:off x="0" y="0"/>
-          <a:ext cx="0" cy="0"/>
-          <a:chOff x="0" y="0"/>
-          <a:chExt cx="0" cy="0"/>
-        </a:xfrm>
-      </p:grpSpPr>
-      <p:sp>
-        <p:nvSpPr>
-          <p:cNvPr id="85" name="Shape 85"/>
-          <p:cNvSpPr txBox="1"/>
-          <p:nvPr>
-            <p:ph type="title"/>
-          </p:nvPr>
-        </p:nvSpPr>
-        <p:spPr>
-          <a:xfrm>
-            <a:off x="62275" y="-124550"/>
-            <a:ext cx="8769900" cy="524700"/>
-          </a:xfrm>
-          <a:prstGeom prst="rect">
-            <a:avLst/>
-          </a:prstGeom>
-        </p:spPr>
-        <p:txBody>
-          <a:bodyPr anchorCtr="0" anchor="t" bIns="91425" lIns="91425" spcFirstLastPara="1" rIns="91425" wrap="square" tIns="91425">
-            <a:noAutofit/>
-          </a:bodyPr>
-          <a:lstStyle/>
-          <a:p>
-            <a:pPr indent="0" lvl="0" marL="0" rtl="0">
-              <a:spcBef>
-                <a:spcPts val="0"/>
-              </a:spcBef>
-              <a:spcAft>
-                <a:spcPts val="0"/>
-              </a:spcAft>
-              <a:buNone/>
-            </a:pPr>
-            <a:r>
-              <a:rPr lang="en" sz="4000"/>
-              <a:t>What is Relational DB</a:t>
-            </a:r>
-            <a:r>
-              <a:rPr lang="en" sz="4000"/>
-              <a:t>?</a:t>
-            </a:r>
-            <a:endParaRPr sz="4000"/>
-          </a:p>
-        </p:txBody>
-      </p:sp>
-      <p:sp>
-        <p:nvSpPr>
-          <p:cNvPr id="86" name="Shape 86"/>
-          <p:cNvSpPr txBox="1"/>
-          <p:nvPr/>
-        </p:nvSpPr>
-        <p:spPr>
-          <a:xfrm>
-            <a:off x="418050" y="658225"/>
-            <a:ext cx="8619300" cy="4349700"/>
-          </a:xfrm>
-          <a:prstGeom prst="rect">
-            <a:avLst/>
-          </a:prstGeom>
-          <a:noFill/>
-          <a:ln>
-            <a:noFill/>
-          </a:ln>
-        </p:spPr>
-        <p:txBody>
-          <a:bodyPr anchorCtr="0" anchor="t" bIns="91425" lIns="91425" spcFirstLastPara="1" rIns="91425" wrap="square" tIns="91425">
-            <a:noAutofit/>
-          </a:bodyPr>
-          <a:lstStyle/>
-          <a:p>
-            <a:pPr indent="-381000" lvl="0" marL="457200" rtl="0">
-              <a:lnSpc>
-                <a:spcPct val="115000"/>
-              </a:lnSpc>
-              <a:spcBef>
-                <a:spcPts val="1000"/>
-              </a:spcBef>
-              <a:spcAft>
-                <a:spcPts val="0"/>
-              </a:spcAft>
-              <a:buClr>
-                <a:srgbClr val="FFFFFF"/>
-              </a:buClr>
-              <a:buSzPts val="2400"/>
-              <a:buChar char="●"/>
-            </a:pPr>
-            <a:r>
-              <a:rPr lang="en" sz="2400">
-                <a:solidFill>
-                  <a:srgbClr val="FFFFFF"/>
-                </a:solidFill>
-              </a:rPr>
-              <a:t>The data relates (references) to each other</a:t>
-            </a:r>
-            <a:endParaRPr sz="2400">
-              <a:solidFill>
-                <a:srgbClr val="FFFFFF"/>
-              </a:solidFill>
-            </a:endParaRPr>
-          </a:p>
-          <a:p>
-            <a:pPr indent="-381000" lvl="0" marL="457200" rtl="0">
-              <a:lnSpc>
-                <a:spcPct val="115000"/>
-              </a:lnSpc>
-              <a:spcBef>
-                <a:spcPts val="1000"/>
-              </a:spcBef>
-              <a:spcAft>
-                <a:spcPts val="0"/>
-              </a:spcAft>
-              <a:buClr>
-                <a:srgbClr val="FFFFFF"/>
-              </a:buClr>
-              <a:buSzPts val="2400"/>
-              <a:buChar char="●"/>
-            </a:pPr>
-            <a:r>
-              <a:rPr lang="en" sz="2400">
-                <a:solidFill>
-                  <a:srgbClr val="FFFFFF"/>
-                </a:solidFill>
-              </a:rPr>
-              <a:t>One to Many</a:t>
-            </a:r>
-            <a:endParaRPr sz="2400">
-              <a:solidFill>
-                <a:srgbClr val="FFFFFF"/>
-              </a:solidFill>
-            </a:endParaRPr>
-          </a:p>
-          <a:p>
-            <a:pPr indent="-381000" lvl="1" marL="914400" rtl="0">
-              <a:lnSpc>
-                <a:spcPct val="115000"/>
-              </a:lnSpc>
-              <a:spcBef>
-                <a:spcPts val="0"/>
-              </a:spcBef>
-              <a:spcAft>
-                <a:spcPts val="0"/>
-              </a:spcAft>
-              <a:buClr>
-                <a:srgbClr val="FFFFFF"/>
-              </a:buClr>
-              <a:buSzPts val="2400"/>
-              <a:buChar char="○"/>
-            </a:pPr>
-            <a:r>
-              <a:rPr lang="en" sz="2400">
-                <a:solidFill>
-                  <a:srgbClr val="FFFFFF"/>
-                </a:solidFill>
-              </a:rPr>
-              <a:t>Dorm room to students</a:t>
-            </a:r>
-            <a:endParaRPr sz="2400">
-              <a:solidFill>
-                <a:srgbClr val="FFFFFF"/>
-              </a:solidFill>
-            </a:endParaRPr>
-          </a:p>
-          <a:p>
-            <a:pPr indent="-381000" lvl="0" marL="457200" rtl="0">
-              <a:lnSpc>
-                <a:spcPct val="115000"/>
-              </a:lnSpc>
-              <a:spcBef>
-                <a:spcPts val="1000"/>
-              </a:spcBef>
-              <a:spcAft>
-                <a:spcPts val="0"/>
-              </a:spcAft>
-              <a:buClr>
-                <a:srgbClr val="FFFFFF"/>
-              </a:buClr>
-              <a:buSzPts val="2400"/>
-              <a:buChar char="●"/>
-            </a:pPr>
-            <a:r>
-              <a:rPr lang="en" sz="2400">
-                <a:solidFill>
-                  <a:srgbClr val="FFFFFF"/>
-                </a:solidFill>
-              </a:rPr>
-              <a:t>Many to Many</a:t>
-            </a:r>
-            <a:endParaRPr sz="2400">
-              <a:solidFill>
-                <a:srgbClr val="FFFFFF"/>
-              </a:solidFill>
-            </a:endParaRPr>
-          </a:p>
-          <a:p>
-            <a:pPr indent="-381000" lvl="1" marL="914400" rtl="0">
-              <a:lnSpc>
-                <a:spcPct val="115000"/>
-              </a:lnSpc>
-              <a:spcBef>
-                <a:spcPts val="0"/>
-              </a:spcBef>
-              <a:spcAft>
-                <a:spcPts val="0"/>
-              </a:spcAft>
-              <a:buClr>
-                <a:srgbClr val="FFFFFF"/>
-              </a:buClr>
-              <a:buSzPts val="2400"/>
-              <a:buChar char="○"/>
-            </a:pPr>
-            <a:r>
-              <a:rPr lang="en" sz="2400">
-                <a:solidFill>
-                  <a:srgbClr val="FFFFFF"/>
-                </a:solidFill>
-              </a:rPr>
-              <a:t>Classes to students</a:t>
-            </a:r>
-            <a:endParaRPr sz="2400">
-              <a:solidFill>
-                <a:srgbClr val="FFFFFF"/>
-              </a:solidFill>
-            </a:endParaRPr>
-          </a:p>
-        </p:txBody>
-      </p:sp>
-    </p:spTree>
-  </p:cSld>
-  <p:clrMapOvr>
-    <a:masterClrMapping/>
-  </p:clrMapOvr>
-  <p:timing>
-    <p:tnLst>
-      <p:par>
-        <p:cTn dur="indefinite" nodeType="tmRoot" restart="never">
-          <p:childTnLst>
-            <p:seq concurrent="1" nextAc="seek">
-              <p:cTn dur="indefinite" id="2" nodeType="mainSeq">
-                <p:childTnLst>
-                  <p:par>
-                    <p:cTn fill="hold">
-                      <p:stCondLst>
-                        <p:cond delay="indefinite"/>
-                      </p:stCondLst>
-                      <p:childTnLst>
-                        <p:par>
-                          <p:cTn fill="hold">
-                            <p:stCondLst>
-                              <p:cond delay="0"/>
-                            </p:stCondLst>
-                            <p:childTnLst>
-                              <p:par>
-                                <p:cTn fill="hold" nodeType="clickEffect" presetClass="entr" presetID="10" presetSubtype="0">
-                                  <p:stCondLst>
-                                    <p:cond delay="0"/>
-                                  </p:stCondLst>
-                                  <p:childTnLst>
-                                    <p:set>
-                                      <p:cBhvr>
-                                        <p:cTn dur="1" fill="hold">
-                                          <p:stCondLst>
-                                            <p:cond delay="0"/>
-                                          </p:stCondLst>
-                                        </p:cTn>
-                                        <p:tgtEl>
-                                          <p:spTgt spid="86">
-                                            <p:txEl>
-                                              <p:pRg end="0" st="0"/>
-                                            </p:txEl>
-                                          </p:spTgt>
-                                        </p:tgtEl>
-                                        <p:attrNameLst>
-                                          <p:attrName>style.visibility</p:attrName>
-                                        </p:attrNameLst>
-                                      </p:cBhvr>
-                                      <p:to>
-                                        <p:strVal val="visible"/>
-                                      </p:to>
-                                    </p:set>
-                                    <p:animEffect filter="fade" transition="in">
-                                      <p:cBhvr>
-                                        <p:cTn dur="1000"/>
-                                        <p:tgtEl>
-                                          <p:spTgt spid="86">
-                                            <p:txEl>
-                                              <p:pRg end="0" st="0"/>
-                                            </p:txEl>
-                                          </p:spTgt>
-                                        </p:tgtEl>
-                                      </p:cBhvr>
-                                    </p:animEffect>
-                                  </p:childTnLst>
-                                </p:cTn>
-                              </p:par>
-                            </p:childTnLst>
-                          </p:cTn>
-                        </p:par>
-                      </p:childTnLst>
-                    </p:cTn>
-                  </p:par>
-                  <p:par>
-                    <p:cTn fill="hold">
-                      <p:stCondLst>
-                        <p:cond delay="indefinite"/>
-                      </p:stCondLst>
-                      <p:childTnLst>
-                        <p:par>
-                          <p:cTn fill="hold">
-                            <p:stCondLst>
-                              <p:cond delay="0"/>
-                            </p:stCondLst>
-                            <p:childTnLst>
-                              <p:par>
-                                <p:cTn fill="hold" nodeType="clickEffect" presetClass="entr" presetID="10" presetSubtype="0">
-                                  <p:stCondLst>
-                                    <p:cond delay="0"/>
-                                  </p:stCondLst>
-                                  <p:childTnLst>
-                                    <p:set>
-                                      <p:cBhvr>
-                                        <p:cTn dur="1" fill="hold">
-                                          <p:stCondLst>
-                                            <p:cond delay="0"/>
-                                          </p:stCondLst>
-                                        </p:cTn>
-                                        <p:tgtEl>
-                                          <p:spTgt spid="86">
-                                            <p:txEl>
-                                              <p:pRg end="1" st="1"/>
-                                            </p:txEl>
-                                          </p:spTgt>
-                                        </p:tgtEl>
-                                        <p:attrNameLst>
-                                          <p:attrName>style.visibility</p:attrName>
-                                        </p:attrNameLst>
-                                      </p:cBhvr>
-                                      <p:to>
-                                        <p:strVal val="visible"/>
-                                      </p:to>
-                                    </p:set>
-                                    <p:animEffect filter="fade" transition="in">
-                                      <p:cBhvr>
-                                        <p:cTn dur="1000"/>
-                                        <p:tgtEl>
-                                          <p:spTgt spid="86">
-                                            <p:txEl>
-                                              <p:pRg end="1" st="1"/>
-                                            </p:txEl>
-                                          </p:spTgt>
-                                        </p:tgtEl>
-                                      </p:cBhvr>
-                                    </p:animEffect>
-                                  </p:childTnLst>
-                                </p:cTn>
-                              </p:par>
-                            </p:childTnLst>
-                          </p:cTn>
-                        </p:par>
-                      </p:childTnLst>
-                    </p:cTn>
-                  </p:par>
-                  <p:par>
-                    <p:cTn fill="hold">
-                      <p:stCondLst>
-                        <p:cond delay="indefinite"/>
-                      </p:stCondLst>
-                      <p:childTnLst>
-                        <p:par>
-                          <p:cTn fill="hold">
-                            <p:stCondLst>
-                              <p:cond delay="0"/>
-                            </p:stCondLst>
-                            <p:childTnLst>
-                              <p:par>
-                                <p:cTn fill="hold" nodeType="clickEffect" presetClass="entr" presetID="10" presetSubtype="0">
-                                  <p:stCondLst>
-                                    <p:cond delay="0"/>
-                                  </p:stCondLst>
-                                  <p:childTnLst>
-                                    <p:set>
-                                      <p:cBhvr>
-                                        <p:cTn dur="1" fill="hold">
-                                          <p:stCondLst>
-                                            <p:cond delay="0"/>
-                                          </p:stCondLst>
-                                        </p:cTn>
-                                        <p:tgtEl>
-                                          <p:spTgt spid="86">
-                                            <p:txEl>
-                                              <p:pRg end="2" st="2"/>
-                                            </p:txEl>
-                                          </p:spTgt>
-                                        </p:tgtEl>
-                                        <p:attrNameLst>
-                                          <p:attrName>style.visibility</p:attrName>
-                                        </p:attrNameLst>
-                                      </p:cBhvr>
-                                      <p:to>
-                                        <p:strVal val="visible"/>
-                                      </p:to>
-                                    </p:set>
-                                    <p:animEffect filter="fade" transition="in">
-                                      <p:cBhvr>
-                                        <p:cTn dur="1000"/>
-                                        <p:tgtEl>
-                                          <p:spTgt spid="86">
-                                            <p:txEl>
-                                              <p:pRg end="2" st="2"/>
-                                            </p:txEl>
-                                          </p:spTgt>
-                                        </p:tgtEl>
-                                      </p:cBhvr>
-                                    </p:animEffect>
-                                  </p:childTnLst>
-                                </p:cTn>
-                              </p:par>
-                            </p:childTnLst>
-                          </p:cTn>
-                        </p:par>
-                      </p:childTnLst>
-                    </p:cTn>
-                  </p:par>
-                  <p:par>
-                    <p:cTn fill="hold">
-                      <p:stCondLst>
-                        <p:cond delay="indefinite"/>
-                      </p:stCondLst>
-                      <p:childTnLst>
-                        <p:par>
-                          <p:cTn fill="hold">
-                            <p:stCondLst>
-                              <p:cond delay="0"/>
-                            </p:stCondLst>
-                            <p:childTnLst>
-                              <p:par>
-                                <p:cTn fill="hold" nodeType="clickEffect" presetClass="entr" presetID="10" presetSubtype="0">
-                                  <p:stCondLst>
-                                    <p:cond delay="0"/>
-                                  </p:stCondLst>
-                                  <p:childTnLst>
-                                    <p:set>
-                                      <p:cBhvr>
-                                        <p:cTn dur="1" fill="hold">
-                                          <p:stCondLst>
-                                            <p:cond delay="0"/>
-                                          </p:stCondLst>
-                                        </p:cTn>
-                                        <p:tgtEl>
-                                          <p:spTgt spid="86">
-                                            <p:txEl>
-                                              <p:pRg end="3" st="3"/>
-                                            </p:txEl>
-                                          </p:spTgt>
-                                        </p:tgtEl>
-                                        <p:attrNameLst>
-                                          <p:attrName>style.visibility</p:attrName>
-                                        </p:attrNameLst>
-                                      </p:cBhvr>
-                                      <p:to>
-                                        <p:strVal val="visible"/>
-                                      </p:to>
-                                    </p:set>
-                                    <p:animEffect filter="fade" transition="in">
-                                      <p:cBhvr>
-                                        <p:cTn dur="1000"/>
-                                        <p:tgtEl>
-                                          <p:spTgt spid="86">
-                                            <p:txEl>
-                                              <p:pRg end="3" st="3"/>
-                                            </p:txEl>
-                                          </p:spTgt>
-                                        </p:tgtEl>
-                                      </p:cBhvr>
-                                    </p:animEffect>
-                                  </p:childTnLst>
-                                </p:cTn>
-                              </p:par>
-                            </p:childTnLst>
-                          </p:cTn>
-                        </p:par>
-                      </p:childTnLst>
-                    </p:cTn>
-                  </p:par>
-                  <p:par>
-                    <p:cTn fill="hold">
-                      <p:stCondLst>
-                        <p:cond delay="indefinite"/>
-                      </p:stCondLst>
-                      <p:childTnLst>
-                        <p:par>
-                          <p:cTn fill="hold">
-                            <p:stCondLst>
-                              <p:cond delay="0"/>
-                            </p:stCondLst>
-                            <p:childTnLst>
-                              <p:par>
-                                <p:cTn fill="hold" nodeType="clickEffect" presetClass="entr" presetID="10" presetSubtype="0">
-                                  <p:stCondLst>
-                                    <p:cond delay="0"/>
-                                  </p:stCondLst>
-                                  <p:childTnLst>
-                                    <p:set>
-                                      <p:cBhvr>
-                                        <p:cTn dur="1" fill="hold">
-                                          <p:stCondLst>
-                                            <p:cond delay="0"/>
-                                          </p:stCondLst>
-                                        </p:cTn>
-                                        <p:tgtEl>
-                                          <p:spTgt spid="86">
-                                            <p:txEl>
-                                              <p:pRg end="4" st="4"/>
-                                            </p:txEl>
-                                          </p:spTgt>
-                                        </p:tgtEl>
-                                        <p:attrNameLst>
-                                          <p:attrName>style.visibility</p:attrName>
-                                        </p:attrNameLst>
-                                      </p:cBhvr>
-                                      <p:to>
-                                        <p:strVal val="visible"/>
-                                      </p:to>
-                                    </p:set>
-                                    <p:animEffect filter="fade" transition="in">
-                                      <p:cBhvr>
-                                        <p:cTn dur="1000"/>
-                                        <p:tgtEl>
-                                          <p:spTgt spid="86">
-                                            <p:txEl>
-                                              <p:pRg end="4" st="4"/>
-                                            </p:txEl>
-                                          </p:spTgt>
-                                        </p:tgtEl>
-                                      </p:cBhvr>
-                                    </p:animEffect>
-                                  </p:childTnLst>
-                                </p:cTn>
-                              </p:par>
-                            </p:childTnLst>
-                          </p:cTn>
-                        </p:par>
-                      </p:childTnLst>
-                    </p:cTn>
-                  </p:par>
-                </p:childTnLst>
-              </p:cTn>
-              <p:prevCondLst>
-                <p:cond evt="onPrev">
-                  <p:tgtEl>
-                    <p:sldTgt/>
-                  </p:tgtEl>
-                </p:cond>
-              </p:prevCondLst>
-              <p:nextCondLst>
-                <p:cond evt="onNext">
+                <p:cond evt="onNext" delay="0">
                   <p:tgtEl>
                     <p:sldTgt/>
                   </p:tgtEl>
@@ -8974,11 +8029,11 @@
 </file>
 
 <file path=ppt/slides/slide7.xml><?xml version="1.0" encoding="utf-8"?>
-<p:sld xmlns:a="http://schemas.openxmlformats.org/drawingml/2006/main" xmlns:r="http://schemas.openxmlformats.org/officeDocument/2006/relationships" xmlns:mc="http://schemas.openxmlformats.org/markup-compatibility/2006" xmlns:mv="urn:schemas-microsoft-com:mac:vml" xmlns:p="http://schemas.openxmlformats.org/presentationml/2006/main" xmlns:c="http://schemas.openxmlformats.org/drawingml/2006/chart" xmlns:dgm="http://schemas.openxmlformats.org/drawingml/2006/diagram" xmlns:o="urn:schemas-microsoft-com:office:office" xmlns:v="urn:schemas-microsoft-com:vml" xmlns:pvml="urn:schemas-microsoft-com:office:powerpoint" xmlns:com="http://schemas.openxmlformats.org/drawingml/2006/compatibility" xmlns:p14="http://schemas.microsoft.com/office/powerpoint/2010/main" xmlns:p15="http://schemas.microsoft.com/office/powerpoint/2012/main">
+<p:sld xmlns:a="http://schemas.openxmlformats.org/drawingml/2006/main" xmlns:r="http://schemas.openxmlformats.org/officeDocument/2006/relationships" xmlns:p="http://schemas.openxmlformats.org/presentationml/2006/main">
   <p:cSld>
     <p:spTree>
       <p:nvGrpSpPr>
-        <p:cNvPr id="90" name="Shape 90"/>
+        <p:cNvPr id="1" name=""/>
         <p:cNvGrpSpPr/>
         <p:nvPr/>
       </p:nvGrpSpPr>
@@ -8992,483 +8047,51 @@
       </p:grpSpPr>
       <p:sp>
         <p:nvSpPr>
-          <p:cNvPr id="91" name="Shape 91"/>
-          <p:cNvSpPr txBox="1"/>
+          <p:cNvPr id="2" name="Title 1">
+            <a:extLst>
+              <a:ext uri="{FF2B5EF4-FFF2-40B4-BE49-F238E27FC236}">
+                <a16:creationId xmlns:a16="http://schemas.microsoft.com/office/drawing/2014/main" id="{4CA1D703-8BBD-4963-8604-EB1BB7521617}"/>
+              </a:ext>
+            </a:extLst>
+          </p:cNvPr>
+          <p:cNvSpPr>
+            <a:spLocks noGrp="1"/>
+          </p:cNvSpPr>
           <p:nvPr>
             <p:ph type="title"/>
           </p:nvPr>
         </p:nvSpPr>
-        <p:spPr>
-          <a:xfrm>
-            <a:off x="62275" y="-124550"/>
-            <a:ext cx="8769900" cy="524700"/>
-          </a:xfrm>
-          <a:prstGeom prst="rect">
-            <a:avLst/>
-          </a:prstGeom>
-        </p:spPr>
+        <p:spPr/>
         <p:txBody>
-          <a:bodyPr anchorCtr="0" anchor="t" bIns="91425" lIns="91425" spcFirstLastPara="1" rIns="91425" wrap="square" tIns="91425">
-            <a:noAutofit/>
-          </a:bodyPr>
+          <a:bodyPr/>
           <a:lstStyle/>
           <a:p>
-            <a:pPr indent="0" lvl="0" marL="0" rtl="0">
-              <a:spcBef>
-                <a:spcPts val="0"/>
-              </a:spcBef>
-              <a:spcAft>
-                <a:spcPts val="0"/>
-              </a:spcAft>
-              <a:buNone/>
-            </a:pPr>
             <a:r>
-              <a:rPr lang="en" sz="4000"/>
-              <a:t>What is relating to each other?</a:t>
+              <a:rPr lang="en-US" dirty="0"/>
+              <a:t>Q &amp; A</a:t>
             </a:r>
-            <a:endParaRPr sz="4000"/>
-          </a:p>
-        </p:txBody>
-      </p:sp>
-      <p:sp>
-        <p:nvSpPr>
-          <p:cNvPr id="92" name="Shape 92"/>
-          <p:cNvSpPr txBox="1"/>
-          <p:nvPr/>
-        </p:nvSpPr>
-        <p:spPr>
-          <a:xfrm>
-            <a:off x="418050" y="658225"/>
-            <a:ext cx="8619300" cy="4349700"/>
-          </a:xfrm>
-          <a:prstGeom prst="rect">
-            <a:avLst/>
-          </a:prstGeom>
-          <a:noFill/>
-          <a:ln>
-            <a:noFill/>
-          </a:ln>
-        </p:spPr>
-        <p:txBody>
-          <a:bodyPr anchorCtr="0" anchor="t" bIns="91425" lIns="91425" spcFirstLastPara="1" rIns="91425" wrap="square" tIns="91425">
-            <a:noAutofit/>
-          </a:bodyPr>
-          <a:lstStyle/>
-          <a:p>
-            <a:pPr indent="-381000" lvl="0" marL="457200" marR="0" rtl="0" algn="l">
-              <a:lnSpc>
-                <a:spcPct val="115000"/>
-              </a:lnSpc>
-              <a:spcBef>
-                <a:spcPts val="1000"/>
-              </a:spcBef>
-              <a:spcAft>
-                <a:spcPts val="0"/>
-              </a:spcAft>
-              <a:buClr>
-                <a:srgbClr val="FFFFFF"/>
-              </a:buClr>
-              <a:buSzPts val="2400"/>
-              <a:buFont typeface="Arial"/>
-              <a:buChar char="●"/>
-            </a:pPr>
-            <a:r>
-              <a:rPr lang="en" sz="2400">
-                <a:solidFill>
-                  <a:srgbClr val="FFFFFF"/>
-                </a:solidFill>
-              </a:rPr>
-              <a:t>Tables</a:t>
-            </a:r>
-            <a:endParaRPr sz="2400">
-              <a:solidFill>
-                <a:srgbClr val="FFFFFF"/>
-              </a:solidFill>
-            </a:endParaRPr>
-          </a:p>
-          <a:p>
-            <a:pPr indent="-381000" lvl="1" marL="914400" marR="0" rtl="0" algn="l">
-              <a:lnSpc>
-                <a:spcPct val="115000"/>
-              </a:lnSpc>
-              <a:spcBef>
-                <a:spcPts val="1000"/>
-              </a:spcBef>
-              <a:spcAft>
-                <a:spcPts val="0"/>
-              </a:spcAft>
-              <a:buClr>
-                <a:srgbClr val="FFFFFF"/>
-              </a:buClr>
-              <a:buSzPts val="2400"/>
-              <a:buChar char="○"/>
-            </a:pPr>
-            <a:r>
-              <a:rPr lang="en" sz="2400">
-                <a:solidFill>
-                  <a:srgbClr val="FFFFFF"/>
-                </a:solidFill>
-              </a:rPr>
-              <a:t>Have columns</a:t>
-            </a:r>
-            <a:endParaRPr sz="2400">
-              <a:solidFill>
-                <a:srgbClr val="FFFFFF"/>
-              </a:solidFill>
-            </a:endParaRPr>
-          </a:p>
-          <a:p>
-            <a:pPr indent="-381000" lvl="1" marL="914400" marR="0" rtl="0" algn="l">
-              <a:lnSpc>
-                <a:spcPct val="115000"/>
-              </a:lnSpc>
-              <a:spcBef>
-                <a:spcPts val="1000"/>
-              </a:spcBef>
-              <a:spcAft>
-                <a:spcPts val="0"/>
-              </a:spcAft>
-              <a:buClr>
-                <a:srgbClr val="FFFFFF"/>
-              </a:buClr>
-              <a:buSzPts val="2400"/>
-              <a:buChar char="○"/>
-            </a:pPr>
-            <a:r>
-              <a:rPr lang="en" sz="2400">
-                <a:solidFill>
-                  <a:srgbClr val="FFFFFF"/>
-                </a:solidFill>
-              </a:rPr>
-              <a:t>Row for each entry into the table</a:t>
-            </a:r>
-            <a:endParaRPr sz="2400">
-              <a:solidFill>
-                <a:srgbClr val="FFFFFF"/>
-              </a:solidFill>
-            </a:endParaRPr>
-          </a:p>
-          <a:p>
-            <a:pPr indent="-381000" lvl="1" marL="914400" marR="0" rtl="0" algn="l">
-              <a:lnSpc>
-                <a:spcPct val="115000"/>
-              </a:lnSpc>
-              <a:spcBef>
-                <a:spcPts val="1000"/>
-              </a:spcBef>
-              <a:spcAft>
-                <a:spcPts val="0"/>
-              </a:spcAft>
-              <a:buClr>
-                <a:srgbClr val="FFFFFF"/>
-              </a:buClr>
-              <a:buSzPts val="2400"/>
-              <a:buChar char="○"/>
-            </a:pPr>
-            <a:r>
-              <a:rPr lang="en" sz="2400">
-                <a:solidFill>
-                  <a:srgbClr val="FFFFFF"/>
-                </a:solidFill>
-              </a:rPr>
-              <a:t>Think of them as spread sheets</a:t>
-            </a:r>
-            <a:endParaRPr sz="2400">
-              <a:solidFill>
-                <a:srgbClr val="FFFFFF"/>
-              </a:solidFill>
-            </a:endParaRPr>
           </a:p>
         </p:txBody>
       </p:sp>
     </p:spTree>
+    <p:extLst>
+      <p:ext uri="{BB962C8B-B14F-4D97-AF65-F5344CB8AC3E}">
+        <p14:creationId xmlns:p14="http://schemas.microsoft.com/office/powerpoint/2010/main" val="2589605758"/>
+      </p:ext>
+    </p:extLst>
   </p:cSld>
   <p:clrMapOvr>
     <a:masterClrMapping/>
   </p:clrMapOvr>
-  <p:timing>
-    <p:tnLst>
-      <p:par>
-        <p:cTn dur="indefinite" nodeType="tmRoot" restart="never">
-          <p:childTnLst>
-            <p:seq concurrent="1" nextAc="seek">
-              <p:cTn dur="indefinite" id="2" nodeType="mainSeq">
-                <p:childTnLst>
-                  <p:par>
-                    <p:cTn fill="hold">
-                      <p:stCondLst>
-                        <p:cond delay="indefinite"/>
-                      </p:stCondLst>
-                      <p:childTnLst>
-                        <p:par>
-                          <p:cTn fill="hold">
-                            <p:stCondLst>
-                              <p:cond delay="0"/>
-                            </p:stCondLst>
-                            <p:childTnLst>
-                              <p:par>
-                                <p:cTn fill="hold" nodeType="clickEffect" presetClass="entr" presetID="10" presetSubtype="0">
-                                  <p:stCondLst>
-                                    <p:cond delay="0"/>
-                                  </p:stCondLst>
-                                  <p:childTnLst>
-                                    <p:set>
-                                      <p:cBhvr>
-                                        <p:cTn dur="1" fill="hold">
-                                          <p:stCondLst>
-                                            <p:cond delay="0"/>
-                                          </p:stCondLst>
-                                        </p:cTn>
-                                        <p:tgtEl>
-                                          <p:spTgt spid="92">
-                                            <p:txEl>
-                                              <p:pRg end="0" st="0"/>
-                                            </p:txEl>
-                                          </p:spTgt>
-                                        </p:tgtEl>
-                                        <p:attrNameLst>
-                                          <p:attrName>style.visibility</p:attrName>
-                                        </p:attrNameLst>
-                                      </p:cBhvr>
-                                      <p:to>
-                                        <p:strVal val="visible"/>
-                                      </p:to>
-                                    </p:set>
-                                    <p:animEffect filter="fade" transition="in">
-                                      <p:cBhvr>
-                                        <p:cTn dur="1000"/>
-                                        <p:tgtEl>
-                                          <p:spTgt spid="92">
-                                            <p:txEl>
-                                              <p:pRg end="0" st="0"/>
-                                            </p:txEl>
-                                          </p:spTgt>
-                                        </p:tgtEl>
-                                      </p:cBhvr>
-                                    </p:animEffect>
-                                  </p:childTnLst>
-                                </p:cTn>
-                              </p:par>
-                            </p:childTnLst>
-                          </p:cTn>
-                        </p:par>
-                      </p:childTnLst>
-                    </p:cTn>
-                  </p:par>
-                  <p:par>
-                    <p:cTn fill="hold">
-                      <p:stCondLst>
-                        <p:cond delay="indefinite"/>
-                      </p:stCondLst>
-                      <p:childTnLst>
-                        <p:par>
-                          <p:cTn fill="hold">
-                            <p:stCondLst>
-                              <p:cond delay="0"/>
-                            </p:stCondLst>
-                            <p:childTnLst>
-                              <p:par>
-                                <p:cTn fill="hold" nodeType="clickEffect" presetClass="entr" presetID="10" presetSubtype="0">
-                                  <p:stCondLst>
-                                    <p:cond delay="0"/>
-                                  </p:stCondLst>
-                                  <p:childTnLst>
-                                    <p:set>
-                                      <p:cBhvr>
-                                        <p:cTn dur="1" fill="hold">
-                                          <p:stCondLst>
-                                            <p:cond delay="0"/>
-                                          </p:stCondLst>
-                                        </p:cTn>
-                                        <p:tgtEl>
-                                          <p:spTgt spid="92">
-                                            <p:txEl>
-                                              <p:pRg end="1" st="1"/>
-                                            </p:txEl>
-                                          </p:spTgt>
-                                        </p:tgtEl>
-                                        <p:attrNameLst>
-                                          <p:attrName>style.visibility</p:attrName>
-                                        </p:attrNameLst>
-                                      </p:cBhvr>
-                                      <p:to>
-                                        <p:strVal val="visible"/>
-                                      </p:to>
-                                    </p:set>
-                                    <p:animEffect filter="fade" transition="in">
-                                      <p:cBhvr>
-                                        <p:cTn dur="1000"/>
-                                        <p:tgtEl>
-                                          <p:spTgt spid="92">
-                                            <p:txEl>
-                                              <p:pRg end="1" st="1"/>
-                                            </p:txEl>
-                                          </p:spTgt>
-                                        </p:tgtEl>
-                                      </p:cBhvr>
-                                    </p:animEffect>
-                                  </p:childTnLst>
-                                </p:cTn>
-                              </p:par>
-                            </p:childTnLst>
-                          </p:cTn>
-                        </p:par>
-                      </p:childTnLst>
-                    </p:cTn>
-                  </p:par>
-                  <p:par>
-                    <p:cTn fill="hold">
-                      <p:stCondLst>
-                        <p:cond delay="indefinite"/>
-                      </p:stCondLst>
-                      <p:childTnLst>
-                        <p:par>
-                          <p:cTn fill="hold">
-                            <p:stCondLst>
-                              <p:cond delay="0"/>
-                            </p:stCondLst>
-                            <p:childTnLst>
-                              <p:par>
-                                <p:cTn fill="hold" nodeType="clickEffect" presetClass="entr" presetID="10" presetSubtype="0">
-                                  <p:stCondLst>
-                                    <p:cond delay="0"/>
-                                  </p:stCondLst>
-                                  <p:childTnLst>
-                                    <p:set>
-                                      <p:cBhvr>
-                                        <p:cTn dur="1" fill="hold">
-                                          <p:stCondLst>
-                                            <p:cond delay="0"/>
-                                          </p:stCondLst>
-                                        </p:cTn>
-                                        <p:tgtEl>
-                                          <p:spTgt spid="92">
-                                            <p:txEl>
-                                              <p:pRg end="2" st="2"/>
-                                            </p:txEl>
-                                          </p:spTgt>
-                                        </p:tgtEl>
-                                        <p:attrNameLst>
-                                          <p:attrName>style.visibility</p:attrName>
-                                        </p:attrNameLst>
-                                      </p:cBhvr>
-                                      <p:to>
-                                        <p:strVal val="visible"/>
-                                      </p:to>
-                                    </p:set>
-                                    <p:animEffect filter="fade" transition="in">
-                                      <p:cBhvr>
-                                        <p:cTn dur="1000"/>
-                                        <p:tgtEl>
-                                          <p:spTgt spid="92">
-                                            <p:txEl>
-                                              <p:pRg end="2" st="2"/>
-                                            </p:txEl>
-                                          </p:spTgt>
-                                        </p:tgtEl>
-                                      </p:cBhvr>
-                                    </p:animEffect>
-                                  </p:childTnLst>
-                                </p:cTn>
-                              </p:par>
-                            </p:childTnLst>
-                          </p:cTn>
-                        </p:par>
-                      </p:childTnLst>
-                    </p:cTn>
-                  </p:par>
-                  <p:par>
-                    <p:cTn fill="hold">
-                      <p:stCondLst>
-                        <p:cond delay="indefinite"/>
-                      </p:stCondLst>
-                      <p:childTnLst>
-                        <p:par>
-                          <p:cTn fill="hold">
-                            <p:stCondLst>
-                              <p:cond delay="0"/>
-                            </p:stCondLst>
-                            <p:childTnLst>
-                              <p:par>
-                                <p:cTn fill="hold" nodeType="clickEffect" presetClass="entr" presetID="10" presetSubtype="0">
-                                  <p:stCondLst>
-                                    <p:cond delay="0"/>
-                                  </p:stCondLst>
-                                  <p:childTnLst>
-                                    <p:set>
-                                      <p:cBhvr>
-                                        <p:cTn dur="1" fill="hold">
-                                          <p:stCondLst>
-                                            <p:cond delay="0"/>
-                                          </p:stCondLst>
-                                        </p:cTn>
-                                        <p:tgtEl>
-                                          <p:spTgt spid="92">
-                                            <p:txEl>
-                                              <p:pRg end="3" st="3"/>
-                                            </p:txEl>
-                                          </p:spTgt>
-                                        </p:tgtEl>
-                                        <p:attrNameLst>
-                                          <p:attrName>style.visibility</p:attrName>
-                                        </p:attrNameLst>
-                                      </p:cBhvr>
-                                      <p:to>
-                                        <p:strVal val="visible"/>
-                                      </p:to>
-                                    </p:set>
-                                    <p:animEffect filter="fade" transition="in">
-                                      <p:cBhvr>
-                                        <p:cTn dur="1000"/>
-                                        <p:tgtEl>
-                                          <p:spTgt spid="92">
-                                            <p:txEl>
-                                              <p:pRg end="3" st="3"/>
-                                            </p:txEl>
-                                          </p:spTgt>
-                                        </p:tgtEl>
-                                      </p:cBhvr>
-                                    </p:animEffect>
-                                  </p:childTnLst>
-                                </p:cTn>
-                              </p:par>
-                            </p:childTnLst>
-                          </p:cTn>
-                        </p:par>
-                      </p:childTnLst>
-                    </p:cTn>
-                  </p:par>
-                </p:childTnLst>
-              </p:cTn>
-              <p:prevCondLst>
-                <p:cond evt="onPrev">
-                  <p:tgtEl>
-                    <p:sldTgt/>
-                  </p:tgtEl>
-                </p:cond>
-              </p:prevCondLst>
-              <p:nextCondLst>
-                <p:cond evt="onNext">
-                  <p:tgtEl>
-                    <p:sldTgt/>
-                  </p:tgtEl>
-                </p:cond>
-              </p:nextCondLst>
-            </p:seq>
-          </p:childTnLst>
-        </p:cTn>
-      </p:par>
-    </p:tnLst>
-  </p:timing>
 </p:sld>
 </file>
 
 <file path=ppt/slides/slide8.xml><?xml version="1.0" encoding="utf-8"?>
-<p:sld xmlns:a="http://schemas.openxmlformats.org/drawingml/2006/main" xmlns:r="http://schemas.openxmlformats.org/officeDocument/2006/relationships" xmlns:mc="http://schemas.openxmlformats.org/markup-compatibility/2006" xmlns:mv="urn:schemas-microsoft-com:mac:vml" xmlns:p="http://schemas.openxmlformats.org/presentationml/2006/main" xmlns:c="http://schemas.openxmlformats.org/drawingml/2006/chart" xmlns:dgm="http://schemas.openxmlformats.org/drawingml/2006/diagram" xmlns:o="urn:schemas-microsoft-com:office:office" xmlns:v="urn:schemas-microsoft-com:vml" xmlns:pvml="urn:schemas-microsoft-com:office:powerpoint" xmlns:com="http://schemas.openxmlformats.org/drawingml/2006/compatibility" xmlns:p14="http://schemas.microsoft.com/office/powerpoint/2010/main" xmlns:p15="http://schemas.microsoft.com/office/powerpoint/2012/main">
+<p:sld xmlns:a="http://schemas.openxmlformats.org/drawingml/2006/main" xmlns:r="http://schemas.openxmlformats.org/officeDocument/2006/relationships" xmlns:p="http://schemas.openxmlformats.org/presentationml/2006/main">
   <p:cSld>
     <p:spTree>
       <p:nvGrpSpPr>
-        <p:cNvPr id="96" name="Shape 96"/>
+        <p:cNvPr id="1" name=""/>
         <p:cNvGrpSpPr/>
         <p:nvPr/>
       </p:nvGrpSpPr>
@@ -9482,390 +8105,59 @@
       </p:grpSpPr>
       <p:sp>
         <p:nvSpPr>
-          <p:cNvPr id="97" name="Shape 97"/>
-          <p:cNvSpPr txBox="1"/>
+          <p:cNvPr id="2" name="Title 1">
+            <a:extLst>
+              <a:ext uri="{FF2B5EF4-FFF2-40B4-BE49-F238E27FC236}">
+                <a16:creationId xmlns:a16="http://schemas.microsoft.com/office/drawing/2014/main" id="{4CA1D703-8BBD-4963-8604-EB1BB7521617}"/>
+              </a:ext>
+            </a:extLst>
+          </p:cNvPr>
+          <p:cNvSpPr>
+            <a:spLocks noGrp="1"/>
+          </p:cNvSpPr>
           <p:nvPr>
             <p:ph type="title"/>
           </p:nvPr>
         </p:nvSpPr>
-        <p:spPr>
-          <a:xfrm>
-            <a:off x="62275" y="-124550"/>
-            <a:ext cx="8769900" cy="524700"/>
-          </a:xfrm>
-          <a:prstGeom prst="rect">
-            <a:avLst/>
-          </a:prstGeom>
-        </p:spPr>
+        <p:spPr/>
         <p:txBody>
-          <a:bodyPr anchorCtr="0" anchor="t" bIns="91425" lIns="91425" spcFirstLastPara="1" rIns="91425" wrap="square" tIns="91425">
-            <a:noAutofit/>
-          </a:bodyPr>
+          <a:bodyPr/>
           <a:lstStyle/>
           <a:p>
-            <a:pPr indent="0" lvl="0" marL="0" rtl="0">
-              <a:spcBef>
-                <a:spcPts val="0"/>
-              </a:spcBef>
-              <a:spcAft>
-                <a:spcPts val="0"/>
-              </a:spcAft>
-              <a:buNone/>
-            </a:pPr>
             <a:r>
-              <a:rPr lang="en" sz="4000"/>
-              <a:t>What is SQL?</a:t>
+              <a:rPr lang="en-US" dirty="0"/>
+              <a:t>Studio Walkthrough(</a:t>
             </a:r>
-            <a:endParaRPr sz="4000"/>
-          </a:p>
-        </p:txBody>
-      </p:sp>
-      <p:sp>
-        <p:nvSpPr>
-          <p:cNvPr id="98" name="Shape 98"/>
-          <p:cNvSpPr txBox="1"/>
-          <p:nvPr/>
-        </p:nvSpPr>
-        <p:spPr>
-          <a:xfrm>
-            <a:off x="418050" y="658225"/>
-            <a:ext cx="8619300" cy="4349700"/>
-          </a:xfrm>
-          <a:prstGeom prst="rect">
-            <a:avLst/>
-          </a:prstGeom>
-          <a:noFill/>
-          <a:ln>
-            <a:noFill/>
-          </a:ln>
-        </p:spPr>
-        <p:txBody>
-          <a:bodyPr anchorCtr="0" anchor="t" bIns="91425" lIns="91425" spcFirstLastPara="1" rIns="91425" wrap="square" tIns="91425">
-            <a:noAutofit/>
-          </a:bodyPr>
-          <a:lstStyle/>
-          <a:p>
-            <a:pPr indent="-381000" lvl="0" marL="457200" rtl="0">
-              <a:lnSpc>
-                <a:spcPct val="115000"/>
-              </a:lnSpc>
-              <a:spcBef>
-                <a:spcPts val="0"/>
-              </a:spcBef>
-              <a:spcAft>
-                <a:spcPts val="0"/>
-              </a:spcAft>
-              <a:buClr>
-                <a:srgbClr val="FFFFFF"/>
-              </a:buClr>
-              <a:buSzPts val="2400"/>
-              <a:buChar char="●"/>
-            </a:pPr>
             <a:r>
-              <a:rPr lang="en" sz="2400">
-                <a:solidFill>
-                  <a:srgbClr val="FFFFFF"/>
-                </a:solidFill>
-              </a:rPr>
-              <a:t>Structured Query Language</a:t>
+              <a:rPr lang="en-US" dirty="0" err="1"/>
+              <a:t>ish</a:t>
             </a:r>
-            <a:endParaRPr sz="2400">
-              <a:solidFill>
-                <a:srgbClr val="FFFFFF"/>
-              </a:solidFill>
-            </a:endParaRPr>
-          </a:p>
-          <a:p>
-            <a:pPr indent="-381000" lvl="0" marL="457200" rtl="0">
-              <a:lnSpc>
-                <a:spcPct val="115000"/>
-              </a:lnSpc>
-              <a:spcBef>
-                <a:spcPts val="1000"/>
-              </a:spcBef>
-              <a:spcAft>
-                <a:spcPts val="0"/>
-              </a:spcAft>
-              <a:buClr>
-                <a:srgbClr val="FFFFFF"/>
-              </a:buClr>
-              <a:buSzPts val="2400"/>
-              <a:buChar char="●"/>
-            </a:pPr>
             <a:r>
-              <a:rPr lang="en" sz="2400">
-                <a:solidFill>
-                  <a:srgbClr val="FFFFFF"/>
-                </a:solidFill>
-              </a:rPr>
-              <a:t>Language/commands used to create, modify, and query</a:t>
+              <a:rPr lang="en-US" dirty="0"/>
+              <a:t>?)</a:t>
             </a:r>
-            <a:endParaRPr sz="2400">
-              <a:solidFill>
-                <a:srgbClr val="FFFFFF"/>
-              </a:solidFill>
-            </a:endParaRPr>
-          </a:p>
-          <a:p>
-            <a:pPr indent="-381000" lvl="0" marL="457200" rtl="0">
-              <a:lnSpc>
-                <a:spcPct val="115000"/>
-              </a:lnSpc>
-              <a:spcBef>
-                <a:spcPts val="1000"/>
-              </a:spcBef>
-              <a:spcAft>
-                <a:spcPts val="0"/>
-              </a:spcAft>
-              <a:buClr>
-                <a:srgbClr val="FFFFFF"/>
-              </a:buClr>
-              <a:buSzPts val="2400"/>
-              <a:buChar char="●"/>
-            </a:pPr>
-            <a:r>
-              <a:rPr lang="en" sz="2400">
-                <a:solidFill>
-                  <a:srgbClr val="FFFFFF"/>
-                </a:solidFill>
-              </a:rPr>
-              <a:t>And there are just a few commands...</a:t>
-            </a:r>
-            <a:endParaRPr sz="2400">
-              <a:solidFill>
-                <a:srgbClr val="FFFFFF"/>
-              </a:solidFill>
-            </a:endParaRPr>
           </a:p>
         </p:txBody>
       </p:sp>
     </p:spTree>
+    <p:extLst>
+      <p:ext uri="{BB962C8B-B14F-4D97-AF65-F5344CB8AC3E}">
+        <p14:creationId xmlns:p14="http://schemas.microsoft.com/office/powerpoint/2010/main" val="2220849723"/>
+      </p:ext>
+    </p:extLst>
   </p:cSld>
   <p:clrMapOvr>
     <a:masterClrMapping/>
   </p:clrMapOvr>
-  <p:timing>
-    <p:tnLst>
-      <p:par>
-        <p:cTn dur="indefinite" nodeType="tmRoot" restart="never">
-          <p:childTnLst>
-            <p:seq concurrent="1" nextAc="seek">
-              <p:cTn dur="indefinite" id="2" nodeType="mainSeq">
-                <p:childTnLst>
-                  <p:par>
-                    <p:cTn fill="hold">
-                      <p:stCondLst>
-                        <p:cond delay="indefinite"/>
-                      </p:stCondLst>
-                      <p:childTnLst>
-                        <p:par>
-                          <p:cTn fill="hold">
-                            <p:stCondLst>
-                              <p:cond delay="0"/>
-                            </p:stCondLst>
-                            <p:childTnLst>
-                              <p:par>
-                                <p:cTn fill="hold" nodeType="clickEffect" presetClass="entr" presetID="10" presetSubtype="0">
-                                  <p:stCondLst>
-                                    <p:cond delay="0"/>
-                                  </p:stCondLst>
-                                  <p:childTnLst>
-                                    <p:set>
-                                      <p:cBhvr>
-                                        <p:cTn dur="1" fill="hold">
-                                          <p:stCondLst>
-                                            <p:cond delay="0"/>
-                                          </p:stCondLst>
-                                        </p:cTn>
-                                        <p:tgtEl>
-                                          <p:spTgt spid="98">
-                                            <p:txEl>
-                                              <p:pRg end="0" st="0"/>
-                                            </p:txEl>
-                                          </p:spTgt>
-                                        </p:tgtEl>
-                                        <p:attrNameLst>
-                                          <p:attrName>style.visibility</p:attrName>
-                                        </p:attrNameLst>
-                                      </p:cBhvr>
-                                      <p:to>
-                                        <p:strVal val="visible"/>
-                                      </p:to>
-                                    </p:set>
-                                    <p:animEffect filter="fade" transition="in">
-                                      <p:cBhvr>
-                                        <p:cTn dur="1000"/>
-                                        <p:tgtEl>
-                                          <p:spTgt spid="98">
-                                            <p:txEl>
-                                              <p:pRg end="0" st="0"/>
-                                            </p:txEl>
-                                          </p:spTgt>
-                                        </p:tgtEl>
-                                      </p:cBhvr>
-                                    </p:animEffect>
-                                  </p:childTnLst>
-                                </p:cTn>
-                              </p:par>
-                            </p:childTnLst>
-                          </p:cTn>
-                        </p:par>
-                      </p:childTnLst>
-                    </p:cTn>
-                  </p:par>
-                  <p:par>
-                    <p:cTn fill="hold">
-                      <p:stCondLst>
-                        <p:cond delay="indefinite"/>
-                      </p:stCondLst>
-                      <p:childTnLst>
-                        <p:par>
-                          <p:cTn fill="hold">
-                            <p:stCondLst>
-                              <p:cond delay="0"/>
-                            </p:stCondLst>
-                            <p:childTnLst>
-                              <p:par>
-                                <p:cTn fill="hold" nodeType="clickEffect" presetClass="entr" presetID="10" presetSubtype="0">
-                                  <p:stCondLst>
-                                    <p:cond delay="0"/>
-                                  </p:stCondLst>
-                                  <p:childTnLst>
-                                    <p:set>
-                                      <p:cBhvr>
-                                        <p:cTn dur="1" fill="hold">
-                                          <p:stCondLst>
-                                            <p:cond delay="0"/>
-                                          </p:stCondLst>
-                                        </p:cTn>
-                                        <p:tgtEl>
-                                          <p:spTgt spid="98">
-                                            <p:txEl>
-                                              <p:pRg end="1" st="1"/>
-                                            </p:txEl>
-                                          </p:spTgt>
-                                        </p:tgtEl>
-                                        <p:attrNameLst>
-                                          <p:attrName>style.visibility</p:attrName>
-                                        </p:attrNameLst>
-                                      </p:cBhvr>
-                                      <p:to>
-                                        <p:strVal val="visible"/>
-                                      </p:to>
-                                    </p:set>
-                                    <p:animEffect filter="fade" transition="in">
-                                      <p:cBhvr>
-                                        <p:cTn dur="1000"/>
-                                        <p:tgtEl>
-                                          <p:spTgt spid="98">
-                                            <p:txEl>
-                                              <p:pRg end="1" st="1"/>
-                                            </p:txEl>
-                                          </p:spTgt>
-                                        </p:tgtEl>
-                                      </p:cBhvr>
-                                    </p:animEffect>
-                                  </p:childTnLst>
-                                </p:cTn>
-                              </p:par>
-                            </p:childTnLst>
-                          </p:cTn>
-                        </p:par>
-                      </p:childTnLst>
-                    </p:cTn>
-                  </p:par>
-                  <p:par>
-                    <p:cTn fill="hold">
-                      <p:stCondLst>
-                        <p:cond delay="indefinite"/>
-                      </p:stCondLst>
-                      <p:childTnLst>
-                        <p:par>
-                          <p:cTn fill="hold">
-                            <p:stCondLst>
-                              <p:cond delay="0"/>
-                            </p:stCondLst>
-                            <p:childTnLst>
-                              <p:par>
-                                <p:cTn fill="hold" nodeType="clickEffect" presetClass="entr" presetID="10" presetSubtype="0">
-                                  <p:stCondLst>
-                                    <p:cond delay="0"/>
-                                  </p:stCondLst>
-                                  <p:childTnLst>
-                                    <p:set>
-                                      <p:cBhvr>
-                                        <p:cTn dur="1" fill="hold">
-                                          <p:stCondLst>
-                                            <p:cond delay="0"/>
-                                          </p:stCondLst>
-                                        </p:cTn>
-                                        <p:tgtEl>
-                                          <p:spTgt spid="98">
-                                            <p:txEl>
-                                              <p:pRg end="2" st="2"/>
-                                            </p:txEl>
-                                          </p:spTgt>
-                                        </p:tgtEl>
-                                        <p:attrNameLst>
-                                          <p:attrName>style.visibility</p:attrName>
-                                        </p:attrNameLst>
-                                      </p:cBhvr>
-                                      <p:to>
-                                        <p:strVal val="visible"/>
-                                      </p:to>
-                                    </p:set>
-                                    <p:animEffect filter="fade" transition="in">
-                                      <p:cBhvr>
-                                        <p:cTn dur="1000"/>
-                                        <p:tgtEl>
-                                          <p:spTgt spid="98">
-                                            <p:txEl>
-                                              <p:pRg end="2" st="2"/>
-                                            </p:txEl>
-                                          </p:spTgt>
-                                        </p:tgtEl>
-                                      </p:cBhvr>
-                                    </p:animEffect>
-                                  </p:childTnLst>
-                                </p:cTn>
-                              </p:par>
-                            </p:childTnLst>
-                          </p:cTn>
-                        </p:par>
-                      </p:childTnLst>
-                    </p:cTn>
-                  </p:par>
-                </p:childTnLst>
-              </p:cTn>
-              <p:prevCondLst>
-                <p:cond evt="onPrev">
-                  <p:tgtEl>
-                    <p:sldTgt/>
-                  </p:tgtEl>
-                </p:cond>
-              </p:prevCondLst>
-              <p:nextCondLst>
-                <p:cond evt="onNext">
-                  <p:tgtEl>
-                    <p:sldTgt/>
-                  </p:tgtEl>
-                </p:cond>
-              </p:nextCondLst>
-            </p:seq>
-          </p:childTnLst>
-        </p:cTn>
-      </p:par>
-    </p:tnLst>
-  </p:timing>
 </p:sld>
 </file>
 
 <file path=ppt/slides/slide9.xml><?xml version="1.0" encoding="utf-8"?>
-<p:sld xmlns:a="http://schemas.openxmlformats.org/drawingml/2006/main" xmlns:r="http://schemas.openxmlformats.org/officeDocument/2006/relationships" xmlns:mc="http://schemas.openxmlformats.org/markup-compatibility/2006" xmlns:mv="urn:schemas-microsoft-com:mac:vml" xmlns:p="http://schemas.openxmlformats.org/presentationml/2006/main" xmlns:c="http://schemas.openxmlformats.org/drawingml/2006/chart" xmlns:dgm="http://schemas.openxmlformats.org/drawingml/2006/diagram" xmlns:o="urn:schemas-microsoft-com:office:office" xmlns:v="urn:schemas-microsoft-com:vml" xmlns:pvml="urn:schemas-microsoft-com:office:powerpoint" xmlns:com="http://schemas.openxmlformats.org/drawingml/2006/compatibility" xmlns:p14="http://schemas.microsoft.com/office/powerpoint/2010/main" xmlns:p15="http://schemas.microsoft.com/office/powerpoint/2012/main">
+<p:sld xmlns:a="http://schemas.openxmlformats.org/drawingml/2006/main" xmlns:r="http://schemas.openxmlformats.org/officeDocument/2006/relationships" xmlns:p="http://schemas.openxmlformats.org/presentationml/2006/main">
   <p:cSld>
     <p:spTree>
       <p:nvGrpSpPr>
-        <p:cNvPr id="102" name="Shape 102"/>
+        <p:cNvPr id="1" name=""/>
         <p:cNvGrpSpPr/>
         <p:nvPr/>
       </p:nvGrpSpPr>
@@ -9879,662 +8171,83 @@
       </p:grpSpPr>
       <p:sp>
         <p:nvSpPr>
-          <p:cNvPr id="103" name="Shape 103"/>
-          <p:cNvSpPr txBox="1"/>
+          <p:cNvPr id="3" name="Subtitle 2">
+            <a:extLst>
+              <a:ext uri="{FF2B5EF4-FFF2-40B4-BE49-F238E27FC236}">
+                <a16:creationId xmlns:a16="http://schemas.microsoft.com/office/drawing/2014/main" id="{483D57B8-F46D-4726-8A6F-FC084D1851A2}"/>
+              </a:ext>
+            </a:extLst>
+          </p:cNvPr>
+          <p:cNvSpPr>
+            <a:spLocks noGrp="1"/>
+          </p:cNvSpPr>
           <p:nvPr>
-            <p:ph type="title"/>
+            <p:ph type="subTitle" idx="1"/>
           </p:nvPr>
         </p:nvSpPr>
-        <p:spPr>
-          <a:xfrm>
-            <a:off x="62275" y="-124550"/>
-            <a:ext cx="8769900" cy="524700"/>
-          </a:xfrm>
-          <a:prstGeom prst="rect">
-            <a:avLst/>
-          </a:prstGeom>
-        </p:spPr>
+        <p:spPr/>
         <p:txBody>
-          <a:bodyPr anchorCtr="0" anchor="t" bIns="91425" lIns="91425" spcFirstLastPara="1" rIns="91425" wrap="square" tIns="91425">
-            <a:noAutofit/>
-          </a:bodyPr>
+          <a:bodyPr/>
           <a:lstStyle/>
           <a:p>
-            <a:pPr indent="0" lvl="0" marL="0" rtl="0">
-              <a:spcBef>
-                <a:spcPts val="0"/>
-              </a:spcBef>
-              <a:spcAft>
-                <a:spcPts val="0"/>
-              </a:spcAft>
-              <a:buNone/>
-            </a:pPr>
             <a:r>
-              <a:rPr lang="en" sz="4000"/>
-              <a:t>What is SQL?</a:t>
+              <a:rPr lang="en-US" dirty="0"/>
+              <a:t>Let’s watch the demo video!</a:t>
             </a:r>
-            <a:endParaRPr sz="4000"/>
           </a:p>
         </p:txBody>
       </p:sp>
       <p:sp>
         <p:nvSpPr>
-          <p:cNvPr id="104" name="Shape 104"/>
-          <p:cNvSpPr txBox="1"/>
-          <p:nvPr/>
+          <p:cNvPr id="4" name="Title 1">
+            <a:extLst>
+              <a:ext uri="{FF2B5EF4-FFF2-40B4-BE49-F238E27FC236}">
+                <a16:creationId xmlns:a16="http://schemas.microsoft.com/office/drawing/2014/main" id="{63B4B33F-7DC6-4510-8F59-CBAFE51FCB98}"/>
+              </a:ext>
+            </a:extLst>
+          </p:cNvPr>
+          <p:cNvSpPr>
+            <a:spLocks noGrp="1"/>
+          </p:cNvSpPr>
+          <p:nvPr>
+            <p:ph type="ctrTitle"/>
+          </p:nvPr>
         </p:nvSpPr>
-        <p:spPr>
-          <a:xfrm>
-            <a:off x="418050" y="658225"/>
-            <a:ext cx="8619300" cy="4349700"/>
-          </a:xfrm>
-          <a:prstGeom prst="rect">
-            <a:avLst/>
-          </a:prstGeom>
-          <a:noFill/>
-          <a:ln>
-            <a:noFill/>
-          </a:ln>
-        </p:spPr>
+        <p:spPr/>
         <p:txBody>
-          <a:bodyPr anchorCtr="0" anchor="t" bIns="91425" lIns="91425" spcFirstLastPara="1" rIns="91425" wrap="square" tIns="91425">
-            <a:noAutofit/>
-          </a:bodyPr>
+          <a:bodyPr/>
           <a:lstStyle/>
           <a:p>
-            <a:pPr indent="-381000" lvl="0" marL="457200" rtl="0">
-              <a:lnSpc>
-                <a:spcPct val="115000"/>
-              </a:lnSpc>
-              <a:spcBef>
-                <a:spcPts val="0"/>
-              </a:spcBef>
-              <a:spcAft>
-                <a:spcPts val="0"/>
-              </a:spcAft>
-              <a:buClr>
-                <a:srgbClr val="FFFFFF"/>
-              </a:buClr>
-              <a:buSzPts val="2400"/>
-              <a:buChar char="●"/>
-            </a:pPr>
             <a:r>
-              <a:rPr lang="en" sz="2400">
-                <a:solidFill>
-                  <a:srgbClr val="FFFFFF"/>
-                </a:solidFill>
-              </a:rPr>
-              <a:t>Create table</a:t>
+              <a:rPr lang="en-US" dirty="0"/>
+              <a:t>Studio Walkthrough(</a:t>
             </a:r>
-            <a:endParaRPr sz="2400">
-              <a:solidFill>
-                <a:srgbClr val="FFFFFF"/>
-              </a:solidFill>
-            </a:endParaRPr>
-          </a:p>
-          <a:p>
-            <a:pPr indent="-381000" lvl="0" marL="457200" rtl="0">
-              <a:lnSpc>
-                <a:spcPct val="115000"/>
-              </a:lnSpc>
-              <a:spcBef>
-                <a:spcPts val="0"/>
-              </a:spcBef>
-              <a:spcAft>
-                <a:spcPts val="0"/>
-              </a:spcAft>
-              <a:buClr>
-                <a:srgbClr val="FFFFFF"/>
-              </a:buClr>
-              <a:buSzPts val="2400"/>
-              <a:buChar char="●"/>
-            </a:pPr>
             <a:r>
-              <a:rPr lang="en" sz="2400">
-                <a:solidFill>
-                  <a:srgbClr val="FFFFFF"/>
-                </a:solidFill>
-              </a:rPr>
-              <a:t>Drop table</a:t>
+              <a:rPr lang="en-US" dirty="0" err="1"/>
+              <a:t>ish</a:t>
             </a:r>
-            <a:endParaRPr sz="2400">
-              <a:solidFill>
-                <a:srgbClr val="FFFFFF"/>
-              </a:solidFill>
-            </a:endParaRPr>
-          </a:p>
-          <a:p>
-            <a:pPr indent="-381000" lvl="0" marL="457200" rtl="0">
-              <a:lnSpc>
-                <a:spcPct val="115000"/>
-              </a:lnSpc>
-              <a:spcBef>
-                <a:spcPts val="0"/>
-              </a:spcBef>
-              <a:spcAft>
-                <a:spcPts val="0"/>
-              </a:spcAft>
-              <a:buClr>
-                <a:srgbClr val="FFFFFF"/>
-              </a:buClr>
-              <a:buSzPts val="2400"/>
-              <a:buChar char="●"/>
-            </a:pPr>
             <a:r>
-              <a:rPr lang="en" sz="2400">
-                <a:solidFill>
-                  <a:srgbClr val="FFFFFF"/>
-                </a:solidFill>
-              </a:rPr>
-              <a:t>Select</a:t>
+              <a:rPr lang="en-US" dirty="0"/>
+              <a:t>?)</a:t>
             </a:r>
-            <a:endParaRPr sz="2400">
-              <a:solidFill>
-                <a:srgbClr val="FFFFFF"/>
-              </a:solidFill>
-            </a:endParaRPr>
-          </a:p>
-          <a:p>
-            <a:pPr indent="-381000" lvl="0" marL="457200" rtl="0">
-              <a:lnSpc>
-                <a:spcPct val="115000"/>
-              </a:lnSpc>
-              <a:spcBef>
-                <a:spcPts val="0"/>
-              </a:spcBef>
-              <a:spcAft>
-                <a:spcPts val="0"/>
-              </a:spcAft>
-              <a:buClr>
-                <a:srgbClr val="FFFFFF"/>
-              </a:buClr>
-              <a:buSzPts val="2400"/>
-              <a:buChar char="●"/>
-            </a:pPr>
-            <a:r>
-              <a:rPr lang="en" sz="2400">
-                <a:solidFill>
-                  <a:srgbClr val="FFFFFF"/>
-                </a:solidFill>
-              </a:rPr>
-              <a:t>Insert</a:t>
-            </a:r>
-            <a:endParaRPr sz="2400">
-              <a:solidFill>
-                <a:srgbClr val="FFFFFF"/>
-              </a:solidFill>
-            </a:endParaRPr>
-          </a:p>
-          <a:p>
-            <a:pPr indent="-381000" lvl="0" marL="457200" rtl="0">
-              <a:lnSpc>
-                <a:spcPct val="115000"/>
-              </a:lnSpc>
-              <a:spcBef>
-                <a:spcPts val="0"/>
-              </a:spcBef>
-              <a:spcAft>
-                <a:spcPts val="0"/>
-              </a:spcAft>
-              <a:buClr>
-                <a:srgbClr val="FFFFFF"/>
-              </a:buClr>
-              <a:buSzPts val="2400"/>
-              <a:buChar char="●"/>
-            </a:pPr>
-            <a:r>
-              <a:rPr lang="en" sz="2400">
-                <a:solidFill>
-                  <a:srgbClr val="FFFFFF"/>
-                </a:solidFill>
-              </a:rPr>
-              <a:t>Update</a:t>
-            </a:r>
-            <a:endParaRPr sz="2400">
-              <a:solidFill>
-                <a:srgbClr val="FFFFFF"/>
-              </a:solidFill>
-            </a:endParaRPr>
-          </a:p>
-          <a:p>
-            <a:pPr indent="-381000" lvl="0" marL="457200" rtl="0">
-              <a:lnSpc>
-                <a:spcPct val="115000"/>
-              </a:lnSpc>
-              <a:spcBef>
-                <a:spcPts val="0"/>
-              </a:spcBef>
-              <a:spcAft>
-                <a:spcPts val="0"/>
-              </a:spcAft>
-              <a:buClr>
-                <a:srgbClr val="FFFFFF"/>
-              </a:buClr>
-              <a:buSzPts val="2400"/>
-              <a:buChar char="●"/>
-            </a:pPr>
-            <a:r>
-              <a:rPr lang="en" sz="2400">
-                <a:solidFill>
-                  <a:srgbClr val="FFFFFF"/>
-                </a:solidFill>
-              </a:rPr>
-              <a:t>Delete</a:t>
-            </a:r>
-            <a:endParaRPr sz="2400">
-              <a:solidFill>
-                <a:srgbClr val="FFFFFF"/>
-              </a:solidFill>
-            </a:endParaRPr>
           </a:p>
         </p:txBody>
       </p:sp>
     </p:spTree>
+    <p:extLst>
+      <p:ext uri="{BB962C8B-B14F-4D97-AF65-F5344CB8AC3E}">
+        <p14:creationId xmlns:p14="http://schemas.microsoft.com/office/powerpoint/2010/main" val="2047748343"/>
+      </p:ext>
+    </p:extLst>
   </p:cSld>
   <p:clrMapOvr>
     <a:masterClrMapping/>
   </p:clrMapOvr>
-  <p:timing>
-    <p:tnLst>
-      <p:par>
-        <p:cTn dur="indefinite" nodeType="tmRoot" restart="never">
-          <p:childTnLst>
-            <p:seq concurrent="1" nextAc="seek">
-              <p:cTn dur="indefinite" id="2" nodeType="mainSeq">
-                <p:childTnLst>
-                  <p:par>
-                    <p:cTn fill="hold">
-                      <p:stCondLst>
-                        <p:cond delay="indefinite"/>
-                      </p:stCondLst>
-                      <p:childTnLst>
-                        <p:par>
-                          <p:cTn fill="hold">
-                            <p:stCondLst>
-                              <p:cond delay="0"/>
-                            </p:stCondLst>
-                            <p:childTnLst>
-                              <p:par>
-                                <p:cTn fill="hold" nodeType="clickEffect" presetClass="entr" presetID="10" presetSubtype="0">
-                                  <p:stCondLst>
-                                    <p:cond delay="0"/>
-                                  </p:stCondLst>
-                                  <p:childTnLst>
-                                    <p:set>
-                                      <p:cBhvr>
-                                        <p:cTn dur="1" fill="hold">
-                                          <p:stCondLst>
-                                            <p:cond delay="0"/>
-                                          </p:stCondLst>
-                                        </p:cTn>
-                                        <p:tgtEl>
-                                          <p:spTgt spid="104">
-                                            <p:txEl>
-                                              <p:pRg end="0" st="0"/>
-                                            </p:txEl>
-                                          </p:spTgt>
-                                        </p:tgtEl>
-                                        <p:attrNameLst>
-                                          <p:attrName>style.visibility</p:attrName>
-                                        </p:attrNameLst>
-                                      </p:cBhvr>
-                                      <p:to>
-                                        <p:strVal val="visible"/>
-                                      </p:to>
-                                    </p:set>
-                                    <p:animEffect filter="fade" transition="in">
-                                      <p:cBhvr>
-                                        <p:cTn dur="1000"/>
-                                        <p:tgtEl>
-                                          <p:spTgt spid="104">
-                                            <p:txEl>
-                                              <p:pRg end="0" st="0"/>
-                                            </p:txEl>
-                                          </p:spTgt>
-                                        </p:tgtEl>
-                                      </p:cBhvr>
-                                    </p:animEffect>
-                                  </p:childTnLst>
-                                </p:cTn>
-                              </p:par>
-                            </p:childTnLst>
-                          </p:cTn>
-                        </p:par>
-                      </p:childTnLst>
-                    </p:cTn>
-                  </p:par>
-                  <p:par>
-                    <p:cTn fill="hold">
-                      <p:stCondLst>
-                        <p:cond delay="indefinite"/>
-                      </p:stCondLst>
-                      <p:childTnLst>
-                        <p:par>
-                          <p:cTn fill="hold">
-                            <p:stCondLst>
-                              <p:cond delay="0"/>
-                            </p:stCondLst>
-                            <p:childTnLst>
-                              <p:par>
-                                <p:cTn fill="hold" nodeType="clickEffect" presetClass="entr" presetID="10" presetSubtype="0">
-                                  <p:stCondLst>
-                                    <p:cond delay="0"/>
-                                  </p:stCondLst>
-                                  <p:childTnLst>
-                                    <p:set>
-                                      <p:cBhvr>
-                                        <p:cTn dur="1" fill="hold">
-                                          <p:stCondLst>
-                                            <p:cond delay="0"/>
-                                          </p:stCondLst>
-                                        </p:cTn>
-                                        <p:tgtEl>
-                                          <p:spTgt spid="104">
-                                            <p:txEl>
-                                              <p:pRg end="1" st="1"/>
-                                            </p:txEl>
-                                          </p:spTgt>
-                                        </p:tgtEl>
-                                        <p:attrNameLst>
-                                          <p:attrName>style.visibility</p:attrName>
-                                        </p:attrNameLst>
-                                      </p:cBhvr>
-                                      <p:to>
-                                        <p:strVal val="visible"/>
-                                      </p:to>
-                                    </p:set>
-                                    <p:animEffect filter="fade" transition="in">
-                                      <p:cBhvr>
-                                        <p:cTn dur="1000"/>
-                                        <p:tgtEl>
-                                          <p:spTgt spid="104">
-                                            <p:txEl>
-                                              <p:pRg end="1" st="1"/>
-                                            </p:txEl>
-                                          </p:spTgt>
-                                        </p:tgtEl>
-                                      </p:cBhvr>
-                                    </p:animEffect>
-                                  </p:childTnLst>
-                                </p:cTn>
-                              </p:par>
-                            </p:childTnLst>
-                          </p:cTn>
-                        </p:par>
-                      </p:childTnLst>
-                    </p:cTn>
-                  </p:par>
-                  <p:par>
-                    <p:cTn fill="hold">
-                      <p:stCondLst>
-                        <p:cond delay="indefinite"/>
-                      </p:stCondLst>
-                      <p:childTnLst>
-                        <p:par>
-                          <p:cTn fill="hold">
-                            <p:stCondLst>
-                              <p:cond delay="0"/>
-                            </p:stCondLst>
-                            <p:childTnLst>
-                              <p:par>
-                                <p:cTn fill="hold" nodeType="clickEffect" presetClass="entr" presetID="10" presetSubtype="0">
-                                  <p:stCondLst>
-                                    <p:cond delay="0"/>
-                                  </p:stCondLst>
-                                  <p:childTnLst>
-                                    <p:set>
-                                      <p:cBhvr>
-                                        <p:cTn dur="1" fill="hold">
-                                          <p:stCondLst>
-                                            <p:cond delay="0"/>
-                                          </p:stCondLst>
-                                        </p:cTn>
-                                        <p:tgtEl>
-                                          <p:spTgt spid="104">
-                                            <p:txEl>
-                                              <p:pRg end="2" st="2"/>
-                                            </p:txEl>
-                                          </p:spTgt>
-                                        </p:tgtEl>
-                                        <p:attrNameLst>
-                                          <p:attrName>style.visibility</p:attrName>
-                                        </p:attrNameLst>
-                                      </p:cBhvr>
-                                      <p:to>
-                                        <p:strVal val="visible"/>
-                                      </p:to>
-                                    </p:set>
-                                    <p:animEffect filter="fade" transition="in">
-                                      <p:cBhvr>
-                                        <p:cTn dur="1000"/>
-                                        <p:tgtEl>
-                                          <p:spTgt spid="104">
-                                            <p:txEl>
-                                              <p:pRg end="2" st="2"/>
-                                            </p:txEl>
-                                          </p:spTgt>
-                                        </p:tgtEl>
-                                      </p:cBhvr>
-                                    </p:animEffect>
-                                  </p:childTnLst>
-                                </p:cTn>
-                              </p:par>
-                            </p:childTnLst>
-                          </p:cTn>
-                        </p:par>
-                      </p:childTnLst>
-                    </p:cTn>
-                  </p:par>
-                  <p:par>
-                    <p:cTn fill="hold">
-                      <p:stCondLst>
-                        <p:cond delay="indefinite"/>
-                      </p:stCondLst>
-                      <p:childTnLst>
-                        <p:par>
-                          <p:cTn fill="hold">
-                            <p:stCondLst>
-                              <p:cond delay="0"/>
-                            </p:stCondLst>
-                            <p:childTnLst>
-                              <p:par>
-                                <p:cTn fill="hold" nodeType="clickEffect" presetClass="entr" presetID="10" presetSubtype="0">
-                                  <p:stCondLst>
-                                    <p:cond delay="0"/>
-                                  </p:stCondLst>
-                                  <p:childTnLst>
-                                    <p:set>
-                                      <p:cBhvr>
-                                        <p:cTn dur="1" fill="hold">
-                                          <p:stCondLst>
-                                            <p:cond delay="0"/>
-                                          </p:stCondLst>
-                                        </p:cTn>
-                                        <p:tgtEl>
-                                          <p:spTgt spid="104">
-                                            <p:txEl>
-                                              <p:pRg end="3" st="3"/>
-                                            </p:txEl>
-                                          </p:spTgt>
-                                        </p:tgtEl>
-                                        <p:attrNameLst>
-                                          <p:attrName>style.visibility</p:attrName>
-                                        </p:attrNameLst>
-                                      </p:cBhvr>
-                                      <p:to>
-                                        <p:strVal val="visible"/>
-                                      </p:to>
-                                    </p:set>
-                                    <p:animEffect filter="fade" transition="in">
-                                      <p:cBhvr>
-                                        <p:cTn dur="1000"/>
-                                        <p:tgtEl>
-                                          <p:spTgt spid="104">
-                                            <p:txEl>
-                                              <p:pRg end="3" st="3"/>
-                                            </p:txEl>
-                                          </p:spTgt>
-                                        </p:tgtEl>
-                                      </p:cBhvr>
-                                    </p:animEffect>
-                                  </p:childTnLst>
-                                </p:cTn>
-                              </p:par>
-                            </p:childTnLst>
-                          </p:cTn>
-                        </p:par>
-                      </p:childTnLst>
-                    </p:cTn>
-                  </p:par>
-                  <p:par>
-                    <p:cTn fill="hold">
-                      <p:stCondLst>
-                        <p:cond delay="indefinite"/>
-                      </p:stCondLst>
-                      <p:childTnLst>
-                        <p:par>
-                          <p:cTn fill="hold">
-                            <p:stCondLst>
-                              <p:cond delay="0"/>
-                            </p:stCondLst>
-                            <p:childTnLst>
-                              <p:par>
-                                <p:cTn fill="hold" nodeType="clickEffect" presetClass="entr" presetID="10" presetSubtype="0">
-                                  <p:stCondLst>
-                                    <p:cond delay="0"/>
-                                  </p:stCondLst>
-                                  <p:childTnLst>
-                                    <p:set>
-                                      <p:cBhvr>
-                                        <p:cTn dur="1" fill="hold">
-                                          <p:stCondLst>
-                                            <p:cond delay="0"/>
-                                          </p:stCondLst>
-                                        </p:cTn>
-                                        <p:tgtEl>
-                                          <p:spTgt spid="104">
-                                            <p:txEl>
-                                              <p:pRg end="4" st="4"/>
-                                            </p:txEl>
-                                          </p:spTgt>
-                                        </p:tgtEl>
-                                        <p:attrNameLst>
-                                          <p:attrName>style.visibility</p:attrName>
-                                        </p:attrNameLst>
-                                      </p:cBhvr>
-                                      <p:to>
-                                        <p:strVal val="visible"/>
-                                      </p:to>
-                                    </p:set>
-                                    <p:animEffect filter="fade" transition="in">
-                                      <p:cBhvr>
-                                        <p:cTn dur="1000"/>
-                                        <p:tgtEl>
-                                          <p:spTgt spid="104">
-                                            <p:txEl>
-                                              <p:pRg end="4" st="4"/>
-                                            </p:txEl>
-                                          </p:spTgt>
-                                        </p:tgtEl>
-                                      </p:cBhvr>
-                                    </p:animEffect>
-                                  </p:childTnLst>
-                                </p:cTn>
-                              </p:par>
-                            </p:childTnLst>
-                          </p:cTn>
-                        </p:par>
-                      </p:childTnLst>
-                    </p:cTn>
-                  </p:par>
-                  <p:par>
-                    <p:cTn fill="hold">
-                      <p:stCondLst>
-                        <p:cond delay="indefinite"/>
-                      </p:stCondLst>
-                      <p:childTnLst>
-                        <p:par>
-                          <p:cTn fill="hold">
-                            <p:stCondLst>
-                              <p:cond delay="0"/>
-                            </p:stCondLst>
-                            <p:childTnLst>
-                              <p:par>
-                                <p:cTn fill="hold" nodeType="clickEffect" presetClass="entr" presetID="10" presetSubtype="0">
-                                  <p:stCondLst>
-                                    <p:cond delay="0"/>
-                                  </p:stCondLst>
-                                  <p:childTnLst>
-                                    <p:set>
-                                      <p:cBhvr>
-                                        <p:cTn dur="1" fill="hold">
-                                          <p:stCondLst>
-                                            <p:cond delay="0"/>
-                                          </p:stCondLst>
-                                        </p:cTn>
-                                        <p:tgtEl>
-                                          <p:spTgt spid="104">
-                                            <p:txEl>
-                                              <p:pRg end="5" st="5"/>
-                                            </p:txEl>
-                                          </p:spTgt>
-                                        </p:tgtEl>
-                                        <p:attrNameLst>
-                                          <p:attrName>style.visibility</p:attrName>
-                                        </p:attrNameLst>
-                                      </p:cBhvr>
-                                      <p:to>
-                                        <p:strVal val="visible"/>
-                                      </p:to>
-                                    </p:set>
-                                    <p:animEffect filter="fade" transition="in">
-                                      <p:cBhvr>
-                                        <p:cTn dur="1000"/>
-                                        <p:tgtEl>
-                                          <p:spTgt spid="104">
-                                            <p:txEl>
-                                              <p:pRg end="5" st="5"/>
-                                            </p:txEl>
-                                          </p:spTgt>
-                                        </p:tgtEl>
-                                      </p:cBhvr>
-                                    </p:animEffect>
-                                  </p:childTnLst>
-                                </p:cTn>
-                              </p:par>
-                            </p:childTnLst>
-                          </p:cTn>
-                        </p:par>
-                      </p:childTnLst>
-                    </p:cTn>
-                  </p:par>
-                </p:childTnLst>
-              </p:cTn>
-              <p:prevCondLst>
-                <p:cond evt="onPrev">
-                  <p:tgtEl>
-                    <p:sldTgt/>
-                  </p:tgtEl>
-                </p:cond>
-              </p:prevCondLst>
-              <p:nextCondLst>
-                <p:cond evt="onNext">
-                  <p:tgtEl>
-                    <p:sldTgt/>
-                  </p:tgtEl>
-                </p:cond>
-              </p:nextCondLst>
-            </p:seq>
-          </p:childTnLst>
-        </p:cTn>
-      </p:par>
-    </p:tnLst>
-  </p:timing>
 </p:sld>
 </file>
 
 <file path=ppt/theme/theme1.xml><?xml version="1.0" encoding="utf-8"?>
-<a:theme xmlns:a="http://schemas.openxmlformats.org/drawingml/2006/main" xmlns:r="http://schemas.openxmlformats.org/officeDocument/2006/relationships" name="Simple Dark">
+<a:theme xmlns:a="http://schemas.openxmlformats.org/drawingml/2006/main" name="Simple Dark">
   <a:themeElements>
     <a:clrScheme name="Simple Dark">
       <a:dk1>
@@ -10809,11 +8522,13 @@
       </a:bgFillStyleLst>
     </a:fmtScheme>
   </a:themeElements>
+  <a:objectDefaults/>
+  <a:extraClrSchemeLst/>
 </a:theme>
 </file>
 
 <file path=ppt/theme/theme2.xml><?xml version="1.0" encoding="utf-8"?>
-<a:theme xmlns:a="http://schemas.openxmlformats.org/drawingml/2006/main" xmlns:r="http://schemas.openxmlformats.org/officeDocument/2006/relationships">
+<a:theme xmlns:a="http://schemas.openxmlformats.org/drawingml/2006/main">
   <a:themeElements>
     <a:clrScheme name="Default">
       <a:dk1>
@@ -11088,5 +8803,7 @@
       </a:bgFillStyleLst>
     </a:fmtScheme>
   </a:themeElements>
+  <a:objectDefaults/>
+  <a:extraClrSchemeLst/>
 </a:theme>
 </file>